--- a/Predicting Influencers in a Social Network.pptx
+++ b/Predicting Influencers in a Social Network.pptx
@@ -253,7 +253,7 @@
           <a:p>
             <a:fld id="{A1E43CF0-0252-41F7-9C8E-CC9681AEFB28}" type="datetimeFigureOut">
               <a:rPr lang="en-US" smtClean="0"/>
-              <a:t>25-Nov-16</a:t>
+              <a:t>11/26/2016</a:t>
             </a:fld>
             <a:endParaRPr lang="en-US"/>
           </a:p>
@@ -421,7 +421,7 @@
           <a:p>
             <a:fld id="{A1E43CF0-0252-41F7-9C8E-CC9681AEFB28}" type="datetimeFigureOut">
               <a:rPr lang="en-US" smtClean="0"/>
-              <a:t>25-Nov-16</a:t>
+              <a:t>11/26/2016</a:t>
             </a:fld>
             <a:endParaRPr lang="en-US"/>
           </a:p>
@@ -599,7 +599,7 @@
           <a:p>
             <a:fld id="{A1E43CF0-0252-41F7-9C8E-CC9681AEFB28}" type="datetimeFigureOut">
               <a:rPr lang="en-US" smtClean="0"/>
-              <a:t>25-Nov-16</a:t>
+              <a:t>11/26/2016</a:t>
             </a:fld>
             <a:endParaRPr lang="en-US"/>
           </a:p>
@@ -767,7 +767,7 @@
           <a:p>
             <a:fld id="{A1E43CF0-0252-41F7-9C8E-CC9681AEFB28}" type="datetimeFigureOut">
               <a:rPr lang="en-US" smtClean="0"/>
-              <a:t>25-Nov-16</a:t>
+              <a:t>11/26/2016</a:t>
             </a:fld>
             <a:endParaRPr lang="en-US"/>
           </a:p>
@@ -1012,7 +1012,7 @@
           <a:p>
             <a:fld id="{A1E43CF0-0252-41F7-9C8E-CC9681AEFB28}" type="datetimeFigureOut">
               <a:rPr lang="en-US" smtClean="0"/>
-              <a:t>25-Nov-16</a:t>
+              <a:t>11/26/2016</a:t>
             </a:fld>
             <a:endParaRPr lang="en-US"/>
           </a:p>
@@ -1241,7 +1241,7 @@
           <a:p>
             <a:fld id="{A1E43CF0-0252-41F7-9C8E-CC9681AEFB28}" type="datetimeFigureOut">
               <a:rPr lang="en-US" smtClean="0"/>
-              <a:t>25-Nov-16</a:t>
+              <a:t>11/26/2016</a:t>
             </a:fld>
             <a:endParaRPr lang="en-US"/>
           </a:p>
@@ -1605,7 +1605,7 @@
           <a:p>
             <a:fld id="{A1E43CF0-0252-41F7-9C8E-CC9681AEFB28}" type="datetimeFigureOut">
               <a:rPr lang="en-US" smtClean="0"/>
-              <a:t>25-Nov-16</a:t>
+              <a:t>11/26/2016</a:t>
             </a:fld>
             <a:endParaRPr lang="en-US"/>
           </a:p>
@@ -1722,7 +1722,7 @@
           <a:p>
             <a:fld id="{A1E43CF0-0252-41F7-9C8E-CC9681AEFB28}" type="datetimeFigureOut">
               <a:rPr lang="en-US" smtClean="0"/>
-              <a:t>25-Nov-16</a:t>
+              <a:t>11/26/2016</a:t>
             </a:fld>
             <a:endParaRPr lang="en-US"/>
           </a:p>
@@ -1817,7 +1817,7 @@
           <a:p>
             <a:fld id="{A1E43CF0-0252-41F7-9C8E-CC9681AEFB28}" type="datetimeFigureOut">
               <a:rPr lang="en-US" smtClean="0"/>
-              <a:t>25-Nov-16</a:t>
+              <a:t>11/26/2016</a:t>
             </a:fld>
             <a:endParaRPr lang="en-US"/>
           </a:p>
@@ -2092,7 +2092,7 @@
           <a:p>
             <a:fld id="{A1E43CF0-0252-41F7-9C8E-CC9681AEFB28}" type="datetimeFigureOut">
               <a:rPr lang="en-US" smtClean="0"/>
-              <a:t>25-Nov-16</a:t>
+              <a:t>11/26/2016</a:t>
             </a:fld>
             <a:endParaRPr lang="en-US"/>
           </a:p>
@@ -2344,7 +2344,7 @@
           <a:p>
             <a:fld id="{A1E43CF0-0252-41F7-9C8E-CC9681AEFB28}" type="datetimeFigureOut">
               <a:rPr lang="en-US" smtClean="0"/>
-              <a:t>25-Nov-16</a:t>
+              <a:t>11/26/2016</a:t>
             </a:fld>
             <a:endParaRPr lang="en-US"/>
           </a:p>
@@ -2409,9 +2409,35 @@
 <p:sldMaster xmlns:a="http://schemas.openxmlformats.org/drawingml/2006/main" xmlns:r="http://schemas.openxmlformats.org/officeDocument/2006/relationships" xmlns:p="http://schemas.openxmlformats.org/presentationml/2006/main">
   <p:cSld>
     <p:bg>
-      <p:bgRef idx="1001">
-        <a:schemeClr val="bg1"/>
-      </p:bgRef>
+      <p:bgPr>
+        <a:gradFill flip="none" rotWithShape="1">
+          <a:gsLst>
+            <a:gs pos="0">
+              <a:schemeClr val="accent1">
+                <a:lumMod val="0"/>
+                <a:lumOff val="100000"/>
+              </a:schemeClr>
+            </a:gs>
+            <a:gs pos="71000">
+              <a:schemeClr val="accent1">
+                <a:lumMod val="10000"/>
+                <a:lumOff val="90000"/>
+              </a:schemeClr>
+            </a:gs>
+            <a:gs pos="100000">
+              <a:schemeClr val="accent1">
+                <a:lumMod val="40000"/>
+                <a:lumOff val="60000"/>
+              </a:schemeClr>
+            </a:gs>
+          </a:gsLst>
+          <a:path path="shape">
+            <a:fillToRect l="50000" t="50000" r="50000" b="50000"/>
+          </a:path>
+          <a:tileRect/>
+        </a:gradFill>
+        <a:effectLst/>
+      </p:bgPr>
     </p:bg>
     <p:spTree>
       <p:nvGrpSpPr>
@@ -2555,7 +2581,7 @@
           <a:p>
             <a:fld id="{A1E43CF0-0252-41F7-9C8E-CC9681AEFB28}" type="datetimeFigureOut">
               <a:rPr lang="en-US" smtClean="0"/>
-              <a:t>25-Nov-16</a:t>
+              <a:t>11/26/2016</a:t>
             </a:fld>
             <a:endParaRPr lang="en-US"/>
           </a:p>
@@ -2970,32 +2996,10 @@
             <p:ph type="ctrTitle"/>
           </p:nvPr>
         </p:nvSpPr>
-        <p:spPr/>
-        <p:txBody>
-          <a:bodyPr/>
-          <a:lstStyle/>
-          <a:p>
-            <a:r>
-              <a:rPr lang="en-US" dirty="0"/>
-              <a:t>Predicting Influencers in a Social Network</a:t>
-            </a:r>
-          </a:p>
-        </p:txBody>
-      </p:sp>
-      <p:sp>
-        <p:nvSpPr>
-          <p:cNvPr id="3" name="Subtitle 2"/>
-          <p:cNvSpPr>
-            <a:spLocks noGrp="1"/>
-          </p:cNvSpPr>
-          <p:nvPr>
-            <p:ph type="subTitle" idx="1"/>
-          </p:nvPr>
-        </p:nvSpPr>
         <p:spPr>
           <a:xfrm>
-            <a:off x="1338469" y="4595951"/>
-            <a:ext cx="9144000" cy="1655762"/>
+            <a:off x="0" y="1122363"/>
+            <a:ext cx="12192000" cy="2387600"/>
           </a:xfrm>
         </p:spPr>
         <p:txBody>
@@ -3003,8 +3007,80 @@
           <a:lstStyle/>
           <a:p>
             <a:r>
-              <a:rPr lang="en-US" dirty="0"/>
+              <a:rPr lang="en-US" b="1" dirty="0"/>
+              <a:t>Predicting Influencers in a </a:t>
+            </a:r>
+            <a:br>
+              <a:rPr lang="en-US" b="1" dirty="0"/>
+            </a:br>
+            <a:r>
+              <a:rPr lang="en-US" b="1" dirty="0"/>
+              <a:t>Social Network</a:t>
+            </a:r>
+          </a:p>
+        </p:txBody>
+      </p:sp>
+      <p:sp>
+        <p:nvSpPr>
+          <p:cNvPr id="3" name="Subtitle 2"/>
+          <p:cNvSpPr>
+            <a:spLocks noGrp="1"/>
+          </p:cNvSpPr>
+          <p:nvPr>
+            <p:ph type="subTitle" idx="1"/>
+          </p:nvPr>
+        </p:nvSpPr>
+        <p:spPr>
+          <a:xfrm>
+            <a:off x="0" y="4595951"/>
+            <a:ext cx="12191999" cy="1655762"/>
+          </a:xfrm>
+        </p:spPr>
+        <p:txBody>
+          <a:bodyPr>
+            <a:normAutofit/>
+          </a:bodyPr>
+          <a:lstStyle/>
+          <a:p>
+            <a:r>
+              <a:rPr lang="en-US" b="1" dirty="0"/>
               <a:t>Group 11</a:t>
+            </a:r>
+          </a:p>
+          <a:p>
+            <a:r>
+              <a:rPr lang="en-US" sz="1600" dirty="0" err="1"/>
+              <a:t>Ashkay</a:t>
+            </a:r>
+            <a:r>
+              <a:rPr lang="en-US" sz="1600" dirty="0"/>
+              <a:t> </a:t>
+            </a:r>
+            <a:r>
+              <a:rPr lang="en-US" sz="1600" dirty="0" err="1"/>
+              <a:t>Mehra</a:t>
+            </a:r>
+            <a:endParaRPr lang="en-US" sz="1600" dirty="0"/>
+          </a:p>
+          <a:p>
+            <a:r>
+              <a:rPr lang="en-US" sz="1600" dirty="0" err="1"/>
+              <a:t>Sayam</a:t>
+            </a:r>
+            <a:r>
+              <a:rPr lang="en-US" sz="1600" dirty="0"/>
+              <a:t> </a:t>
+            </a:r>
+            <a:r>
+              <a:rPr lang="en-US" sz="1600" dirty="0" err="1"/>
+              <a:t>Ganguly</a:t>
+            </a:r>
+            <a:endParaRPr lang="en-US" sz="1600" dirty="0"/>
+          </a:p>
+          <a:p>
+            <a:r>
+              <a:rPr lang="en-US" sz="1600" dirty="0"/>
+              <a:t>Patrick Green</a:t>
             </a:r>
           </a:p>
         </p:txBody>
@@ -3323,50 +3399,167 @@
       </p:grpSpPr>
       <p:sp>
         <p:nvSpPr>
-          <p:cNvPr id="2" name="Title 1"/>
-          <p:cNvSpPr>
-            <a:spLocks noGrp="1"/>
-          </p:cNvSpPr>
-          <p:nvPr>
-            <p:ph type="title"/>
-          </p:nvPr>
+          <p:cNvPr id="3" name="TextBox 2"/>
+          <p:cNvSpPr txBox="1"/>
+          <p:nvPr/>
         </p:nvSpPr>
         <p:spPr>
           <a:xfrm>
-            <a:off x="838200" y="365125"/>
-            <a:ext cx="10515600" cy="2987675"/>
+            <a:off x="577792" y="646331"/>
+            <a:ext cx="11036416" cy="5047536"/>
           </a:xfrm>
+          <a:prstGeom prst="rect">
+            <a:avLst/>
+          </a:prstGeom>
+          <a:noFill/>
         </p:spPr>
         <p:txBody>
-          <a:bodyPr>
-            <a:normAutofit/>
+          <a:bodyPr wrap="square" rtlCol="0">
+            <a:spAutoFit/>
           </a:bodyPr>
           <a:lstStyle/>
           <a:p>
             <a:r>
+              <a:rPr lang="en-US" sz="2800" b="1" dirty="0"/>
+              <a:t>Problem Definition</a:t>
+            </a:r>
+          </a:p>
+          <a:p>
+            <a:r>
+              <a:rPr lang="en-US" sz="2000" dirty="0"/>
+              <a:t>Predict the human judgement about which of two users is more influential in a social network, given twitter activity data for the pair. </a:t>
+            </a:r>
+          </a:p>
+          <a:p>
+            <a:endParaRPr lang="en-US" sz="2400" dirty="0"/>
+          </a:p>
+          <a:p>
+            <a:r>
+              <a:rPr lang="en-US" sz="2800" b="1" dirty="0"/>
+              <a:t>Data Set</a:t>
+            </a:r>
+          </a:p>
+          <a:p>
+            <a:r>
+              <a:rPr lang="en-US" sz="2000" dirty="0"/>
+              <a:t>Numeric features for pairs of users (A and B). Both training and test data sets provided.</a:t>
+            </a:r>
+          </a:p>
+          <a:p>
+            <a:pPr marL="285750" indent="-285750">
+              <a:buFont typeface="Arial" panose="020B0604020202020204" pitchFamily="34" charset="0"/>
+              <a:buChar char="•"/>
+            </a:pPr>
+            <a:r>
               <a:rPr lang="en-US" dirty="0"/>
-              <a:t>1.Problem Definition</a:t>
-            </a:r>
-            <a:br>
+              <a:t>Follower/Following Count</a:t>
+            </a:r>
+          </a:p>
+          <a:p>
+            <a:pPr marL="285750" indent="-285750">
+              <a:buFont typeface="Arial" panose="020B0604020202020204" pitchFamily="34" charset="0"/>
+              <a:buChar char="•"/>
+            </a:pPr>
+            <a:r>
               <a:rPr lang="en-US" dirty="0"/>
-            </a:br>
+              <a:t>Mentions Sent/Received</a:t>
+            </a:r>
+          </a:p>
+          <a:p>
+            <a:pPr marL="285750" indent="-285750">
+              <a:buFont typeface="Arial" panose="020B0604020202020204" pitchFamily="34" charset="0"/>
+              <a:buChar char="•"/>
+            </a:pPr>
             <a:r>
               <a:rPr lang="en-US" dirty="0"/>
-              <a:t>2.Evaluation Criteria</a:t>
-            </a:r>
-            <a:br>
+              <a:t>Retweets Sent/Received</a:t>
+            </a:r>
+          </a:p>
+          <a:p>
+            <a:pPr marL="285750" indent="-285750">
+              <a:buFont typeface="Arial" panose="020B0604020202020204" pitchFamily="34" charset="0"/>
+              <a:buChar char="•"/>
+            </a:pPr>
+            <a:r>
               <a:rPr lang="en-US" dirty="0"/>
-            </a:br>
+              <a:t>Post Count</a:t>
+            </a:r>
+          </a:p>
+          <a:p>
+            <a:pPr marL="285750" indent="-285750">
+              <a:buFont typeface="Arial" panose="020B0604020202020204" pitchFamily="34" charset="0"/>
+              <a:buChar char="•"/>
+            </a:pPr>
             <a:r>
               <a:rPr lang="en-US" dirty="0"/>
-              <a:t>3.Description of the dataset</a:t>
-            </a:r>
-            <a:br>
+              <a:t>Listed Count (count of inclusion in user-created categories or lists)</a:t>
+            </a:r>
+          </a:p>
+          <a:p>
+            <a:pPr marL="285750" indent="-285750">
+              <a:buFont typeface="Arial" panose="020B0604020202020204" pitchFamily="34" charset="0"/>
+              <a:buChar char="•"/>
+            </a:pPr>
+            <a:r>
               <a:rPr lang="en-US" dirty="0"/>
-            </a:br>
-            <a:r>
-              <a:rPr lang="en-US" dirty="0"/>
-              <a:t>4. Baseline Solution</a:t>
+              <a:t>Network Features (proprietary calculated features)</a:t>
+            </a:r>
+          </a:p>
+          <a:p>
+            <a:pPr marL="285750" indent="-285750">
+              <a:buFont typeface="Arial" panose="020B0604020202020204" pitchFamily="34" charset="0"/>
+              <a:buChar char="•"/>
+            </a:pPr>
+            <a:endParaRPr lang="en-US" sz="2000" dirty="0"/>
+          </a:p>
+          <a:p>
+            <a:endParaRPr lang="en-US" sz="2000" dirty="0"/>
+          </a:p>
+          <a:p>
+            <a:r>
+              <a:rPr lang="en-US" sz="2000" dirty="0">
+                <a:solidFill>
+                  <a:srgbClr val="FF0000"/>
+                </a:solidFill>
+              </a:rPr>
+              <a:t>TODO – Baseline Solution (do we need this?)</a:t>
+            </a:r>
+          </a:p>
+          <a:p>
+            <a:pPr marL="285750" indent="-285750">
+              <a:buFont typeface="Arial" panose="020B0604020202020204" pitchFamily="34" charset="0"/>
+              <a:buChar char="•"/>
+            </a:pPr>
+            <a:endParaRPr lang="en-US" sz="1400" dirty="0"/>
+          </a:p>
+        </p:txBody>
+      </p:sp>
+      <p:sp>
+        <p:nvSpPr>
+          <p:cNvPr id="4" name="TextBox 3"/>
+          <p:cNvSpPr txBox="1"/>
+          <p:nvPr/>
+        </p:nvSpPr>
+        <p:spPr>
+          <a:xfrm>
+            <a:off x="0" y="0"/>
+            <a:ext cx="12192000" cy="646331"/>
+          </a:xfrm>
+          <a:prstGeom prst="rect">
+            <a:avLst/>
+          </a:prstGeom>
+          <a:noFill/>
+        </p:spPr>
+        <p:txBody>
+          <a:bodyPr wrap="square" rtlCol="0">
+            <a:spAutoFit/>
+          </a:bodyPr>
+          <a:lstStyle/>
+          <a:p>
+            <a:pPr algn="ctr"/>
+            <a:r>
+              <a:rPr lang="en-US" sz="3600" b="1" dirty="0"/>
+              <a:t>Problem Overview</a:t>
             </a:r>
           </a:p>
         </p:txBody>
@@ -3403,100 +3596,178 @@
       </p:grpSpPr>
       <p:sp>
         <p:nvSpPr>
-          <p:cNvPr id="2" name="Title 1"/>
-          <p:cNvSpPr>
-            <a:spLocks noGrp="1"/>
-          </p:cNvSpPr>
-          <p:nvPr>
-            <p:ph type="title"/>
-          </p:nvPr>
-        </p:nvSpPr>
-        <p:spPr/>
-        <p:txBody>
-          <a:bodyPr/>
-          <a:lstStyle/>
-          <a:p>
-            <a:r>
-              <a:rPr lang="en-US" dirty="0"/>
-              <a:t>Overview Of the Methods</a:t>
-            </a:r>
-          </a:p>
-        </p:txBody>
-      </p:sp>
-      <p:sp>
-        <p:nvSpPr>
-          <p:cNvPr id="3" name="Content Placeholder 2"/>
-          <p:cNvSpPr>
-            <a:spLocks noGrp="1"/>
-          </p:cNvSpPr>
-          <p:nvPr>
-            <p:ph idx="1"/>
-          </p:nvPr>
-        </p:nvSpPr>
-        <p:spPr/>
-        <p:txBody>
-          <a:bodyPr/>
-          <a:lstStyle/>
-          <a:p>
-            <a:r>
-              <a:rPr lang="en-US" dirty="0"/>
-              <a:t>Preprocessing</a:t>
-            </a:r>
-          </a:p>
-          <a:p>
-            <a:pPr lvl="1"/>
-            <a:r>
-              <a:rPr lang="en-US" dirty="0"/>
-              <a:t>Feature Selection</a:t>
-            </a:r>
-          </a:p>
-          <a:p>
-            <a:pPr lvl="1"/>
-            <a:r>
-              <a:rPr lang="en-US" dirty="0"/>
-              <a:t>Feature Transformations</a:t>
-            </a:r>
-          </a:p>
-          <a:p>
-            <a:endParaRPr lang="en-US" dirty="0"/>
-          </a:p>
-          <a:p>
-            <a:r>
-              <a:rPr lang="en-US" dirty="0"/>
-              <a:t>Models</a:t>
-            </a:r>
-          </a:p>
-          <a:p>
-            <a:pPr lvl="1"/>
-            <a:r>
-              <a:rPr lang="en-US" dirty="0"/>
+          <p:cNvPr id="6" name="TextBox 5"/>
+          <p:cNvSpPr txBox="1"/>
+          <p:nvPr/>
+        </p:nvSpPr>
+        <p:spPr>
+          <a:xfrm>
+            <a:off x="696033" y="646331"/>
+            <a:ext cx="9177556" cy="5570756"/>
+          </a:xfrm>
+          <a:prstGeom prst="rect">
+            <a:avLst/>
+          </a:prstGeom>
+          <a:noFill/>
+        </p:spPr>
+        <p:txBody>
+          <a:bodyPr wrap="square" rtlCol="0">
+            <a:spAutoFit/>
+          </a:bodyPr>
+          <a:lstStyle/>
+          <a:p>
+            <a:r>
+              <a:rPr lang="en-US" sz="2800" b="1" dirty="0"/>
+              <a:t>Pre-processing</a:t>
+            </a:r>
+          </a:p>
+          <a:p>
+            <a:pPr marL="342900" indent="-342900">
+              <a:buFont typeface="Arial" panose="020B0604020202020204" pitchFamily="34" charset="0"/>
+              <a:buChar char="•"/>
+            </a:pPr>
+            <a:r>
+              <a:rPr lang="en-US" sz="2000" dirty="0"/>
+              <a:t>Feature Selection – determine which features correlate with influence</a:t>
+            </a:r>
+          </a:p>
+          <a:p>
+            <a:pPr marL="342900" indent="-342900">
+              <a:buFont typeface="Arial" panose="020B0604020202020204" pitchFamily="34" charset="0"/>
+              <a:buChar char="•"/>
+            </a:pPr>
+            <a:r>
+              <a:rPr lang="en-US" sz="2000" dirty="0"/>
+              <a:t>Feature Transformations – normalize data </a:t>
+            </a:r>
+          </a:p>
+          <a:p>
+            <a:endParaRPr lang="en-US" sz="2800" b="1" dirty="0"/>
+          </a:p>
+          <a:p>
+            <a:r>
+              <a:rPr lang="en-US" sz="2800" b="1" dirty="0"/>
+              <a:t>Modeling</a:t>
+            </a:r>
+            <a:r>
+              <a:rPr lang="en-US" sz="2800" dirty="0"/>
+              <a:t> </a:t>
+            </a:r>
+            <a:r>
+              <a:rPr lang="en-US" sz="2800" b="1" dirty="0"/>
+              <a:t>Methods</a:t>
+            </a:r>
+          </a:p>
+          <a:p>
+            <a:pPr marL="342900" indent="-342900">
+              <a:buFont typeface="Arial" panose="020B0604020202020204" pitchFamily="34" charset="0"/>
+              <a:buChar char="•"/>
+            </a:pPr>
+            <a:r>
+              <a:rPr lang="en-US" sz="2000" dirty="0"/>
               <a:t>Logistic Regression</a:t>
             </a:r>
           </a:p>
           <a:p>
-            <a:pPr lvl="1"/>
-            <a:r>
-              <a:rPr lang="en-US" dirty="0"/>
-              <a:t>NN</a:t>
-            </a:r>
-          </a:p>
-          <a:p>
-            <a:pPr lvl="1"/>
-            <a:r>
-              <a:rPr lang="en-US" dirty="0"/>
-              <a:t>SVM</a:t>
-            </a:r>
-          </a:p>
-          <a:p>
-            <a:pPr lvl="1"/>
-            <a:r>
-              <a:rPr lang="en-US" dirty="0"/>
+            <a:pPr marL="342900" indent="-342900">
+              <a:buFont typeface="Arial" panose="020B0604020202020204" pitchFamily="34" charset="0"/>
+              <a:buChar char="•"/>
+            </a:pPr>
+            <a:r>
+              <a:rPr lang="en-US" sz="2000" dirty="0"/>
+              <a:t>Neural Network</a:t>
+            </a:r>
+          </a:p>
+          <a:p>
+            <a:pPr marL="342900" indent="-342900">
+              <a:buFont typeface="Arial" panose="020B0604020202020204" pitchFamily="34" charset="0"/>
+              <a:buChar char="•"/>
+            </a:pPr>
+            <a:r>
+              <a:rPr lang="en-US" sz="2000" dirty="0"/>
+              <a:t>Support Vector Machines (SVM)</a:t>
+            </a:r>
+          </a:p>
+          <a:p>
+            <a:pPr marL="342900" indent="-342900">
+              <a:buFont typeface="Arial" panose="020B0604020202020204" pitchFamily="34" charset="0"/>
+              <a:buChar char="•"/>
+            </a:pPr>
+            <a:r>
+              <a:rPr lang="en-US" sz="2000" dirty="0"/>
               <a:t>Ensemble</a:t>
             </a:r>
           </a:p>
           <a:p>
-            <a:pPr lvl="1"/>
-            <a:endParaRPr lang="en-US" dirty="0"/>
+            <a:pPr marL="342900" indent="-342900">
+              <a:buFont typeface="Arial" panose="020B0604020202020204" pitchFamily="34" charset="0"/>
+              <a:buChar char="•"/>
+            </a:pPr>
+            <a:endParaRPr lang="en-US" sz="2000" dirty="0"/>
+          </a:p>
+          <a:p>
+            <a:r>
+              <a:rPr lang="en-US" sz="2800" b="1" dirty="0"/>
+              <a:t>Evaluation</a:t>
+            </a:r>
+          </a:p>
+          <a:p>
+            <a:r>
+              <a:rPr lang="en-US" sz="2000" dirty="0"/>
+              <a:t>Measuring the area under the Receiver Operating Characteristic (ROC) curve, which plots true positives against false positives for probabilistic outcomes for a range of thresholds. (</a:t>
+            </a:r>
+            <a:r>
+              <a:rPr lang="en-US" sz="2000" dirty="0">
+                <a:solidFill>
+                  <a:srgbClr val="FF0000"/>
+                </a:solidFill>
+              </a:rPr>
+              <a:t>TODO – Add Sample</a:t>
+            </a:r>
+            <a:r>
+              <a:rPr lang="en-US" sz="2000" dirty="0"/>
+              <a:t>)</a:t>
+            </a:r>
+          </a:p>
+          <a:p>
+            <a:pPr marL="342900" indent="-342900">
+              <a:buFont typeface="Arial" panose="020B0604020202020204" pitchFamily="34" charset="0"/>
+              <a:buChar char="•"/>
+            </a:pPr>
+            <a:endParaRPr lang="en-US" sz="2000" dirty="0"/>
+          </a:p>
+          <a:p>
+            <a:endParaRPr lang="en-US" sz="2400" dirty="0"/>
+          </a:p>
+        </p:txBody>
+      </p:sp>
+      <p:sp>
+        <p:nvSpPr>
+          <p:cNvPr id="4" name="TextBox 3"/>
+          <p:cNvSpPr txBox="1"/>
+          <p:nvPr/>
+        </p:nvSpPr>
+        <p:spPr>
+          <a:xfrm>
+            <a:off x="0" y="0"/>
+            <a:ext cx="12192000" cy="646331"/>
+          </a:xfrm>
+          <a:prstGeom prst="rect">
+            <a:avLst/>
+          </a:prstGeom>
+          <a:noFill/>
+        </p:spPr>
+        <p:txBody>
+          <a:bodyPr wrap="square" rtlCol="0">
+            <a:spAutoFit/>
+          </a:bodyPr>
+          <a:lstStyle/>
+          <a:p>
+            <a:pPr algn="ctr"/>
+            <a:r>
+              <a:rPr lang="en-US" sz="3600" b="1" dirty="0"/>
+              <a:t>Approach</a:t>
+            </a:r>
           </a:p>
         </p:txBody>
       </p:sp>
@@ -3532,28 +3803,6 @@
       </p:grpSpPr>
       <p:sp>
         <p:nvSpPr>
-          <p:cNvPr id="2" name="Title 1"/>
-          <p:cNvSpPr>
-            <a:spLocks noGrp="1"/>
-          </p:cNvSpPr>
-          <p:nvPr>
-            <p:ph type="title"/>
-          </p:nvPr>
-        </p:nvSpPr>
-        <p:spPr/>
-        <p:txBody>
-          <a:bodyPr/>
-          <a:lstStyle/>
-          <a:p>
-            <a:r>
-              <a:rPr lang="en-US" dirty="0"/>
-              <a:t>Preprocessing</a:t>
-            </a:r>
-          </a:p>
-        </p:txBody>
-      </p:sp>
-      <p:sp>
-        <p:nvSpPr>
           <p:cNvPr id="3" name="Content Placeholder 2"/>
           <p:cNvSpPr>
             <a:spLocks noGrp="1"/>
@@ -3562,7 +3811,12 @@
             <p:ph idx="1"/>
           </p:nvPr>
         </p:nvSpPr>
-        <p:spPr/>
+        <p:spPr>
+          <a:xfrm>
+            <a:off x="561108" y="717261"/>
+            <a:ext cx="11404615" cy="4351338"/>
+          </a:xfrm>
+        </p:spPr>
         <p:txBody>
           <a:bodyPr/>
           <a:lstStyle/>
@@ -3622,6 +3876,126 @@
           </a:p>
         </p:txBody>
       </p:sp>
+      <p:sp>
+        <p:nvSpPr>
+          <p:cNvPr id="4" name="TextBox 3"/>
+          <p:cNvSpPr txBox="1"/>
+          <p:nvPr/>
+        </p:nvSpPr>
+        <p:spPr>
+          <a:xfrm>
+            <a:off x="0" y="0"/>
+            <a:ext cx="12192000" cy="646331"/>
+          </a:xfrm>
+          <a:prstGeom prst="rect">
+            <a:avLst/>
+          </a:prstGeom>
+          <a:noFill/>
+        </p:spPr>
+        <p:txBody>
+          <a:bodyPr wrap="square" rtlCol="0">
+            <a:spAutoFit/>
+          </a:bodyPr>
+          <a:lstStyle/>
+          <a:p>
+            <a:pPr algn="ctr"/>
+            <a:r>
+              <a:rPr lang="en-US" sz="3600" b="1" dirty="0"/>
+              <a:t>Feature Selection</a:t>
+            </a:r>
+          </a:p>
+        </p:txBody>
+      </p:sp>
+      <p:pic>
+        <p:nvPicPr>
+          <p:cNvPr id="6" name="Picture 5"/>
+          <p:cNvPicPr>
+            <a:picLocks noChangeAspect="1"/>
+          </p:cNvPicPr>
+          <p:nvPr/>
+        </p:nvPicPr>
+        <p:blipFill>
+          <a:blip r:embed="rId2">
+            <a:extLst>
+              <a:ext uri="{28A0092B-C50C-407E-A947-70E740481C1C}">
+                <a14:useLocalDpi xmlns:a14="http://schemas.microsoft.com/office/drawing/2010/main" val="0"/>
+              </a:ext>
+            </a:extLst>
+          </a:blip>
+          <a:stretch>
+            <a:fillRect/>
+          </a:stretch>
+        </p:blipFill>
+        <p:spPr>
+          <a:xfrm>
+            <a:off x="7921964" y="1099128"/>
+            <a:ext cx="3083179" cy="2261563"/>
+          </a:xfrm>
+          <a:prstGeom prst="rect">
+            <a:avLst/>
+          </a:prstGeom>
+        </p:spPr>
+      </p:pic>
+      <p:pic>
+        <p:nvPicPr>
+          <p:cNvPr id="7" name="Picture 6"/>
+          <p:cNvPicPr>
+            <a:picLocks noChangeAspect="1"/>
+          </p:cNvPicPr>
+          <p:nvPr/>
+        </p:nvPicPr>
+        <p:blipFill>
+          <a:blip r:embed="rId3">
+            <a:extLst>
+              <a:ext uri="{28A0092B-C50C-407E-A947-70E740481C1C}">
+                <a14:useLocalDpi xmlns:a14="http://schemas.microsoft.com/office/drawing/2010/main" val="0"/>
+              </a:ext>
+            </a:extLst>
+          </a:blip>
+          <a:stretch>
+            <a:fillRect/>
+          </a:stretch>
+        </p:blipFill>
+        <p:spPr>
+          <a:xfrm>
+            <a:off x="8845885" y="3624600"/>
+            <a:ext cx="3119839" cy="2288454"/>
+          </a:xfrm>
+          <a:prstGeom prst="rect">
+            <a:avLst/>
+          </a:prstGeom>
+        </p:spPr>
+      </p:pic>
+      <p:pic>
+        <p:nvPicPr>
+          <p:cNvPr id="8" name="Picture 7"/>
+          <p:cNvPicPr>
+            <a:picLocks noChangeAspect="1"/>
+          </p:cNvPicPr>
+          <p:nvPr/>
+        </p:nvPicPr>
+        <p:blipFill>
+          <a:blip r:embed="rId4">
+            <a:extLst>
+              <a:ext uri="{28A0092B-C50C-407E-A947-70E740481C1C}">
+                <a14:useLocalDpi xmlns:a14="http://schemas.microsoft.com/office/drawing/2010/main" val="0"/>
+              </a:ext>
+            </a:extLst>
+          </a:blip>
+          <a:stretch>
+            <a:fillRect/>
+          </a:stretch>
+        </p:blipFill>
+        <p:spPr>
+          <a:xfrm>
+            <a:off x="5022682" y="4262679"/>
+            <a:ext cx="3120955" cy="2289272"/>
+          </a:xfrm>
+          <a:prstGeom prst="rect">
+            <a:avLst/>
+          </a:prstGeom>
+        </p:spPr>
+      </p:pic>
     </p:spTree>
     <p:extLst>
       <p:ext uri="{BB962C8B-B14F-4D97-AF65-F5344CB8AC3E}">
@@ -3654,28 +4028,6 @@
       </p:grpSpPr>
       <p:sp>
         <p:nvSpPr>
-          <p:cNvPr id="2" name="Title 1"/>
-          <p:cNvSpPr>
-            <a:spLocks noGrp="1"/>
-          </p:cNvSpPr>
-          <p:nvPr>
-            <p:ph type="title"/>
-          </p:nvPr>
-        </p:nvSpPr>
-        <p:spPr/>
-        <p:txBody>
-          <a:bodyPr/>
-          <a:lstStyle/>
-          <a:p>
-            <a:r>
-              <a:rPr lang="en-US" dirty="0"/>
-              <a:t>Preprocessing</a:t>
-            </a:r>
-          </a:p>
-        </p:txBody>
-      </p:sp>
-      <p:sp>
-        <p:nvSpPr>
           <p:cNvPr id="3" name="Content Placeholder 2"/>
           <p:cNvSpPr>
             <a:spLocks noGrp="1"/>
@@ -3684,42 +4036,156 @@
             <p:ph idx="1"/>
           </p:nvPr>
         </p:nvSpPr>
-        <p:spPr/>
-        <p:txBody>
-          <a:bodyPr/>
-          <a:lstStyle/>
-          <a:p>
-            <a:r>
-              <a:rPr lang="en-US" dirty="0"/>
-              <a:t>Feature Transformation (add graphs for Logistic Regression)(Patrick)</a:t>
+        <p:spPr>
+          <a:xfrm>
+            <a:off x="729144" y="785390"/>
+            <a:ext cx="10515600" cy="4351338"/>
+          </a:xfrm>
+        </p:spPr>
+        <p:txBody>
+          <a:bodyPr>
+            <a:normAutofit/>
+          </a:bodyPr>
+          <a:lstStyle/>
+          <a:p>
+            <a:r>
+              <a:rPr lang="en-US" sz="2000" b="1" dirty="0"/>
+              <a:t>Delta Transform</a:t>
             </a:r>
           </a:p>
           <a:p>
             <a:pPr lvl="1"/>
             <a:r>
-              <a:rPr lang="en-US" dirty="0"/>
-              <a:t>Delta</a:t>
+              <a:rPr lang="en-US" sz="1600" dirty="0"/>
+              <a:t>Absolute difference between values for two users</a:t>
             </a:r>
           </a:p>
           <a:p>
             <a:pPr lvl="1"/>
             <a:r>
-              <a:rPr lang="en-US" dirty="0"/>
-              <a:t>Discrete </a:t>
+              <a:rPr lang="en-US" sz="1600" dirty="0"/>
+              <a:t>Baseline</a:t>
             </a:r>
           </a:p>
           <a:p>
             <a:pPr lvl="1"/>
             <a:r>
-              <a:rPr lang="en-US" dirty="0"/>
-              <a:t>Normalization</a:t>
+              <a:rPr lang="en-US" sz="1600" dirty="0"/>
+              <a:t>Preserves the meaning of large difference in values</a:t>
+            </a:r>
+          </a:p>
+          <a:p>
+            <a:r>
+              <a:rPr lang="en-US" sz="2000" b="1" dirty="0"/>
+              <a:t>Binary Transform</a:t>
             </a:r>
           </a:p>
           <a:p>
             <a:pPr lvl="1"/>
             <a:r>
-              <a:rPr lang="en-US" dirty="0"/>
-              <a:t>Log</a:t>
+              <a:rPr lang="en-US" sz="1600" dirty="0"/>
+              <a:t>Reduce difference to one (larger for user A) or zero (larger for user B)</a:t>
+            </a:r>
+          </a:p>
+          <a:p>
+            <a:pPr lvl="1"/>
+            <a:r>
+              <a:rPr lang="en-US" sz="1600" dirty="0"/>
+              <a:t>Simpler data set, but discards the magnitude of differences</a:t>
+            </a:r>
+          </a:p>
+          <a:p>
+            <a:r>
+              <a:rPr lang="en-US" sz="2000" b="1" dirty="0"/>
+              <a:t>Logarithm</a:t>
+            </a:r>
+          </a:p>
+          <a:p>
+            <a:pPr lvl="1"/>
+            <a:r>
+              <a:rPr lang="en-US" sz="1600" dirty="0"/>
+              <a:t>Reduces large differences in the orders of magnitude in features (</a:t>
+            </a:r>
+            <a:r>
+              <a:rPr lang="en-US" sz="1600" dirty="0" err="1"/>
+              <a:t>ie</a:t>
+            </a:r>
+            <a:r>
+              <a:rPr lang="en-US" sz="1600" dirty="0"/>
+              <a:t>. follower versus following counts)</a:t>
+            </a:r>
+          </a:p>
+          <a:p>
+            <a:pPr lvl="1"/>
+            <a:r>
+              <a:rPr lang="en-US" sz="1600" dirty="0"/>
+              <a:t>Simplifies non-linear relationships between input and output.</a:t>
+            </a:r>
+          </a:p>
+          <a:p>
+            <a:pPr lvl="1"/>
+            <a:endParaRPr lang="en-US" sz="1600" dirty="0"/>
+          </a:p>
+          <a:p>
+            <a:pPr marL="0" indent="0">
+              <a:buNone/>
+            </a:pPr>
+            <a:r>
+              <a:rPr lang="en-US" sz="2000" dirty="0">
+                <a:solidFill>
+                  <a:srgbClr val="FF0000"/>
+                </a:solidFill>
+              </a:rPr>
+              <a:t>TODO – Add comparison graph for logistic regression</a:t>
+            </a:r>
+          </a:p>
+          <a:p>
+            <a:pPr marL="0" indent="0">
+              <a:buNone/>
+            </a:pPr>
+            <a:r>
+              <a:rPr lang="en-US" sz="2000" dirty="0">
+                <a:solidFill>
+                  <a:srgbClr val="FF0000"/>
+                </a:solidFill>
+              </a:rPr>
+              <a:t>TODO - Normalization</a:t>
+            </a:r>
+          </a:p>
+          <a:p>
+            <a:pPr marL="0" indent="0">
+              <a:buNone/>
+            </a:pPr>
+            <a:endParaRPr lang="en-US" sz="2000" b="1" dirty="0"/>
+          </a:p>
+        </p:txBody>
+      </p:sp>
+      <p:sp>
+        <p:nvSpPr>
+          <p:cNvPr id="4" name="TextBox 3"/>
+          <p:cNvSpPr txBox="1"/>
+          <p:nvPr/>
+        </p:nvSpPr>
+        <p:spPr>
+          <a:xfrm>
+            <a:off x="0" y="0"/>
+            <a:ext cx="12192000" cy="646331"/>
+          </a:xfrm>
+          <a:prstGeom prst="rect">
+            <a:avLst/>
+          </a:prstGeom>
+          <a:noFill/>
+        </p:spPr>
+        <p:txBody>
+          <a:bodyPr wrap="square" rtlCol="0">
+            <a:spAutoFit/>
+          </a:bodyPr>
+          <a:lstStyle/>
+          <a:p>
+            <a:pPr algn="ctr"/>
+            <a:r>
+              <a:rPr lang="en-US" sz="3600" b="1" dirty="0"/>
+              <a:t>Feature Transformation</a:t>
             </a:r>
           </a:p>
         </p:txBody>

--- a/Predicting Influencers in a Social Network.pptx
+++ b/Predicting Influencers in a Social Network.pptx
@@ -8,16 +8,17 @@
     <p:sldId id="256" r:id="rId2"/>
     <p:sldId id="257" r:id="rId3"/>
     <p:sldId id="258" r:id="rId4"/>
-    <p:sldId id="259" r:id="rId5"/>
+    <p:sldId id="262" r:id="rId5"/>
     <p:sldId id="260" r:id="rId6"/>
-    <p:sldId id="262" r:id="rId7"/>
+    <p:sldId id="259" r:id="rId7"/>
     <p:sldId id="261" r:id="rId8"/>
     <p:sldId id="263" r:id="rId9"/>
-    <p:sldId id="264" r:id="rId10"/>
-    <p:sldId id="265" r:id="rId11"/>
-    <p:sldId id="266" r:id="rId12"/>
-    <p:sldId id="267" r:id="rId13"/>
-    <p:sldId id="268" r:id="rId14"/>
+    <p:sldId id="269" r:id="rId10"/>
+    <p:sldId id="264" r:id="rId11"/>
+    <p:sldId id="265" r:id="rId12"/>
+    <p:sldId id="266" r:id="rId13"/>
+    <p:sldId id="267" r:id="rId14"/>
+    <p:sldId id="268" r:id="rId15"/>
   </p:sldIdLst>
   <p:sldSz cx="12192000" cy="6858000"/>
   <p:notesSz cx="6858000" cy="9144000"/>
@@ -253,7 +254,7 @@
           <a:p>
             <a:fld id="{A1E43CF0-0252-41F7-9C8E-CC9681AEFB28}" type="datetimeFigureOut">
               <a:rPr lang="en-US" smtClean="0"/>
-              <a:t>25-Nov-16</a:t>
+              <a:t>26-Nov-16</a:t>
             </a:fld>
             <a:endParaRPr lang="en-US"/>
           </a:p>
@@ -421,7 +422,7 @@
           <a:p>
             <a:fld id="{A1E43CF0-0252-41F7-9C8E-CC9681AEFB28}" type="datetimeFigureOut">
               <a:rPr lang="en-US" smtClean="0"/>
-              <a:t>25-Nov-16</a:t>
+              <a:t>26-Nov-16</a:t>
             </a:fld>
             <a:endParaRPr lang="en-US"/>
           </a:p>
@@ -599,7 +600,7 @@
           <a:p>
             <a:fld id="{A1E43CF0-0252-41F7-9C8E-CC9681AEFB28}" type="datetimeFigureOut">
               <a:rPr lang="en-US" smtClean="0"/>
-              <a:t>25-Nov-16</a:t>
+              <a:t>26-Nov-16</a:t>
             </a:fld>
             <a:endParaRPr lang="en-US"/>
           </a:p>
@@ -767,7 +768,7 @@
           <a:p>
             <a:fld id="{A1E43CF0-0252-41F7-9C8E-CC9681AEFB28}" type="datetimeFigureOut">
               <a:rPr lang="en-US" smtClean="0"/>
-              <a:t>25-Nov-16</a:t>
+              <a:t>26-Nov-16</a:t>
             </a:fld>
             <a:endParaRPr lang="en-US"/>
           </a:p>
@@ -1012,7 +1013,7 @@
           <a:p>
             <a:fld id="{A1E43CF0-0252-41F7-9C8E-CC9681AEFB28}" type="datetimeFigureOut">
               <a:rPr lang="en-US" smtClean="0"/>
-              <a:t>25-Nov-16</a:t>
+              <a:t>26-Nov-16</a:t>
             </a:fld>
             <a:endParaRPr lang="en-US"/>
           </a:p>
@@ -1241,7 +1242,7 @@
           <a:p>
             <a:fld id="{A1E43CF0-0252-41F7-9C8E-CC9681AEFB28}" type="datetimeFigureOut">
               <a:rPr lang="en-US" smtClean="0"/>
-              <a:t>25-Nov-16</a:t>
+              <a:t>26-Nov-16</a:t>
             </a:fld>
             <a:endParaRPr lang="en-US"/>
           </a:p>
@@ -1605,7 +1606,7 @@
           <a:p>
             <a:fld id="{A1E43CF0-0252-41F7-9C8E-CC9681AEFB28}" type="datetimeFigureOut">
               <a:rPr lang="en-US" smtClean="0"/>
-              <a:t>25-Nov-16</a:t>
+              <a:t>26-Nov-16</a:t>
             </a:fld>
             <a:endParaRPr lang="en-US"/>
           </a:p>
@@ -1722,7 +1723,7 @@
           <a:p>
             <a:fld id="{A1E43CF0-0252-41F7-9C8E-CC9681AEFB28}" type="datetimeFigureOut">
               <a:rPr lang="en-US" smtClean="0"/>
-              <a:t>25-Nov-16</a:t>
+              <a:t>26-Nov-16</a:t>
             </a:fld>
             <a:endParaRPr lang="en-US"/>
           </a:p>
@@ -1817,7 +1818,7 @@
           <a:p>
             <a:fld id="{A1E43CF0-0252-41F7-9C8E-CC9681AEFB28}" type="datetimeFigureOut">
               <a:rPr lang="en-US" smtClean="0"/>
-              <a:t>25-Nov-16</a:t>
+              <a:t>26-Nov-16</a:t>
             </a:fld>
             <a:endParaRPr lang="en-US"/>
           </a:p>
@@ -2092,7 +2093,7 @@
           <a:p>
             <a:fld id="{A1E43CF0-0252-41F7-9C8E-CC9681AEFB28}" type="datetimeFigureOut">
               <a:rPr lang="en-US" smtClean="0"/>
-              <a:t>25-Nov-16</a:t>
+              <a:t>26-Nov-16</a:t>
             </a:fld>
             <a:endParaRPr lang="en-US"/>
           </a:p>
@@ -2344,7 +2345,7 @@
           <a:p>
             <a:fld id="{A1E43CF0-0252-41F7-9C8E-CC9681AEFB28}" type="datetimeFigureOut">
               <a:rPr lang="en-US" smtClean="0"/>
-              <a:t>25-Nov-16</a:t>
+              <a:t>26-Nov-16</a:t>
             </a:fld>
             <a:endParaRPr lang="en-US"/>
           </a:p>
@@ -2409,9 +2410,35 @@
 <p:sldMaster xmlns:a="http://schemas.openxmlformats.org/drawingml/2006/main" xmlns:r="http://schemas.openxmlformats.org/officeDocument/2006/relationships" xmlns:p="http://schemas.openxmlformats.org/presentationml/2006/main">
   <p:cSld>
     <p:bg>
-      <p:bgRef idx="1001">
-        <a:schemeClr val="bg1"/>
-      </p:bgRef>
+      <p:bgPr>
+        <a:gradFill flip="none" rotWithShape="1">
+          <a:gsLst>
+            <a:gs pos="0">
+              <a:schemeClr val="accent1">
+                <a:lumMod val="0"/>
+                <a:lumOff val="100000"/>
+              </a:schemeClr>
+            </a:gs>
+            <a:gs pos="71000">
+              <a:schemeClr val="accent1">
+                <a:lumMod val="10000"/>
+                <a:lumOff val="90000"/>
+              </a:schemeClr>
+            </a:gs>
+            <a:gs pos="100000">
+              <a:schemeClr val="accent1">
+                <a:lumMod val="40000"/>
+                <a:lumOff val="60000"/>
+              </a:schemeClr>
+            </a:gs>
+          </a:gsLst>
+          <a:path path="shape">
+            <a:fillToRect l="50000" t="50000" r="50000" b="50000"/>
+          </a:path>
+          <a:tileRect/>
+        </a:gradFill>
+        <a:effectLst/>
+      </p:bgPr>
     </p:bg>
     <p:spTree>
       <p:nvGrpSpPr>
@@ -2555,7 +2582,7 @@
           <a:p>
             <a:fld id="{A1E43CF0-0252-41F7-9C8E-CC9681AEFB28}" type="datetimeFigureOut">
               <a:rPr lang="en-US" smtClean="0"/>
-              <a:t>25-Nov-16</a:t>
+              <a:t>26-Nov-16</a:t>
             </a:fld>
             <a:endParaRPr lang="en-US"/>
           </a:p>
@@ -2970,32 +2997,10 @@
             <p:ph type="ctrTitle"/>
           </p:nvPr>
         </p:nvSpPr>
-        <p:spPr/>
-        <p:txBody>
-          <a:bodyPr/>
-          <a:lstStyle/>
-          <a:p>
-            <a:r>
-              <a:rPr lang="en-US" dirty="0"/>
-              <a:t>Predicting Influencers in a Social Network</a:t>
-            </a:r>
-          </a:p>
-        </p:txBody>
-      </p:sp>
-      <p:sp>
-        <p:nvSpPr>
-          <p:cNvPr id="3" name="Subtitle 2"/>
-          <p:cNvSpPr>
-            <a:spLocks noGrp="1"/>
-          </p:cNvSpPr>
-          <p:nvPr>
-            <p:ph type="subTitle" idx="1"/>
-          </p:nvPr>
-        </p:nvSpPr>
         <p:spPr>
           <a:xfrm>
-            <a:off x="1338469" y="4595951"/>
-            <a:ext cx="9144000" cy="1655762"/>
+            <a:off x="0" y="1122363"/>
+            <a:ext cx="12192000" cy="2387600"/>
           </a:xfrm>
         </p:spPr>
         <p:txBody>
@@ -3003,8 +3008,71 @@
           <a:lstStyle/>
           <a:p>
             <a:r>
-              <a:rPr lang="en-US" dirty="0"/>
+              <a:rPr lang="en-US" b="1" dirty="0"/>
+              <a:t>Predicting Influencers in a </a:t>
+            </a:r>
+            <a:br>
+              <a:rPr lang="en-US" b="1" dirty="0"/>
+            </a:br>
+            <a:r>
+              <a:rPr lang="en-US" b="1" dirty="0"/>
+              <a:t>Social Network</a:t>
+            </a:r>
+          </a:p>
+        </p:txBody>
+      </p:sp>
+      <p:sp>
+        <p:nvSpPr>
+          <p:cNvPr id="3" name="Subtitle 2"/>
+          <p:cNvSpPr>
+            <a:spLocks noGrp="1"/>
+          </p:cNvSpPr>
+          <p:nvPr>
+            <p:ph type="subTitle" idx="1"/>
+          </p:nvPr>
+        </p:nvSpPr>
+        <p:spPr>
+          <a:xfrm>
+            <a:off x="0" y="4595951"/>
+            <a:ext cx="12191999" cy="1655762"/>
+          </a:xfrm>
+        </p:spPr>
+        <p:txBody>
+          <a:bodyPr>
+            <a:normAutofit/>
+          </a:bodyPr>
+          <a:lstStyle/>
+          <a:p>
+            <a:r>
+              <a:rPr lang="en-US" b="1" dirty="0"/>
               <a:t>Group 11</a:t>
+            </a:r>
+          </a:p>
+          <a:p>
+            <a:r>
+              <a:rPr lang="en-US" sz="1600" dirty="0"/>
+              <a:t>Akshay Mehra</a:t>
+            </a:r>
+          </a:p>
+          <a:p>
+            <a:r>
+              <a:rPr lang="en-US" sz="1600" dirty="0" err="1"/>
+              <a:t>Sayam</a:t>
+            </a:r>
+            <a:r>
+              <a:rPr lang="en-US" sz="1600" dirty="0"/>
+              <a:t> </a:t>
+            </a:r>
+            <a:r>
+              <a:rPr lang="en-US" sz="1600" dirty="0" err="1"/>
+              <a:t>Ganguly</a:t>
+            </a:r>
+            <a:endParaRPr lang="en-US" sz="1600" dirty="0"/>
+          </a:p>
+          <a:p>
+            <a:r>
+              <a:rPr lang="en-US" sz="1600" dirty="0"/>
+              <a:t>Patrick Green</a:t>
             </a:r>
           </a:p>
         </p:txBody>
@@ -3078,7 +3146,7 @@
           <a:p>
             <a:r>
               <a:rPr lang="en-US" dirty="0"/>
-              <a:t>Ensemble</a:t>
+              <a:t>NN</a:t>
             </a:r>
           </a:p>
           <a:p>
@@ -3111,7 +3179,7 @@
     </p:spTree>
     <p:extLst>
       <p:ext uri="{BB962C8B-B14F-4D97-AF65-F5344CB8AC3E}">
-        <p14:creationId xmlns:p14="http://schemas.microsoft.com/office/powerpoint/2010/main" val="2998906929"/>
+        <p14:creationId xmlns:p14="http://schemas.microsoft.com/office/powerpoint/2010/main" val="3753617907"/>
       </p:ext>
     </p:extLst>
   </p:cSld>
@@ -3155,7 +3223,7 @@
           <a:p>
             <a:r>
               <a:rPr lang="en-US" dirty="0"/>
-              <a:t>Model Comparison</a:t>
+              <a:t>Models</a:t>
             </a:r>
           </a:p>
         </p:txBody>
@@ -3177,15 +3245,100 @@
           <a:p>
             <a:r>
               <a:rPr lang="en-US" dirty="0"/>
-              <a:t>Compare Best Graphs with Accuracy (ROC)</a:t>
-            </a:r>
-          </a:p>
-        </p:txBody>
-      </p:sp>
+              <a:t>Ensemble</a:t>
+            </a:r>
+          </a:p>
+          <a:p>
+            <a:pPr lvl="1"/>
+            <a:r>
+              <a:rPr lang="en-US" dirty="0"/>
+              <a:t>Graphs on data transform</a:t>
+            </a:r>
+          </a:p>
+          <a:p>
+            <a:pPr lvl="1"/>
+            <a:r>
+              <a:rPr lang="en-US" dirty="0"/>
+              <a:t>Graphs tweaking performance</a:t>
+            </a:r>
+          </a:p>
+          <a:p>
+            <a:pPr lvl="1"/>
+            <a:r>
+              <a:rPr lang="en-US" dirty="0"/>
+              <a:t>Talk about Overfitting</a:t>
+            </a:r>
+          </a:p>
+          <a:p>
+            <a:pPr lvl="1"/>
+            <a:endParaRPr lang="en-US" dirty="0"/>
+          </a:p>
+        </p:txBody>
+      </p:sp>
+      <p:pic>
+        <p:nvPicPr>
+          <p:cNvPr id="4" name="Picture 3"/>
+          <p:cNvPicPr>
+            <a:picLocks noChangeAspect="1"/>
+          </p:cNvPicPr>
+          <p:nvPr/>
+        </p:nvPicPr>
+        <p:blipFill>
+          <a:blip r:embed="rId2">
+            <a:extLst>
+              <a:ext uri="{28A0092B-C50C-407E-A947-70E740481C1C}">
+                <a14:useLocalDpi xmlns:a14="http://schemas.microsoft.com/office/drawing/2010/main" val="0"/>
+              </a:ext>
+            </a:extLst>
+          </a:blip>
+          <a:stretch>
+            <a:fillRect/>
+          </a:stretch>
+        </p:blipFill>
+        <p:spPr>
+          <a:xfrm>
+            <a:off x="1173395" y="3466327"/>
+            <a:ext cx="4623853" cy="3391673"/>
+          </a:xfrm>
+          <a:prstGeom prst="rect">
+            <a:avLst/>
+          </a:prstGeom>
+        </p:spPr>
+      </p:pic>
+      <p:pic>
+        <p:nvPicPr>
+          <p:cNvPr id="5" name="Picture 4"/>
+          <p:cNvPicPr>
+            <a:picLocks noChangeAspect="1"/>
+          </p:cNvPicPr>
+          <p:nvPr/>
+        </p:nvPicPr>
+        <p:blipFill>
+          <a:blip r:embed="rId3">
+            <a:extLst>
+              <a:ext uri="{28A0092B-C50C-407E-A947-70E740481C1C}">
+                <a14:useLocalDpi xmlns:a14="http://schemas.microsoft.com/office/drawing/2010/main" val="0"/>
+              </a:ext>
+            </a:extLst>
+          </a:blip>
+          <a:stretch>
+            <a:fillRect/>
+          </a:stretch>
+        </p:blipFill>
+        <p:spPr>
+          <a:xfrm>
+            <a:off x="6399849" y="3466327"/>
+            <a:ext cx="4623853" cy="3391673"/>
+          </a:xfrm>
+          <a:prstGeom prst="rect">
+            <a:avLst/>
+          </a:prstGeom>
+        </p:spPr>
+      </p:pic>
     </p:spTree>
     <p:extLst>
       <p:ext uri="{BB962C8B-B14F-4D97-AF65-F5344CB8AC3E}">
-        <p14:creationId xmlns:p14="http://schemas.microsoft.com/office/powerpoint/2010/main" val="1615709250"/>
+        <p14:creationId xmlns:p14="http://schemas.microsoft.com/office/powerpoint/2010/main" val="2998906929"/>
       </p:ext>
     </p:extLst>
   </p:cSld>
@@ -3229,7 +3382,110 @@
           <a:p>
             <a:r>
               <a:rPr lang="en-US" dirty="0"/>
+              <a:t>Model Comparison</a:t>
+            </a:r>
+          </a:p>
+        </p:txBody>
+      </p:sp>
+      <p:sp>
+        <p:nvSpPr>
+          <p:cNvPr id="3" name="Content Placeholder 2"/>
+          <p:cNvSpPr>
+            <a:spLocks noGrp="1"/>
+          </p:cNvSpPr>
+          <p:nvPr>
+            <p:ph idx="1"/>
+          </p:nvPr>
+        </p:nvSpPr>
+        <p:spPr/>
+        <p:txBody>
+          <a:bodyPr/>
+          <a:lstStyle/>
+          <a:p>
+            <a:r>
+              <a:rPr lang="en-US" dirty="0"/>
+              <a:t>Compare Best Graphs with Accuracy (ROC)</a:t>
+            </a:r>
+          </a:p>
+        </p:txBody>
+      </p:sp>
+    </p:spTree>
+    <p:extLst>
+      <p:ext uri="{BB962C8B-B14F-4D97-AF65-F5344CB8AC3E}">
+        <p14:creationId xmlns:p14="http://schemas.microsoft.com/office/powerpoint/2010/main" val="1615709250"/>
+      </p:ext>
+    </p:extLst>
+  </p:cSld>
+  <p:clrMapOvr>
+    <a:masterClrMapping/>
+  </p:clrMapOvr>
+</p:sld>
+</file>
+
+<file path=ppt/slides/slide13.xml><?xml version="1.0" encoding="utf-8"?>
+<p:sld xmlns:a="http://schemas.openxmlformats.org/drawingml/2006/main" xmlns:r="http://schemas.openxmlformats.org/officeDocument/2006/relationships" xmlns:p="http://schemas.openxmlformats.org/presentationml/2006/main">
+  <p:cSld>
+    <p:spTree>
+      <p:nvGrpSpPr>
+        <p:cNvPr id="1" name=""/>
+        <p:cNvGrpSpPr/>
+        <p:nvPr/>
+      </p:nvGrpSpPr>
+      <p:grpSpPr>
+        <a:xfrm>
+          <a:off x="0" y="0"/>
+          <a:ext cx="0" cy="0"/>
+          <a:chOff x="0" y="0"/>
+          <a:chExt cx="0" cy="0"/>
+        </a:xfrm>
+      </p:grpSpPr>
+      <p:sp>
+        <p:nvSpPr>
+          <p:cNvPr id="2" name="Title 1"/>
+          <p:cNvSpPr>
+            <a:spLocks noGrp="1"/>
+          </p:cNvSpPr>
+          <p:nvPr>
+            <p:ph type="title"/>
+          </p:nvPr>
+        </p:nvSpPr>
+        <p:spPr/>
+        <p:txBody>
+          <a:bodyPr/>
+          <a:lstStyle/>
+          <a:p>
+            <a:r>
+              <a:rPr lang="en-US" dirty="0"/>
               <a:t>Conclusion</a:t>
+            </a:r>
+          </a:p>
+        </p:txBody>
+      </p:sp>
+      <p:sp>
+        <p:nvSpPr>
+          <p:cNvPr id="3" name="TextBox 2"/>
+          <p:cNvSpPr txBox="1"/>
+          <p:nvPr/>
+        </p:nvSpPr>
+        <p:spPr>
+          <a:xfrm>
+            <a:off x="1378226" y="1895061"/>
+            <a:ext cx="5300870" cy="369332"/>
+          </a:xfrm>
+          <a:prstGeom prst="rect">
+            <a:avLst/>
+          </a:prstGeom>
+          <a:noFill/>
+        </p:spPr>
+        <p:txBody>
+          <a:bodyPr wrap="square" rtlCol="0">
+            <a:spAutoFit/>
+          </a:bodyPr>
+          <a:lstStyle/>
+          <a:p>
+            <a:r>
+              <a:rPr lang="en-US" dirty="0"/>
+              <a:t>Talk about what worked and what did not</a:t>
             </a:r>
           </a:p>
         </p:txBody>
@@ -3247,7 +3503,7 @@
 </p:sld>
 </file>
 
-<file path=ppt/slides/slide13.xml><?xml version="1.0" encoding="utf-8"?>
+<file path=ppt/slides/slide14.xml><?xml version="1.0" encoding="utf-8"?>
 <p:sld xmlns:a="http://schemas.openxmlformats.org/drawingml/2006/main" xmlns:r="http://schemas.openxmlformats.org/officeDocument/2006/relationships" xmlns:p="http://schemas.openxmlformats.org/presentationml/2006/main">
   <p:cSld>
     <p:spTree>
@@ -3323,51 +3579,155 @@
       </p:grpSpPr>
       <p:sp>
         <p:nvSpPr>
-          <p:cNvPr id="2" name="Title 1"/>
-          <p:cNvSpPr>
-            <a:spLocks noGrp="1"/>
-          </p:cNvSpPr>
-          <p:nvPr>
-            <p:ph type="title"/>
-          </p:nvPr>
+          <p:cNvPr id="3" name="TextBox 2"/>
+          <p:cNvSpPr txBox="1"/>
+          <p:nvPr/>
         </p:nvSpPr>
         <p:spPr>
           <a:xfrm>
-            <a:off x="838200" y="365125"/>
-            <a:ext cx="10515600" cy="2987675"/>
+            <a:off x="577792" y="951132"/>
+            <a:ext cx="11036416" cy="4739759"/>
           </a:xfrm>
+          <a:prstGeom prst="rect">
+            <a:avLst/>
+          </a:prstGeom>
+          <a:noFill/>
         </p:spPr>
         <p:txBody>
-          <a:bodyPr>
-            <a:normAutofit/>
+          <a:bodyPr wrap="square" rtlCol="0">
+            <a:spAutoFit/>
           </a:bodyPr>
           <a:lstStyle/>
           <a:p>
             <a:r>
+              <a:rPr lang="en-US" sz="2800" b="1" dirty="0"/>
+              <a:t>Problem Definition</a:t>
+            </a:r>
+          </a:p>
+          <a:p>
+            <a:r>
+              <a:rPr lang="en-US" sz="2000" dirty="0"/>
+              <a:t>Predict the human judgement about which of two users is more influential in a social network, given twitter activity data for the pair. </a:t>
+            </a:r>
+          </a:p>
+          <a:p>
+            <a:endParaRPr lang="en-US" sz="2400" dirty="0"/>
+          </a:p>
+          <a:p>
+            <a:r>
+              <a:rPr lang="en-US" sz="2800" b="1" dirty="0"/>
+              <a:t>Data Set</a:t>
+            </a:r>
+          </a:p>
+          <a:p>
+            <a:r>
+              <a:rPr lang="en-US" sz="2000" dirty="0"/>
+              <a:t>Numeric features for pairs of users (A and B). Both training and test data sets provided.</a:t>
+            </a:r>
+          </a:p>
+          <a:p>
+            <a:pPr marL="285750" indent="-285750">
+              <a:buFont typeface="Arial" panose="020B0604020202020204" pitchFamily="34" charset="0"/>
+              <a:buChar char="•"/>
+            </a:pPr>
+            <a:r>
               <a:rPr lang="en-US" dirty="0"/>
-              <a:t>1.Problem Definition</a:t>
-            </a:r>
-            <a:br>
+              <a:t>Follower/Following Count</a:t>
+            </a:r>
+          </a:p>
+          <a:p>
+            <a:pPr marL="285750" indent="-285750">
+              <a:buFont typeface="Arial" panose="020B0604020202020204" pitchFamily="34" charset="0"/>
+              <a:buChar char="•"/>
+            </a:pPr>
+            <a:r>
               <a:rPr lang="en-US" dirty="0"/>
-            </a:br>
+              <a:t>Mentions Sent/Received</a:t>
+            </a:r>
+          </a:p>
+          <a:p>
+            <a:pPr marL="285750" indent="-285750">
+              <a:buFont typeface="Arial" panose="020B0604020202020204" pitchFamily="34" charset="0"/>
+              <a:buChar char="•"/>
+            </a:pPr>
             <a:r>
               <a:rPr lang="en-US" dirty="0"/>
-              <a:t>2.Evaluation Criteria</a:t>
-            </a:r>
-            <a:br>
+              <a:t>Retweets Sent/Received</a:t>
+            </a:r>
+          </a:p>
+          <a:p>
+            <a:pPr marL="285750" indent="-285750">
+              <a:buFont typeface="Arial" panose="020B0604020202020204" pitchFamily="34" charset="0"/>
+              <a:buChar char="•"/>
+            </a:pPr>
+            <a:r>
               <a:rPr lang="en-US" dirty="0"/>
-            </a:br>
+              <a:t>Post Count</a:t>
+            </a:r>
+          </a:p>
+          <a:p>
+            <a:pPr marL="285750" indent="-285750">
+              <a:buFont typeface="Arial" panose="020B0604020202020204" pitchFamily="34" charset="0"/>
+              <a:buChar char="•"/>
+            </a:pPr>
             <a:r>
               <a:rPr lang="en-US" dirty="0"/>
-              <a:t>3.Description of the dataset</a:t>
-            </a:r>
-            <a:br>
+              <a:t>Listed Count (count of inclusion in user-created categories or lists)</a:t>
+            </a:r>
+          </a:p>
+          <a:p>
+            <a:pPr marL="285750" indent="-285750">
+              <a:buFont typeface="Arial" panose="020B0604020202020204" pitchFamily="34" charset="0"/>
+              <a:buChar char="•"/>
+            </a:pPr>
+            <a:r>
               <a:rPr lang="en-US" dirty="0"/>
-            </a:br>
-            <a:r>
-              <a:rPr lang="en-US" dirty="0"/>
-              <a:t>4. Baseline Solution</a:t>
-            </a:r>
+              <a:t>Network Features (proprietary calculated features)</a:t>
+            </a:r>
+          </a:p>
+          <a:p>
+            <a:endParaRPr lang="en-US" sz="2000" dirty="0"/>
+          </a:p>
+          <a:p>
+            <a:endParaRPr lang="en-US" sz="2000" dirty="0"/>
+          </a:p>
+          <a:p>
+            <a:pPr marL="285750" indent="-285750">
+              <a:buFont typeface="Arial" panose="020B0604020202020204" pitchFamily="34" charset="0"/>
+              <a:buChar char="•"/>
+            </a:pPr>
+            <a:endParaRPr lang="en-US" sz="1400" dirty="0"/>
+          </a:p>
+        </p:txBody>
+      </p:sp>
+      <p:sp>
+        <p:nvSpPr>
+          <p:cNvPr id="4" name="TextBox 3"/>
+          <p:cNvSpPr txBox="1"/>
+          <p:nvPr/>
+        </p:nvSpPr>
+        <p:spPr>
+          <a:xfrm>
+            <a:off x="0" y="0"/>
+            <a:ext cx="12192000" cy="646331"/>
+          </a:xfrm>
+          <a:prstGeom prst="rect">
+            <a:avLst/>
+          </a:prstGeom>
+          <a:noFill/>
+        </p:spPr>
+        <p:txBody>
+          <a:bodyPr wrap="square" rtlCol="0">
+            <a:spAutoFit/>
+          </a:bodyPr>
+          <a:lstStyle/>
+          <a:p>
+            <a:pPr algn="ctr"/>
+            <a:r>
+              <a:rPr lang="en-US" sz="3600" dirty="0"/>
+              <a:t>Objective</a:t>
+            </a:r>
+            <a:endParaRPr lang="en-US" sz="3600" b="1" dirty="0"/>
           </a:p>
         </p:txBody>
       </p:sp>
@@ -3403,100 +3763,197 @@
       </p:grpSpPr>
       <p:sp>
         <p:nvSpPr>
-          <p:cNvPr id="2" name="Title 1"/>
-          <p:cNvSpPr>
-            <a:spLocks noGrp="1"/>
-          </p:cNvSpPr>
-          <p:nvPr>
-            <p:ph type="title"/>
-          </p:nvPr>
-        </p:nvSpPr>
-        <p:spPr/>
-        <p:txBody>
-          <a:bodyPr/>
-          <a:lstStyle/>
-          <a:p>
-            <a:r>
-              <a:rPr lang="en-US" dirty="0"/>
-              <a:t>Overview Of the Methods</a:t>
-            </a:r>
-          </a:p>
-        </p:txBody>
-      </p:sp>
-      <p:sp>
-        <p:nvSpPr>
-          <p:cNvPr id="3" name="Content Placeholder 2"/>
-          <p:cNvSpPr>
-            <a:spLocks noGrp="1"/>
-          </p:cNvSpPr>
-          <p:nvPr>
-            <p:ph idx="1"/>
-          </p:nvPr>
-        </p:nvSpPr>
-        <p:spPr/>
-        <p:txBody>
-          <a:bodyPr/>
-          <a:lstStyle/>
-          <a:p>
-            <a:r>
-              <a:rPr lang="en-US" dirty="0"/>
-              <a:t>Preprocessing</a:t>
-            </a:r>
-          </a:p>
-          <a:p>
-            <a:pPr lvl="1"/>
-            <a:r>
-              <a:rPr lang="en-US" dirty="0"/>
-              <a:t>Feature Selection</a:t>
-            </a:r>
-          </a:p>
-          <a:p>
-            <a:pPr lvl="1"/>
-            <a:r>
-              <a:rPr lang="en-US" dirty="0"/>
-              <a:t>Feature Transformations</a:t>
-            </a:r>
-          </a:p>
-          <a:p>
-            <a:endParaRPr lang="en-US" dirty="0"/>
-          </a:p>
-          <a:p>
-            <a:r>
-              <a:rPr lang="en-US" dirty="0"/>
-              <a:t>Models</a:t>
-            </a:r>
-          </a:p>
-          <a:p>
-            <a:pPr lvl="1"/>
-            <a:r>
-              <a:rPr lang="en-US" dirty="0"/>
+          <p:cNvPr id="6" name="TextBox 5"/>
+          <p:cNvSpPr txBox="1"/>
+          <p:nvPr/>
+        </p:nvSpPr>
+        <p:spPr>
+          <a:xfrm>
+            <a:off x="696032" y="646331"/>
+            <a:ext cx="11310437" cy="6555641"/>
+          </a:xfrm>
+          <a:prstGeom prst="rect">
+            <a:avLst/>
+          </a:prstGeom>
+          <a:noFill/>
+        </p:spPr>
+        <p:txBody>
+          <a:bodyPr wrap="square" rtlCol="0">
+            <a:spAutoFit/>
+          </a:bodyPr>
+          <a:lstStyle/>
+          <a:p>
+            <a:r>
+              <a:rPr lang="en-US" sz="2800" b="1" dirty="0"/>
+              <a:t>Pre-processing</a:t>
+            </a:r>
+          </a:p>
+          <a:p>
+            <a:pPr marL="342900" indent="-342900">
+              <a:buFont typeface="Arial" panose="020B0604020202020204" pitchFamily="34" charset="0"/>
+              <a:buChar char="•"/>
+            </a:pPr>
+            <a:r>
+              <a:rPr lang="en-US" sz="2000" dirty="0"/>
+              <a:t>Feature Selection – determine which features correlate with influence</a:t>
+            </a:r>
+          </a:p>
+          <a:p>
+            <a:pPr marL="342900" indent="-342900">
+              <a:buFont typeface="Arial" panose="020B0604020202020204" pitchFamily="34" charset="0"/>
+              <a:buChar char="•"/>
+            </a:pPr>
+            <a:r>
+              <a:rPr lang="en-US" sz="2000" dirty="0"/>
+              <a:t>Feature Transformations – normalize data </a:t>
+            </a:r>
+          </a:p>
+          <a:p>
+            <a:endParaRPr lang="en-US" sz="2800" b="1" dirty="0"/>
+          </a:p>
+          <a:p>
+            <a:r>
+              <a:rPr lang="en-US" sz="2800" b="1" dirty="0"/>
+              <a:t>Modeling</a:t>
+            </a:r>
+            <a:r>
+              <a:rPr lang="en-US" sz="2800" dirty="0"/>
+              <a:t> </a:t>
+            </a:r>
+            <a:r>
+              <a:rPr lang="en-US" sz="2800" b="1" dirty="0"/>
+              <a:t>Methods</a:t>
+            </a:r>
+          </a:p>
+          <a:p>
+            <a:pPr marL="342900" indent="-342900">
+              <a:buFont typeface="Arial" panose="020B0604020202020204" pitchFamily="34" charset="0"/>
+              <a:buChar char="•"/>
+            </a:pPr>
+            <a:r>
+              <a:rPr lang="en-US" sz="2000" dirty="0"/>
               <a:t>Logistic Regression</a:t>
             </a:r>
           </a:p>
           <a:p>
-            <a:pPr lvl="1"/>
-            <a:r>
-              <a:rPr lang="en-US" dirty="0"/>
-              <a:t>NN</a:t>
-            </a:r>
-          </a:p>
-          <a:p>
-            <a:pPr lvl="1"/>
-            <a:r>
-              <a:rPr lang="en-US" dirty="0"/>
-              <a:t>SVM</a:t>
-            </a:r>
-          </a:p>
-          <a:p>
-            <a:pPr lvl="1"/>
-            <a:r>
-              <a:rPr lang="en-US" dirty="0"/>
+            <a:pPr marL="342900" indent="-342900">
+              <a:buFont typeface="Arial" panose="020B0604020202020204" pitchFamily="34" charset="0"/>
+              <a:buChar char="•"/>
+            </a:pPr>
+            <a:r>
+              <a:rPr lang="en-US" sz="2000" dirty="0"/>
+              <a:t>Neural Network</a:t>
+            </a:r>
+          </a:p>
+          <a:p>
+            <a:pPr marL="342900" indent="-342900">
+              <a:buFont typeface="Arial" panose="020B0604020202020204" pitchFamily="34" charset="0"/>
+              <a:buChar char="•"/>
+            </a:pPr>
+            <a:r>
+              <a:rPr lang="en-US" sz="2000" dirty="0"/>
+              <a:t>Support Vector Machines (SVM)</a:t>
+            </a:r>
+          </a:p>
+          <a:p>
+            <a:pPr marL="342900" indent="-342900">
+              <a:buFont typeface="Arial" panose="020B0604020202020204" pitchFamily="34" charset="0"/>
+              <a:buChar char="•"/>
+            </a:pPr>
+            <a:r>
+              <a:rPr lang="en-US" sz="2000" dirty="0"/>
               <a:t>Ensemble</a:t>
             </a:r>
           </a:p>
           <a:p>
-            <a:pPr lvl="1"/>
-            <a:endParaRPr lang="en-US" dirty="0"/>
+            <a:pPr marL="342900" indent="-342900">
+              <a:buFont typeface="Arial" panose="020B0604020202020204" pitchFamily="34" charset="0"/>
+              <a:buChar char="•"/>
+            </a:pPr>
+            <a:endParaRPr lang="en-US" sz="2000" dirty="0"/>
+          </a:p>
+          <a:p>
+            <a:r>
+              <a:rPr lang="en-US" sz="2800" b="1" dirty="0"/>
+              <a:t>Evaluation</a:t>
+            </a:r>
+          </a:p>
+          <a:p>
+            <a:r>
+              <a:rPr lang="en-US" sz="2000" dirty="0"/>
+              <a:t>Measuring the area under the Receiver Operating Characteristic (ROC) curve, which plots true positives against false positives for probabilistic outcomes for a range of thresholds. (</a:t>
+            </a:r>
+            <a:r>
+              <a:rPr lang="en-US" sz="2000" dirty="0">
+                <a:solidFill>
+                  <a:srgbClr val="FF0000"/>
+                </a:solidFill>
+              </a:rPr>
+              <a:t>TODO – Add Sample Curve</a:t>
+            </a:r>
+            <a:r>
+              <a:rPr lang="en-US" sz="2000" dirty="0"/>
+              <a:t>)</a:t>
+            </a:r>
+          </a:p>
+          <a:p>
+            <a:endParaRPr lang="en-US" sz="2000" dirty="0"/>
+          </a:p>
+          <a:p>
+            <a:r>
+              <a:rPr lang="en-US" sz="2400" dirty="0"/>
+              <a:t>Baseline Solution:</a:t>
+            </a:r>
+          </a:p>
+          <a:p>
+            <a:r>
+              <a:rPr lang="en-US" sz="2000" dirty="0"/>
+              <a:t>The person who has more followers is the person who is more influential. (Area Under Curve : 0.75175)</a:t>
+            </a:r>
+            <a:endParaRPr lang="en-US" sz="2400" dirty="0"/>
+          </a:p>
+          <a:p>
+            <a:endParaRPr lang="en-US" sz="2000" dirty="0"/>
+          </a:p>
+          <a:p>
+            <a:pPr marL="342900" indent="-342900">
+              <a:buFont typeface="Arial" panose="020B0604020202020204" pitchFamily="34" charset="0"/>
+              <a:buChar char="•"/>
+            </a:pPr>
+            <a:endParaRPr lang="en-US" sz="2000" dirty="0"/>
+          </a:p>
+          <a:p>
+            <a:endParaRPr lang="en-US" sz="2400" dirty="0"/>
+          </a:p>
+        </p:txBody>
+      </p:sp>
+      <p:sp>
+        <p:nvSpPr>
+          <p:cNvPr id="4" name="TextBox 3"/>
+          <p:cNvSpPr txBox="1"/>
+          <p:nvPr/>
+        </p:nvSpPr>
+        <p:spPr>
+          <a:xfrm>
+            <a:off x="0" y="0"/>
+            <a:ext cx="12192000" cy="646331"/>
+          </a:xfrm>
+          <a:prstGeom prst="rect">
+            <a:avLst/>
+          </a:prstGeom>
+          <a:noFill/>
+        </p:spPr>
+        <p:txBody>
+          <a:bodyPr wrap="square" rtlCol="0">
+            <a:spAutoFit/>
+          </a:bodyPr>
+          <a:lstStyle/>
+          <a:p>
+            <a:pPr algn="ctr"/>
+            <a:r>
+              <a:rPr lang="en-US" sz="3600" b="1" dirty="0"/>
+              <a:t>Approach</a:t>
+            </a:r>
           </a:p>
         </p:txBody>
       </p:sp>
@@ -3540,92 +3997,177 @@
             <p:ph type="title"/>
           </p:nvPr>
         </p:nvSpPr>
-        <p:spPr/>
+        <p:spPr>
+          <a:xfrm>
+            <a:off x="0" y="0"/>
+            <a:ext cx="10515600" cy="1325563"/>
+          </a:xfrm>
+        </p:spPr>
         <p:txBody>
           <a:bodyPr/>
           <a:lstStyle/>
           <a:p>
             <a:r>
               <a:rPr lang="en-US" dirty="0"/>
-              <a:t>Preprocessing</a:t>
-            </a:r>
-          </a:p>
-        </p:txBody>
-      </p:sp>
-      <p:sp>
-        <p:nvSpPr>
-          <p:cNvPr id="3" name="Content Placeholder 2"/>
-          <p:cNvSpPr>
-            <a:spLocks noGrp="1"/>
-          </p:cNvSpPr>
-          <p:nvPr>
-            <p:ph idx="1"/>
-          </p:nvPr>
-        </p:nvSpPr>
-        <p:spPr/>
-        <p:txBody>
-          <a:bodyPr/>
-          <a:lstStyle/>
-          <a:p>
-            <a:r>
-              <a:rPr lang="en-US" dirty="0"/>
-              <a:t>Feature Selection (add Graphs)</a:t>
-            </a:r>
-          </a:p>
-          <a:p>
-            <a:pPr lvl="1"/>
-            <a:r>
-              <a:rPr lang="en-US" dirty="0"/>
-              <a:t>Intuitive</a:t>
-            </a:r>
-          </a:p>
-          <a:p>
-            <a:pPr lvl="1"/>
-            <a:r>
-              <a:rPr lang="en-US" dirty="0"/>
-              <a:t>PCA(Akshay)</a:t>
-            </a:r>
-          </a:p>
-          <a:p>
-            <a:pPr lvl="1"/>
-            <a:r>
-              <a:rPr lang="en-US" dirty="0"/>
-              <a:t>K-Best(</a:t>
-            </a:r>
-            <a:r>
-              <a:rPr lang="en-US" dirty="0" err="1"/>
-              <a:t>sayam</a:t>
-            </a:r>
-            <a:r>
-              <a:rPr lang="en-US" dirty="0"/>
-              <a:t>)</a:t>
-            </a:r>
-          </a:p>
-          <a:p>
-            <a:pPr lvl="1"/>
-            <a:r>
-              <a:rPr lang="en-US" dirty="0"/>
-              <a:t>Original Features(</a:t>
-            </a:r>
-            <a:r>
-              <a:rPr lang="en-US" dirty="0" err="1"/>
-              <a:t>Matlab</a:t>
-            </a:r>
-            <a:r>
-              <a:rPr lang="en-US" dirty="0"/>
-              <a:t> Sayam)</a:t>
-            </a:r>
-          </a:p>
-          <a:p>
-            <a:pPr lvl="1"/>
-            <a:endParaRPr lang="en-US" dirty="0"/>
-          </a:p>
-        </p:txBody>
-      </p:sp>
+              <a:t>Data Visualization</a:t>
+            </a:r>
+          </a:p>
+        </p:txBody>
+      </p:sp>
+      <p:pic>
+        <p:nvPicPr>
+          <p:cNvPr id="4" name="Picture 3"/>
+          <p:cNvPicPr>
+            <a:picLocks noChangeAspect="1"/>
+          </p:cNvPicPr>
+          <p:nvPr/>
+        </p:nvPicPr>
+        <p:blipFill>
+          <a:blip r:embed="rId2">
+            <a:extLst>
+              <a:ext uri="{28A0092B-C50C-407E-A947-70E740481C1C}">
+                <a14:useLocalDpi xmlns:a14="http://schemas.microsoft.com/office/drawing/2010/main" val="0"/>
+              </a:ext>
+            </a:extLst>
+          </a:blip>
+          <a:stretch>
+            <a:fillRect/>
+          </a:stretch>
+        </p:blipFill>
+        <p:spPr>
+          <a:xfrm>
+            <a:off x="341639" y="1325563"/>
+            <a:ext cx="3083179" cy="2261563"/>
+          </a:xfrm>
+          <a:prstGeom prst="rect">
+            <a:avLst/>
+          </a:prstGeom>
+        </p:spPr>
+      </p:pic>
+      <p:pic>
+        <p:nvPicPr>
+          <p:cNvPr id="5" name="Picture 4"/>
+          <p:cNvPicPr>
+            <a:picLocks noChangeAspect="1"/>
+          </p:cNvPicPr>
+          <p:nvPr/>
+        </p:nvPicPr>
+        <p:blipFill>
+          <a:blip r:embed="rId3">
+            <a:extLst>
+              <a:ext uri="{28A0092B-C50C-407E-A947-70E740481C1C}">
+                <a14:useLocalDpi xmlns:a14="http://schemas.microsoft.com/office/drawing/2010/main" val="0"/>
+              </a:ext>
+            </a:extLst>
+          </a:blip>
+          <a:stretch>
+            <a:fillRect/>
+          </a:stretch>
+        </p:blipFill>
+        <p:spPr>
+          <a:xfrm>
+            <a:off x="8582929" y="167890"/>
+            <a:ext cx="3119839" cy="2288454"/>
+          </a:xfrm>
+          <a:prstGeom prst="rect">
+            <a:avLst/>
+          </a:prstGeom>
+        </p:spPr>
+      </p:pic>
+      <p:pic>
+        <p:nvPicPr>
+          <p:cNvPr id="6" name="Picture 5"/>
+          <p:cNvPicPr>
+            <a:picLocks noChangeAspect="1"/>
+          </p:cNvPicPr>
+          <p:nvPr/>
+        </p:nvPicPr>
+        <p:blipFill>
+          <a:blip r:embed="rId4">
+            <a:extLst>
+              <a:ext uri="{28A0092B-C50C-407E-A947-70E740481C1C}">
+                <a14:useLocalDpi xmlns:a14="http://schemas.microsoft.com/office/drawing/2010/main" val="0"/>
+              </a:ext>
+            </a:extLst>
+          </a:blip>
+          <a:stretch>
+            <a:fillRect/>
+          </a:stretch>
+        </p:blipFill>
+        <p:spPr>
+          <a:xfrm>
+            <a:off x="488115" y="4150749"/>
+            <a:ext cx="3120955" cy="2289272"/>
+          </a:xfrm>
+          <a:prstGeom prst="rect">
+            <a:avLst/>
+          </a:prstGeom>
+        </p:spPr>
+      </p:pic>
+      <p:pic>
+        <p:nvPicPr>
+          <p:cNvPr id="7" name="Picture 6"/>
+          <p:cNvPicPr>
+            <a:picLocks noChangeAspect="1"/>
+          </p:cNvPicPr>
+          <p:nvPr/>
+        </p:nvPicPr>
+        <p:blipFill>
+          <a:blip r:embed="rId5">
+            <a:extLst>
+              <a:ext uri="{28A0092B-C50C-407E-A947-70E740481C1C}">
+                <a14:useLocalDpi xmlns:a14="http://schemas.microsoft.com/office/drawing/2010/main" val="0"/>
+              </a:ext>
+            </a:extLst>
+          </a:blip>
+          <a:stretch>
+            <a:fillRect/>
+          </a:stretch>
+        </p:blipFill>
+        <p:spPr>
+          <a:xfrm>
+            <a:off x="4362666" y="2157571"/>
+            <a:ext cx="3466667" cy="2542857"/>
+          </a:xfrm>
+          <a:prstGeom prst="rect">
+            <a:avLst/>
+          </a:prstGeom>
+        </p:spPr>
+      </p:pic>
+      <p:pic>
+        <p:nvPicPr>
+          <p:cNvPr id="8" name="Picture 7"/>
+          <p:cNvPicPr>
+            <a:picLocks noChangeAspect="1"/>
+          </p:cNvPicPr>
+          <p:nvPr/>
+        </p:nvPicPr>
+        <p:blipFill>
+          <a:blip r:embed="rId6">
+            <a:extLst>
+              <a:ext uri="{28A0092B-C50C-407E-A947-70E740481C1C}">
+                <a14:useLocalDpi xmlns:a14="http://schemas.microsoft.com/office/drawing/2010/main" val="0"/>
+              </a:ext>
+            </a:extLst>
+          </a:blip>
+          <a:stretch>
+            <a:fillRect/>
+          </a:stretch>
+        </p:blipFill>
+        <p:spPr>
+          <a:xfrm>
+            <a:off x="6455254" y="3189961"/>
+            <a:ext cx="4623853" cy="3391673"/>
+          </a:xfrm>
+          <a:prstGeom prst="rect">
+            <a:avLst/>
+          </a:prstGeom>
+        </p:spPr>
+      </p:pic>
     </p:spTree>
     <p:extLst>
       <p:ext uri="{BB962C8B-B14F-4D97-AF65-F5344CB8AC3E}">
-        <p14:creationId xmlns:p14="http://schemas.microsoft.com/office/powerpoint/2010/main" val="1850665491"/>
+        <p14:creationId xmlns:p14="http://schemas.microsoft.com/office/powerpoint/2010/main" val="4248595549"/>
       </p:ext>
     </p:extLst>
   </p:cSld>
@@ -3654,28 +4196,6 @@
       </p:grpSpPr>
       <p:sp>
         <p:nvSpPr>
-          <p:cNvPr id="2" name="Title 1"/>
-          <p:cNvSpPr>
-            <a:spLocks noGrp="1"/>
-          </p:cNvSpPr>
-          <p:nvPr>
-            <p:ph type="title"/>
-          </p:nvPr>
-        </p:nvSpPr>
-        <p:spPr/>
-        <p:txBody>
-          <a:bodyPr/>
-          <a:lstStyle/>
-          <a:p>
-            <a:r>
-              <a:rPr lang="en-US" dirty="0"/>
-              <a:t>Preprocessing</a:t>
-            </a:r>
-          </a:p>
-        </p:txBody>
-      </p:sp>
-      <p:sp>
-        <p:nvSpPr>
           <p:cNvPr id="3" name="Content Placeholder 2"/>
           <p:cNvSpPr>
             <a:spLocks noGrp="1"/>
@@ -3684,46 +4204,231 @@
             <p:ph idx="1"/>
           </p:nvPr>
         </p:nvSpPr>
-        <p:spPr/>
-        <p:txBody>
-          <a:bodyPr/>
-          <a:lstStyle/>
-          <a:p>
-            <a:r>
-              <a:rPr lang="en-US" dirty="0"/>
-              <a:t>Feature Transformation (add graphs for Logistic Regression)(Patrick)</a:t>
+        <p:spPr>
+          <a:xfrm>
+            <a:off x="729143" y="785390"/>
+            <a:ext cx="10553145" cy="5784222"/>
+          </a:xfrm>
+        </p:spPr>
+        <p:txBody>
+          <a:bodyPr>
+            <a:normAutofit/>
+          </a:bodyPr>
+          <a:lstStyle/>
+          <a:p>
+            <a:r>
+              <a:rPr lang="en-US" sz="2000" b="1" dirty="0"/>
+              <a:t>Delta Transform</a:t>
             </a:r>
           </a:p>
           <a:p>
             <a:pPr lvl="1"/>
             <a:r>
-              <a:rPr lang="en-US" dirty="0"/>
-              <a:t>Delta</a:t>
+              <a:rPr lang="en-US" sz="1600" dirty="0"/>
+              <a:t>Absolute difference between values for two users</a:t>
             </a:r>
           </a:p>
           <a:p>
             <a:pPr lvl="1"/>
             <a:r>
-              <a:rPr lang="en-US" dirty="0"/>
-              <a:t>Discrete </a:t>
+              <a:rPr lang="en-US" sz="1600" dirty="0"/>
+              <a:t>Baseline</a:t>
             </a:r>
           </a:p>
           <a:p>
             <a:pPr lvl="1"/>
             <a:r>
-              <a:rPr lang="en-US" dirty="0"/>
-              <a:t>Normalization</a:t>
+              <a:rPr lang="en-US" sz="1600" dirty="0"/>
+              <a:t>Preserves the meaning of large difference in values</a:t>
             </a:r>
           </a:p>
           <a:p>
             <a:pPr lvl="1"/>
             <a:r>
-              <a:rPr lang="en-US" dirty="0"/>
-              <a:t>Log</a:t>
-            </a:r>
-          </a:p>
-        </p:txBody>
-      </p:sp>
+              <a:rPr lang="en-US" sz="1600" dirty="0"/>
+              <a:t>To reduce the scale of the data, we normalize it.</a:t>
+            </a:r>
+          </a:p>
+          <a:p>
+            <a:r>
+              <a:rPr lang="en-US" sz="2000" b="1" dirty="0"/>
+              <a:t>Binary Transform</a:t>
+            </a:r>
+          </a:p>
+          <a:p>
+            <a:pPr lvl="1"/>
+            <a:r>
+              <a:rPr lang="en-US" sz="1600" dirty="0"/>
+              <a:t>Reduce difference to one (larger for user A) or zero (larger for user B)</a:t>
+            </a:r>
+          </a:p>
+          <a:p>
+            <a:pPr lvl="1"/>
+            <a:r>
+              <a:rPr lang="en-US" sz="1600" dirty="0"/>
+              <a:t>Simpler data set, but discards the magnitude of differences</a:t>
+            </a:r>
+          </a:p>
+          <a:p>
+            <a:r>
+              <a:rPr lang="en-US" sz="2000" b="1" dirty="0"/>
+              <a:t>Logarithm</a:t>
+            </a:r>
+          </a:p>
+          <a:p>
+            <a:pPr lvl="1"/>
+            <a:r>
+              <a:rPr lang="en-US" sz="1600" dirty="0"/>
+              <a:t>Reduces large differences in the orders of magnitude in features (</a:t>
+            </a:r>
+            <a:r>
+              <a:rPr lang="en-US" sz="1600" dirty="0" err="1"/>
+              <a:t>ie</a:t>
+            </a:r>
+            <a:r>
+              <a:rPr lang="en-US" sz="1600" dirty="0"/>
+              <a:t>. follower versus following counts)</a:t>
+            </a:r>
+          </a:p>
+          <a:p>
+            <a:pPr lvl="1"/>
+            <a:r>
+              <a:rPr lang="en-US" sz="1600" dirty="0"/>
+              <a:t>Simplifies non-linear relationships between input and output.</a:t>
+            </a:r>
+          </a:p>
+          <a:p>
+            <a:pPr lvl="1"/>
+            <a:endParaRPr lang="en-US" sz="1600" dirty="0"/>
+          </a:p>
+          <a:p>
+            <a:pPr marL="0" indent="0">
+              <a:buNone/>
+            </a:pPr>
+            <a:endParaRPr lang="en-US" sz="2000" b="1" dirty="0"/>
+          </a:p>
+        </p:txBody>
+      </p:sp>
+      <p:sp>
+        <p:nvSpPr>
+          <p:cNvPr id="4" name="TextBox 3"/>
+          <p:cNvSpPr txBox="1"/>
+          <p:nvPr/>
+        </p:nvSpPr>
+        <p:spPr>
+          <a:xfrm>
+            <a:off x="0" y="0"/>
+            <a:ext cx="12192000" cy="646331"/>
+          </a:xfrm>
+          <a:prstGeom prst="rect">
+            <a:avLst/>
+          </a:prstGeom>
+          <a:noFill/>
+        </p:spPr>
+        <p:txBody>
+          <a:bodyPr wrap="square" rtlCol="0">
+            <a:spAutoFit/>
+          </a:bodyPr>
+          <a:lstStyle/>
+          <a:p>
+            <a:pPr algn="ctr"/>
+            <a:r>
+              <a:rPr lang="en-US" sz="3600" b="1" dirty="0"/>
+              <a:t>Feature Transformation</a:t>
+            </a:r>
+          </a:p>
+        </p:txBody>
+      </p:sp>
+      <p:pic>
+        <p:nvPicPr>
+          <p:cNvPr id="2" name="Picture 1"/>
+          <p:cNvPicPr>
+            <a:picLocks noChangeAspect="1"/>
+          </p:cNvPicPr>
+          <p:nvPr/>
+        </p:nvPicPr>
+        <p:blipFill>
+          <a:blip r:embed="rId2">
+            <a:extLst>
+              <a:ext uri="{28A0092B-C50C-407E-A947-70E740481C1C}">
+                <a14:useLocalDpi xmlns:a14="http://schemas.microsoft.com/office/drawing/2010/main" val="0"/>
+              </a:ext>
+            </a:extLst>
+          </a:blip>
+          <a:stretch>
+            <a:fillRect/>
+          </a:stretch>
+        </p:blipFill>
+        <p:spPr>
+          <a:xfrm>
+            <a:off x="5866093" y="785390"/>
+            <a:ext cx="2002236" cy="1468674"/>
+          </a:xfrm>
+          <a:prstGeom prst="rect">
+            <a:avLst/>
+          </a:prstGeom>
+        </p:spPr>
+      </p:pic>
+      <p:pic>
+        <p:nvPicPr>
+          <p:cNvPr id="5" name="Picture 4"/>
+          <p:cNvPicPr>
+            <a:picLocks noChangeAspect="1"/>
+          </p:cNvPicPr>
+          <p:nvPr/>
+        </p:nvPicPr>
+        <p:blipFill>
+          <a:blip r:embed="rId3">
+            <a:extLst>
+              <a:ext uri="{28A0092B-C50C-407E-A947-70E740481C1C}">
+                <a14:useLocalDpi xmlns:a14="http://schemas.microsoft.com/office/drawing/2010/main" val="0"/>
+              </a:ext>
+            </a:extLst>
+          </a:blip>
+          <a:stretch>
+            <a:fillRect/>
+          </a:stretch>
+        </p:blipFill>
+        <p:spPr>
+          <a:xfrm>
+            <a:off x="7587563" y="4626826"/>
+            <a:ext cx="2297543" cy="1685286"/>
+          </a:xfrm>
+          <a:prstGeom prst="rect">
+            <a:avLst/>
+          </a:prstGeom>
+        </p:spPr>
+      </p:pic>
+      <p:pic>
+        <p:nvPicPr>
+          <p:cNvPr id="6" name="Picture 5"/>
+          <p:cNvPicPr>
+            <a:picLocks noChangeAspect="1"/>
+          </p:cNvPicPr>
+          <p:nvPr/>
+        </p:nvPicPr>
+        <p:blipFill>
+          <a:blip r:embed="rId4">
+            <a:extLst>
+              <a:ext uri="{28A0092B-C50C-407E-A947-70E740481C1C}">
+                <a14:useLocalDpi xmlns:a14="http://schemas.microsoft.com/office/drawing/2010/main" val="0"/>
+              </a:ext>
+            </a:extLst>
+          </a:blip>
+          <a:stretch>
+            <a:fillRect/>
+          </a:stretch>
+        </p:blipFill>
+        <p:spPr>
+          <a:xfrm>
+            <a:off x="9411150" y="1850958"/>
+            <a:ext cx="2490118" cy="1826543"/>
+          </a:xfrm>
+          <a:prstGeom prst="rect">
+            <a:avLst/>
+          </a:prstGeom>
+        </p:spPr>
+      </p:pic>
     </p:spTree>
     <p:extLst>
       <p:ext uri="{BB962C8B-B14F-4D97-AF65-F5344CB8AC3E}">
@@ -3756,44 +4461,109 @@
       </p:grpSpPr>
       <p:sp>
         <p:nvSpPr>
-          <p:cNvPr id="2" name="Title 1"/>
-          <p:cNvSpPr>
-            <a:spLocks noGrp="1"/>
-          </p:cNvSpPr>
-          <p:nvPr>
-            <p:ph type="title"/>
-          </p:nvPr>
-        </p:nvSpPr>
-        <p:spPr/>
+          <p:cNvPr id="3" name="Content Placeholder 2"/>
+          <p:cNvSpPr>
+            <a:spLocks noGrp="1"/>
+          </p:cNvSpPr>
+          <p:nvPr>
+            <p:ph idx="1"/>
+          </p:nvPr>
+        </p:nvSpPr>
+        <p:spPr>
+          <a:xfrm>
+            <a:off x="561108" y="717261"/>
+            <a:ext cx="11404615" cy="4351338"/>
+          </a:xfrm>
+        </p:spPr>
         <p:txBody>
           <a:bodyPr/>
           <a:lstStyle/>
           <a:p>
             <a:r>
               <a:rPr lang="en-US" dirty="0"/>
-              <a:t>How does the data look like?</a:t>
-            </a:r>
-          </a:p>
-        </p:txBody>
-      </p:sp>
-      <p:sp>
-        <p:nvSpPr>
-          <p:cNvPr id="3" name="Content Placeholder 2"/>
-          <p:cNvSpPr>
-            <a:spLocks noGrp="1"/>
-          </p:cNvSpPr>
-          <p:nvPr>
-            <p:ph idx="1"/>
-          </p:nvPr>
-        </p:nvSpPr>
-        <p:spPr/>
-        <p:txBody>
-          <a:bodyPr/>
-          <a:lstStyle/>
-          <a:p>
+              <a:t>Feature Selection (add Graphs)</a:t>
+            </a:r>
+          </a:p>
+          <a:p>
+            <a:pPr lvl="1"/>
             <a:r>
               <a:rPr lang="en-US" dirty="0"/>
-              <a:t>Graph(Akshay)</a:t>
+              <a:t>Intuitive</a:t>
+            </a:r>
+          </a:p>
+          <a:p>
+            <a:pPr lvl="1"/>
+            <a:r>
+              <a:rPr lang="en-US" dirty="0"/>
+              <a:t>PCA(Add Cumulative Curve)</a:t>
+            </a:r>
+          </a:p>
+          <a:p>
+            <a:pPr lvl="1"/>
+            <a:endParaRPr lang="en-US" dirty="0"/>
+          </a:p>
+          <a:p>
+            <a:pPr lvl="1"/>
+            <a:r>
+              <a:rPr lang="en-US" dirty="0"/>
+              <a:t>K-Best(</a:t>
+            </a:r>
+            <a:r>
+              <a:rPr lang="en-US" dirty="0" err="1"/>
+              <a:t>sayam</a:t>
+            </a:r>
+            <a:r>
+              <a:rPr lang="en-US" dirty="0"/>
+              <a:t>)</a:t>
+            </a:r>
+          </a:p>
+          <a:p>
+            <a:pPr lvl="1"/>
+            <a:r>
+              <a:rPr lang="en-US" dirty="0"/>
+              <a:t>Original Features(</a:t>
+            </a:r>
+            <a:r>
+              <a:rPr lang="en-US" dirty="0" err="1"/>
+              <a:t>Matlab</a:t>
+            </a:r>
+            <a:r>
+              <a:rPr lang="en-US" dirty="0"/>
+              <a:t> Sayam)</a:t>
+            </a:r>
+          </a:p>
+          <a:p>
+            <a:pPr lvl="1"/>
+            <a:endParaRPr lang="en-US" dirty="0"/>
+          </a:p>
+        </p:txBody>
+      </p:sp>
+      <p:sp>
+        <p:nvSpPr>
+          <p:cNvPr id="4" name="TextBox 3"/>
+          <p:cNvSpPr txBox="1"/>
+          <p:nvPr/>
+        </p:nvSpPr>
+        <p:spPr>
+          <a:xfrm>
+            <a:off x="0" y="0"/>
+            <a:ext cx="12192000" cy="646331"/>
+          </a:xfrm>
+          <a:prstGeom prst="rect">
+            <a:avLst/>
+          </a:prstGeom>
+          <a:noFill/>
+        </p:spPr>
+        <p:txBody>
+          <a:bodyPr wrap="square" rtlCol="0">
+            <a:spAutoFit/>
+          </a:bodyPr>
+          <a:lstStyle/>
+          <a:p>
+            <a:pPr algn="ctr"/>
+            <a:r>
+              <a:rPr lang="en-US" sz="3600" b="1" dirty="0"/>
+              <a:t>Feature Selection</a:t>
             </a:r>
           </a:p>
         </p:txBody>
@@ -3801,7 +4571,7 @@
     </p:spTree>
     <p:extLst>
       <p:ext uri="{BB962C8B-B14F-4D97-AF65-F5344CB8AC3E}">
-        <p14:creationId xmlns:p14="http://schemas.microsoft.com/office/powerpoint/2010/main" val="4248595549"/>
+        <p14:creationId xmlns:p14="http://schemas.microsoft.com/office/powerpoint/2010/main" val="1850665491"/>
       </p:ext>
     </p:extLst>
   </p:cSld>
@@ -3962,7 +4732,7 @@
           <a:p>
             <a:r>
               <a:rPr lang="en-US" dirty="0"/>
-              <a:t>SVM</a:t>
+              <a:t>SVM(Add ROC, change headers of the graph)</a:t>
             </a:r>
           </a:p>
           <a:p>
@@ -3974,24 +4744,100 @@
           </a:p>
           <a:p>
             <a:pPr lvl="1"/>
-            <a:r>
-              <a:rPr lang="en-US" dirty="0"/>
-              <a:t>Graphs tweaking performance</a:t>
-            </a:r>
-          </a:p>
-          <a:p>
-            <a:pPr lvl="1"/>
-            <a:r>
-              <a:rPr lang="en-US" dirty="0"/>
-              <a:t>Talk about Overfitting</a:t>
-            </a:r>
-          </a:p>
-          <a:p>
-            <a:pPr lvl="1"/>
             <a:endParaRPr lang="en-US" dirty="0"/>
           </a:p>
         </p:txBody>
       </p:sp>
+      <p:pic>
+        <p:nvPicPr>
+          <p:cNvPr id="4" name="Picture 3"/>
+          <p:cNvPicPr>
+            <a:picLocks noChangeAspect="1"/>
+          </p:cNvPicPr>
+          <p:nvPr/>
+        </p:nvPicPr>
+        <p:blipFill>
+          <a:blip r:embed="rId2">
+            <a:extLst>
+              <a:ext uri="{28A0092B-C50C-407E-A947-70E740481C1C}">
+                <a14:useLocalDpi xmlns:a14="http://schemas.microsoft.com/office/drawing/2010/main" val="0"/>
+              </a:ext>
+            </a:extLst>
+          </a:blip>
+          <a:stretch>
+            <a:fillRect/>
+          </a:stretch>
+        </p:blipFill>
+        <p:spPr>
+          <a:xfrm>
+            <a:off x="4666155" y="325368"/>
+            <a:ext cx="2409524" cy="1295238"/>
+          </a:xfrm>
+          <a:prstGeom prst="rect">
+            <a:avLst/>
+          </a:prstGeom>
+        </p:spPr>
+      </p:pic>
+      <p:pic>
+        <p:nvPicPr>
+          <p:cNvPr id="5" name="Picture 4"/>
+          <p:cNvPicPr>
+            <a:picLocks noChangeAspect="1"/>
+          </p:cNvPicPr>
+          <p:nvPr/>
+        </p:nvPicPr>
+        <p:blipFill>
+          <a:blip r:embed="rId3">
+            <a:extLst>
+              <a:ext uri="{28A0092B-C50C-407E-A947-70E740481C1C}">
+                <a14:useLocalDpi xmlns:a14="http://schemas.microsoft.com/office/drawing/2010/main" val="0"/>
+              </a:ext>
+            </a:extLst>
+          </a:blip>
+          <a:stretch>
+            <a:fillRect/>
+          </a:stretch>
+        </p:blipFill>
+        <p:spPr>
+          <a:xfrm>
+            <a:off x="7181696" y="2785290"/>
+            <a:ext cx="4623853" cy="3391673"/>
+          </a:xfrm>
+          <a:prstGeom prst="rect">
+            <a:avLst/>
+          </a:prstGeom>
+        </p:spPr>
+      </p:pic>
+      <p:pic>
+        <p:nvPicPr>
+          <p:cNvPr id="6" name="Picture 5"/>
+          <p:cNvPicPr>
+            <a:picLocks noChangeAspect="1"/>
+          </p:cNvPicPr>
+          <p:nvPr/>
+        </p:nvPicPr>
+        <p:blipFill>
+          <a:blip r:embed="rId4">
+            <a:extLst>
+              <a:ext uri="{28A0092B-C50C-407E-A947-70E740481C1C}">
+                <a14:useLocalDpi xmlns:a14="http://schemas.microsoft.com/office/drawing/2010/main" val="0"/>
+              </a:ext>
+            </a:extLst>
+          </a:blip>
+          <a:stretch>
+            <a:fillRect/>
+          </a:stretch>
+        </p:blipFill>
+        <p:spPr>
+          <a:xfrm>
+            <a:off x="1472147" y="3308745"/>
+            <a:ext cx="4623853" cy="3391673"/>
+          </a:xfrm>
+          <a:prstGeom prst="rect">
+            <a:avLst/>
+          </a:prstGeom>
+        </p:spPr>
+      </p:pic>
     </p:spTree>
     <p:extLst>
       <p:ext uri="{BB962C8B-B14F-4D97-AF65-F5344CB8AC3E}">
@@ -4024,51 +4870,28 @@
       </p:grpSpPr>
       <p:sp>
         <p:nvSpPr>
-          <p:cNvPr id="2" name="Title 1"/>
-          <p:cNvSpPr>
-            <a:spLocks noGrp="1"/>
-          </p:cNvSpPr>
-          <p:nvPr>
-            <p:ph type="title"/>
-          </p:nvPr>
-        </p:nvSpPr>
-        <p:spPr/>
-        <p:txBody>
-          <a:bodyPr/>
+          <p:cNvPr id="4" name="Rectangle 3"/>
+          <p:cNvSpPr/>
+          <p:nvPr/>
+        </p:nvSpPr>
+        <p:spPr>
+          <a:xfrm>
+            <a:off x="569844" y="496453"/>
+            <a:ext cx="6096000" cy="923330"/>
+          </a:xfrm>
+          <a:prstGeom prst="rect">
+            <a:avLst/>
+          </a:prstGeom>
+        </p:spPr>
+        <p:txBody>
+          <a:bodyPr>
+            <a:spAutoFit/>
+          </a:bodyPr>
           <a:lstStyle/>
           <a:p>
             <a:r>
               <a:rPr lang="en-US" dirty="0"/>
-              <a:t>Models</a:t>
-            </a:r>
-          </a:p>
-        </p:txBody>
-      </p:sp>
-      <p:sp>
-        <p:nvSpPr>
-          <p:cNvPr id="3" name="Content Placeholder 2"/>
-          <p:cNvSpPr>
-            <a:spLocks noGrp="1"/>
-          </p:cNvSpPr>
-          <p:nvPr>
-            <p:ph idx="1"/>
-          </p:nvPr>
-        </p:nvSpPr>
-        <p:spPr/>
-        <p:txBody>
-          <a:bodyPr/>
-          <a:lstStyle/>
-          <a:p>
-            <a:r>
-              <a:rPr lang="en-US" dirty="0"/>
-              <a:t>NN</a:t>
-            </a:r>
-          </a:p>
-          <a:p>
-            <a:pPr lvl="1"/>
-            <a:r>
-              <a:rPr lang="en-US" dirty="0"/>
-              <a:t>Graphs on data transform</a:t>
+              <a:t>SVM(Add ROC)</a:t>
             </a:r>
           </a:p>
           <a:p>
@@ -4085,16 +4908,42 @@
               <a:t>Talk about Overfitting</a:t>
             </a:r>
           </a:p>
-          <a:p>
-            <a:pPr lvl="1"/>
-            <a:endParaRPr lang="en-US" dirty="0"/>
-          </a:p>
-        </p:txBody>
-      </p:sp>
+        </p:txBody>
+      </p:sp>
+      <p:pic>
+        <p:nvPicPr>
+          <p:cNvPr id="5" name="Picture 4"/>
+          <p:cNvPicPr>
+            <a:picLocks noChangeAspect="1"/>
+          </p:cNvPicPr>
+          <p:nvPr/>
+        </p:nvPicPr>
+        <p:blipFill>
+          <a:blip r:embed="rId2">
+            <a:extLst>
+              <a:ext uri="{28A0092B-C50C-407E-A947-70E740481C1C}">
+                <a14:useLocalDpi xmlns:a14="http://schemas.microsoft.com/office/drawing/2010/main" val="0"/>
+              </a:ext>
+            </a:extLst>
+          </a:blip>
+          <a:stretch>
+            <a:fillRect/>
+          </a:stretch>
+        </p:blipFill>
+        <p:spPr>
+          <a:xfrm>
+            <a:off x="819045" y="1916043"/>
+            <a:ext cx="7269879" cy="4734287"/>
+          </a:xfrm>
+          <a:prstGeom prst="rect">
+            <a:avLst/>
+          </a:prstGeom>
+        </p:spPr>
+      </p:pic>
     </p:spTree>
     <p:extLst>
       <p:ext uri="{BB962C8B-B14F-4D97-AF65-F5344CB8AC3E}">
-        <p14:creationId xmlns:p14="http://schemas.microsoft.com/office/powerpoint/2010/main" val="3753617907"/>
+        <p14:creationId xmlns:p14="http://schemas.microsoft.com/office/powerpoint/2010/main" val="3715628000"/>
       </p:ext>
     </p:extLst>
   </p:cSld>

--- a/Predicting Influencers in a Social Network.pptx
+++ b/Predicting Influencers in a Social Network.pptx
@@ -12,13 +12,16 @@
     <p:sldId id="260" r:id="rId6"/>
     <p:sldId id="259" r:id="rId7"/>
     <p:sldId id="261" r:id="rId8"/>
-    <p:sldId id="263" r:id="rId9"/>
-    <p:sldId id="269" r:id="rId10"/>
-    <p:sldId id="264" r:id="rId11"/>
-    <p:sldId id="265" r:id="rId12"/>
-    <p:sldId id="266" r:id="rId13"/>
-    <p:sldId id="267" r:id="rId14"/>
-    <p:sldId id="268" r:id="rId15"/>
+    <p:sldId id="271" r:id="rId9"/>
+    <p:sldId id="263" r:id="rId10"/>
+    <p:sldId id="269" r:id="rId11"/>
+    <p:sldId id="264" r:id="rId12"/>
+    <p:sldId id="270" r:id="rId13"/>
+    <p:sldId id="265" r:id="rId14"/>
+    <p:sldId id="272" r:id="rId15"/>
+    <p:sldId id="266" r:id="rId16"/>
+    <p:sldId id="267" r:id="rId17"/>
+    <p:sldId id="268" r:id="rId18"/>
   </p:sldIdLst>
   <p:sldSz cx="12192000" cy="6858000"/>
   <p:notesSz cx="6858000" cy="9144000"/>
@@ -3109,51 +3112,28 @@
       </p:grpSpPr>
       <p:sp>
         <p:nvSpPr>
-          <p:cNvPr id="2" name="Title 1"/>
-          <p:cNvSpPr>
-            <a:spLocks noGrp="1"/>
-          </p:cNvSpPr>
-          <p:nvPr>
-            <p:ph type="title"/>
-          </p:nvPr>
-        </p:nvSpPr>
-        <p:spPr/>
-        <p:txBody>
-          <a:bodyPr/>
+          <p:cNvPr id="4" name="Rectangle 3"/>
+          <p:cNvSpPr/>
+          <p:nvPr/>
+        </p:nvSpPr>
+        <p:spPr>
+          <a:xfrm>
+            <a:off x="0" y="0"/>
+            <a:ext cx="6096000" cy="923330"/>
+          </a:xfrm>
+          <a:prstGeom prst="rect">
+            <a:avLst/>
+          </a:prstGeom>
+        </p:spPr>
+        <p:txBody>
+          <a:bodyPr>
+            <a:spAutoFit/>
+          </a:bodyPr>
           <a:lstStyle/>
           <a:p>
             <a:r>
               <a:rPr lang="en-US" dirty="0"/>
-              <a:t>Models</a:t>
-            </a:r>
-          </a:p>
-        </p:txBody>
-      </p:sp>
-      <p:sp>
-        <p:nvSpPr>
-          <p:cNvPr id="3" name="Content Placeholder 2"/>
-          <p:cNvSpPr>
-            <a:spLocks noGrp="1"/>
-          </p:cNvSpPr>
-          <p:nvPr>
-            <p:ph idx="1"/>
-          </p:nvPr>
-        </p:nvSpPr>
-        <p:spPr/>
-        <p:txBody>
-          <a:bodyPr/>
-          <a:lstStyle/>
-          <a:p>
-            <a:r>
-              <a:rPr lang="en-US" dirty="0"/>
-              <a:t>NN</a:t>
-            </a:r>
-          </a:p>
-          <a:p>
-            <a:pPr lvl="1"/>
-            <a:r>
-              <a:rPr lang="en-US" dirty="0"/>
-              <a:t>Graphs on data transform</a:t>
+              <a:t>SVM</a:t>
             </a:r>
           </a:p>
           <a:p>
@@ -3170,16 +3150,138 @@
               <a:t>Talk about Overfitting</a:t>
             </a:r>
           </a:p>
-          <a:p>
-            <a:pPr lvl="1"/>
-            <a:endParaRPr lang="en-US" dirty="0"/>
-          </a:p>
-        </p:txBody>
-      </p:sp>
+        </p:txBody>
+      </p:sp>
+      <p:pic>
+        <p:nvPicPr>
+          <p:cNvPr id="6" name="Picture 5"/>
+          <p:cNvPicPr>
+            <a:picLocks noChangeAspect="1"/>
+          </p:cNvPicPr>
+          <p:nvPr/>
+        </p:nvPicPr>
+        <p:blipFill>
+          <a:blip r:embed="rId2"/>
+          <a:stretch>
+            <a:fillRect/>
+          </a:stretch>
+        </p:blipFill>
+        <p:spPr>
+          <a:xfrm>
+            <a:off x="89388" y="1018834"/>
+            <a:ext cx="2451760" cy="1996643"/>
+          </a:xfrm>
+          <a:prstGeom prst="rect">
+            <a:avLst/>
+          </a:prstGeom>
+        </p:spPr>
+      </p:pic>
+      <p:pic>
+        <p:nvPicPr>
+          <p:cNvPr id="7" name="Picture 6"/>
+          <p:cNvPicPr>
+            <a:picLocks noChangeAspect="1"/>
+          </p:cNvPicPr>
+          <p:nvPr/>
+        </p:nvPicPr>
+        <p:blipFill>
+          <a:blip r:embed="rId3"/>
+          <a:stretch>
+            <a:fillRect/>
+          </a:stretch>
+        </p:blipFill>
+        <p:spPr>
+          <a:xfrm>
+            <a:off x="2672545" y="1018834"/>
+            <a:ext cx="2749001" cy="1996643"/>
+          </a:xfrm>
+          <a:prstGeom prst="rect">
+            <a:avLst/>
+          </a:prstGeom>
+        </p:spPr>
+      </p:pic>
+      <p:pic>
+        <p:nvPicPr>
+          <p:cNvPr id="8" name="Picture 7"/>
+          <p:cNvPicPr>
+            <a:picLocks noChangeAspect="1"/>
+          </p:cNvPicPr>
+          <p:nvPr/>
+        </p:nvPicPr>
+        <p:blipFill>
+          <a:blip r:embed="rId4"/>
+          <a:stretch>
+            <a:fillRect/>
+          </a:stretch>
+        </p:blipFill>
+        <p:spPr>
+          <a:xfrm>
+            <a:off x="5552943" y="1018834"/>
+            <a:ext cx="3693038" cy="1996643"/>
+          </a:xfrm>
+          <a:prstGeom prst="rect">
+            <a:avLst/>
+          </a:prstGeom>
+        </p:spPr>
+      </p:pic>
+      <p:pic>
+        <p:nvPicPr>
+          <p:cNvPr id="9" name="Picture 8"/>
+          <p:cNvPicPr>
+            <a:picLocks noChangeAspect="1"/>
+          </p:cNvPicPr>
+          <p:nvPr/>
+        </p:nvPicPr>
+        <p:blipFill>
+          <a:blip r:embed="rId5"/>
+          <a:stretch>
+            <a:fillRect/>
+          </a:stretch>
+        </p:blipFill>
+        <p:spPr>
+          <a:xfrm>
+            <a:off x="9482271" y="1018834"/>
+            <a:ext cx="2709729" cy="1996643"/>
+          </a:xfrm>
+          <a:prstGeom prst="rect">
+            <a:avLst/>
+          </a:prstGeom>
+        </p:spPr>
+      </p:pic>
+      <p:pic>
+        <p:nvPicPr>
+          <p:cNvPr id="11" name="Picture 10"/>
+          <p:cNvPicPr>
+            <a:picLocks noChangeAspect="1"/>
+          </p:cNvPicPr>
+          <p:nvPr/>
+        </p:nvPicPr>
+        <p:blipFill>
+          <a:blip r:embed="rId6">
+            <a:extLst>
+              <a:ext uri="{28A0092B-C50C-407E-A947-70E740481C1C}">
+                <a14:useLocalDpi xmlns:a14="http://schemas.microsoft.com/office/drawing/2010/main" val="0"/>
+              </a:ext>
+            </a:extLst>
+          </a:blip>
+          <a:stretch>
+            <a:fillRect/>
+          </a:stretch>
+        </p:blipFill>
+        <p:spPr>
+          <a:xfrm>
+            <a:off x="3486963" y="3110981"/>
+            <a:ext cx="4979534" cy="3569513"/>
+          </a:xfrm>
+          <a:prstGeom prst="rect">
+            <a:avLst/>
+          </a:prstGeom>
+        </p:spPr>
+      </p:pic>
     </p:spTree>
     <p:extLst>
       <p:ext uri="{BB962C8B-B14F-4D97-AF65-F5344CB8AC3E}">
-        <p14:creationId xmlns:p14="http://schemas.microsoft.com/office/powerpoint/2010/main" val="3753617907"/>
+        <p14:creationId xmlns:p14="http://schemas.microsoft.com/office/powerpoint/2010/main" val="3715628000"/>
       </p:ext>
     </p:extLst>
   </p:cSld>
@@ -3206,78 +3308,9 @@
           <a:chExt cx="0" cy="0"/>
         </a:xfrm>
       </p:grpSpPr>
-      <p:sp>
-        <p:nvSpPr>
-          <p:cNvPr id="2" name="Title 1"/>
-          <p:cNvSpPr>
-            <a:spLocks noGrp="1"/>
-          </p:cNvSpPr>
-          <p:nvPr>
-            <p:ph type="title"/>
-          </p:nvPr>
-        </p:nvSpPr>
-        <p:spPr/>
-        <p:txBody>
-          <a:bodyPr/>
-          <a:lstStyle/>
-          <a:p>
-            <a:r>
-              <a:rPr lang="en-US" dirty="0"/>
-              <a:t>Models</a:t>
-            </a:r>
-          </a:p>
-        </p:txBody>
-      </p:sp>
-      <p:sp>
-        <p:nvSpPr>
-          <p:cNvPr id="3" name="Content Placeholder 2"/>
-          <p:cNvSpPr>
-            <a:spLocks noGrp="1"/>
-          </p:cNvSpPr>
-          <p:nvPr>
-            <p:ph idx="1"/>
-          </p:nvPr>
-        </p:nvSpPr>
-        <p:spPr/>
-        <p:txBody>
-          <a:bodyPr/>
-          <a:lstStyle/>
-          <a:p>
-            <a:r>
-              <a:rPr lang="en-US" dirty="0"/>
-              <a:t>Ensemble</a:t>
-            </a:r>
-          </a:p>
-          <a:p>
-            <a:pPr lvl="1"/>
-            <a:r>
-              <a:rPr lang="en-US" dirty="0"/>
-              <a:t>Graphs on data transform</a:t>
-            </a:r>
-          </a:p>
-          <a:p>
-            <a:pPr lvl="1"/>
-            <a:r>
-              <a:rPr lang="en-US" dirty="0"/>
-              <a:t>Graphs tweaking performance</a:t>
-            </a:r>
-          </a:p>
-          <a:p>
-            <a:pPr lvl="1"/>
-            <a:r>
-              <a:rPr lang="en-US" dirty="0"/>
-              <a:t>Talk about Overfitting</a:t>
-            </a:r>
-          </a:p>
-          <a:p>
-            <a:pPr lvl="1"/>
-            <a:endParaRPr lang="en-US" dirty="0"/>
-          </a:p>
-        </p:txBody>
-      </p:sp>
       <p:pic>
         <p:nvPicPr>
-          <p:cNvPr id="4" name="Picture 3"/>
+          <p:cNvPr id="17" name="Picture 16"/>
           <p:cNvPicPr>
             <a:picLocks noChangeAspect="1"/>
           </p:cNvPicPr>
@@ -3297,24 +3330,296 @@
         </p:blipFill>
         <p:spPr>
           <a:xfrm>
-            <a:off x="1173395" y="3466327"/>
-            <a:ext cx="4623853" cy="3391673"/>
+            <a:off x="3729134" y="3032433"/>
+            <a:ext cx="2489563" cy="2489563"/>
           </a:xfrm>
           <a:prstGeom prst="rect">
             <a:avLst/>
           </a:prstGeom>
         </p:spPr>
       </p:pic>
+      <p:sp>
+        <p:nvSpPr>
+          <p:cNvPr id="18" name="Title 1"/>
+          <p:cNvSpPr>
+            <a:spLocks noGrp="1"/>
+          </p:cNvSpPr>
+          <p:nvPr/>
+        </p:nvSpPr>
+        <p:spPr>
+          <a:xfrm>
+            <a:off x="1079988" y="523081"/>
+            <a:ext cx="10515600" cy="1325563"/>
+          </a:xfrm>
+          <a:prstGeom prst="rect">
+            <a:avLst/>
+          </a:prstGeom>
+        </p:spPr>
+        <p:txBody>
+          <a:bodyPr vert="horz" lIns="91440" tIns="45720" rIns="91440" bIns="45720" rtlCol="0" anchor="ctr">
+            <a:normAutofit/>
+          </a:bodyPr>
+          <a:lstStyle>
+            <a:lvl1pPr algn="l" defTabSz="914400" rtl="0" eaLnBrk="1" latinLnBrk="0" hangingPunct="1">
+              <a:lnSpc>
+                <a:spcPct val="90000"/>
+              </a:lnSpc>
+              <a:spcBef>
+                <a:spcPct val="0"/>
+              </a:spcBef>
+              <a:buNone/>
+              <a:defRPr sz="4400" kern="1200">
+                <a:solidFill>
+                  <a:schemeClr val="tx1"/>
+                </a:solidFill>
+                <a:latin typeface="+mj-lt"/>
+                <a:ea typeface="+mj-ea"/>
+                <a:cs typeface="+mj-cs"/>
+              </a:defRPr>
+            </a:lvl1pPr>
+          </a:lstStyle>
+          <a:p>
+            <a:r>
+              <a:rPr lang="en-US" dirty="0"/>
+              <a:t>Models</a:t>
+            </a:r>
+          </a:p>
+        </p:txBody>
+      </p:sp>
+      <p:sp>
+        <p:nvSpPr>
+          <p:cNvPr id="19" name="Content Placeholder 2"/>
+          <p:cNvSpPr>
+            <a:spLocks noGrp="1"/>
+          </p:cNvSpPr>
+          <p:nvPr/>
+        </p:nvSpPr>
+        <p:spPr>
+          <a:xfrm>
+            <a:off x="1079988" y="1983581"/>
+            <a:ext cx="10515600" cy="4351338"/>
+          </a:xfrm>
+          <a:prstGeom prst="rect">
+            <a:avLst/>
+          </a:prstGeom>
+        </p:spPr>
+        <p:txBody>
+          <a:bodyPr vert="horz" lIns="91440" tIns="45720" rIns="91440" bIns="45720" rtlCol="0">
+            <a:normAutofit/>
+          </a:bodyPr>
+          <a:lstStyle>
+            <a:lvl1pPr marL="228600" indent="-228600" algn="l" defTabSz="914400" rtl="0" eaLnBrk="1" latinLnBrk="0" hangingPunct="1">
+              <a:lnSpc>
+                <a:spcPct val="90000"/>
+              </a:lnSpc>
+              <a:spcBef>
+                <a:spcPts val="1000"/>
+              </a:spcBef>
+              <a:buFont typeface="Arial" panose="020B0604020202020204" pitchFamily="34" charset="0"/>
+              <a:buChar char="•"/>
+              <a:defRPr sz="2800" kern="1200">
+                <a:solidFill>
+                  <a:schemeClr val="tx1"/>
+                </a:solidFill>
+                <a:latin typeface="+mn-lt"/>
+                <a:ea typeface="+mn-ea"/>
+                <a:cs typeface="+mn-cs"/>
+              </a:defRPr>
+            </a:lvl1pPr>
+            <a:lvl2pPr marL="685800" indent="-228600" algn="l" defTabSz="914400" rtl="0" eaLnBrk="1" latinLnBrk="0" hangingPunct="1">
+              <a:lnSpc>
+                <a:spcPct val="90000"/>
+              </a:lnSpc>
+              <a:spcBef>
+                <a:spcPts val="500"/>
+              </a:spcBef>
+              <a:buFont typeface="Arial" panose="020B0604020202020204" pitchFamily="34" charset="0"/>
+              <a:buChar char="•"/>
+              <a:defRPr sz="2400" kern="1200">
+                <a:solidFill>
+                  <a:schemeClr val="tx1"/>
+                </a:solidFill>
+                <a:latin typeface="+mn-lt"/>
+                <a:ea typeface="+mn-ea"/>
+                <a:cs typeface="+mn-cs"/>
+              </a:defRPr>
+            </a:lvl2pPr>
+            <a:lvl3pPr marL="1143000" indent="-228600" algn="l" defTabSz="914400" rtl="0" eaLnBrk="1" latinLnBrk="0" hangingPunct="1">
+              <a:lnSpc>
+                <a:spcPct val="90000"/>
+              </a:lnSpc>
+              <a:spcBef>
+                <a:spcPts val="500"/>
+              </a:spcBef>
+              <a:buFont typeface="Arial" panose="020B0604020202020204" pitchFamily="34" charset="0"/>
+              <a:buChar char="•"/>
+              <a:defRPr sz="2000" kern="1200">
+                <a:solidFill>
+                  <a:schemeClr val="tx1"/>
+                </a:solidFill>
+                <a:latin typeface="+mn-lt"/>
+                <a:ea typeface="+mn-ea"/>
+                <a:cs typeface="+mn-cs"/>
+              </a:defRPr>
+            </a:lvl3pPr>
+            <a:lvl4pPr marL="1600200" indent="-228600" algn="l" defTabSz="914400" rtl="0" eaLnBrk="1" latinLnBrk="0" hangingPunct="1">
+              <a:lnSpc>
+                <a:spcPct val="90000"/>
+              </a:lnSpc>
+              <a:spcBef>
+                <a:spcPts val="500"/>
+              </a:spcBef>
+              <a:buFont typeface="Arial" panose="020B0604020202020204" pitchFamily="34" charset="0"/>
+              <a:buChar char="•"/>
+              <a:defRPr sz="1800" kern="1200">
+                <a:solidFill>
+                  <a:schemeClr val="tx1"/>
+                </a:solidFill>
+                <a:latin typeface="+mn-lt"/>
+                <a:ea typeface="+mn-ea"/>
+                <a:cs typeface="+mn-cs"/>
+              </a:defRPr>
+            </a:lvl4pPr>
+            <a:lvl5pPr marL="2057400" indent="-228600" algn="l" defTabSz="914400" rtl="0" eaLnBrk="1" latinLnBrk="0" hangingPunct="1">
+              <a:lnSpc>
+                <a:spcPct val="90000"/>
+              </a:lnSpc>
+              <a:spcBef>
+                <a:spcPts val="500"/>
+              </a:spcBef>
+              <a:buFont typeface="Arial" panose="020B0604020202020204" pitchFamily="34" charset="0"/>
+              <a:buChar char="•"/>
+              <a:defRPr sz="1800" kern="1200">
+                <a:solidFill>
+                  <a:schemeClr val="tx1"/>
+                </a:solidFill>
+                <a:latin typeface="+mn-lt"/>
+                <a:ea typeface="+mn-ea"/>
+                <a:cs typeface="+mn-cs"/>
+              </a:defRPr>
+            </a:lvl5pPr>
+            <a:lvl6pPr marL="2514600" indent="-228600" algn="l" defTabSz="914400" rtl="0" eaLnBrk="1" latinLnBrk="0" hangingPunct="1">
+              <a:lnSpc>
+                <a:spcPct val="90000"/>
+              </a:lnSpc>
+              <a:spcBef>
+                <a:spcPts val="500"/>
+              </a:spcBef>
+              <a:buFont typeface="Arial" panose="020B0604020202020204" pitchFamily="34" charset="0"/>
+              <a:buChar char="•"/>
+              <a:defRPr sz="1800" kern="1200">
+                <a:solidFill>
+                  <a:schemeClr val="tx1"/>
+                </a:solidFill>
+                <a:latin typeface="+mn-lt"/>
+                <a:ea typeface="+mn-ea"/>
+                <a:cs typeface="+mn-cs"/>
+              </a:defRPr>
+            </a:lvl6pPr>
+            <a:lvl7pPr marL="2971800" indent="-228600" algn="l" defTabSz="914400" rtl="0" eaLnBrk="1" latinLnBrk="0" hangingPunct="1">
+              <a:lnSpc>
+                <a:spcPct val="90000"/>
+              </a:lnSpc>
+              <a:spcBef>
+                <a:spcPts val="500"/>
+              </a:spcBef>
+              <a:buFont typeface="Arial" panose="020B0604020202020204" pitchFamily="34" charset="0"/>
+              <a:buChar char="•"/>
+              <a:defRPr sz="1800" kern="1200">
+                <a:solidFill>
+                  <a:schemeClr val="tx1"/>
+                </a:solidFill>
+                <a:latin typeface="+mn-lt"/>
+                <a:ea typeface="+mn-ea"/>
+                <a:cs typeface="+mn-cs"/>
+              </a:defRPr>
+            </a:lvl7pPr>
+            <a:lvl8pPr marL="3429000" indent="-228600" algn="l" defTabSz="914400" rtl="0" eaLnBrk="1" latinLnBrk="0" hangingPunct="1">
+              <a:lnSpc>
+                <a:spcPct val="90000"/>
+              </a:lnSpc>
+              <a:spcBef>
+                <a:spcPts val="500"/>
+              </a:spcBef>
+              <a:buFont typeface="Arial" panose="020B0604020202020204" pitchFamily="34" charset="0"/>
+              <a:buChar char="•"/>
+              <a:defRPr sz="1800" kern="1200">
+                <a:solidFill>
+                  <a:schemeClr val="tx1"/>
+                </a:solidFill>
+                <a:latin typeface="+mn-lt"/>
+                <a:ea typeface="+mn-ea"/>
+                <a:cs typeface="+mn-cs"/>
+              </a:defRPr>
+            </a:lvl8pPr>
+            <a:lvl9pPr marL="3886200" indent="-228600" algn="l" defTabSz="914400" rtl="0" eaLnBrk="1" latinLnBrk="0" hangingPunct="1">
+              <a:lnSpc>
+                <a:spcPct val="90000"/>
+              </a:lnSpc>
+              <a:spcBef>
+                <a:spcPts val="500"/>
+              </a:spcBef>
+              <a:buFont typeface="Arial" panose="020B0604020202020204" pitchFamily="34" charset="0"/>
+              <a:buChar char="•"/>
+              <a:defRPr sz="1800" kern="1200">
+                <a:solidFill>
+                  <a:schemeClr val="tx1"/>
+                </a:solidFill>
+                <a:latin typeface="+mn-lt"/>
+                <a:ea typeface="+mn-ea"/>
+                <a:cs typeface="+mn-cs"/>
+              </a:defRPr>
+            </a:lvl9pPr>
+          </a:lstStyle>
+          <a:p>
+            <a:r>
+              <a:rPr lang="en-US" dirty="0"/>
+              <a:t>NN</a:t>
+            </a:r>
+          </a:p>
+          <a:p>
+            <a:pPr lvl="1"/>
+            <a:r>
+              <a:rPr lang="en-US" dirty="0"/>
+              <a:t>Graphs on data transform</a:t>
+            </a:r>
+          </a:p>
+        </p:txBody>
+      </p:sp>
       <p:pic>
         <p:nvPicPr>
-          <p:cNvPr id="5" name="Picture 4"/>
+          <p:cNvPr id="20" name="Picture 19"/>
           <p:cNvPicPr>
             <a:picLocks noChangeAspect="1"/>
           </p:cNvPicPr>
           <p:nvPr/>
         </p:nvPicPr>
         <p:blipFill>
-          <a:blip r:embed="rId3">
+          <a:blip r:embed="rId3"/>
+          <a:stretch>
+            <a:fillRect/>
+          </a:stretch>
+        </p:blipFill>
+        <p:spPr>
+          <a:xfrm>
+            <a:off x="6157479" y="523081"/>
+            <a:ext cx="2947987" cy="2158461"/>
+          </a:xfrm>
+          <a:prstGeom prst="rect">
+            <a:avLst/>
+          </a:prstGeom>
+        </p:spPr>
+      </p:pic>
+      <p:pic>
+        <p:nvPicPr>
+          <p:cNvPr id="21" name="Picture 20"/>
+          <p:cNvPicPr>
+            <a:picLocks noChangeAspect="1"/>
+          </p:cNvPicPr>
+          <p:nvPr/>
+        </p:nvPicPr>
+        <p:blipFill>
+          <a:blip r:embed="rId4">
             <a:extLst>
               <a:ext uri="{28A0092B-C50C-407E-A947-70E740481C1C}">
                 <a14:useLocalDpi xmlns:a14="http://schemas.microsoft.com/office/drawing/2010/main" val="0"/>
@@ -3327,18 +3632,495 @@
         </p:blipFill>
         <p:spPr>
           <a:xfrm>
-            <a:off x="6399849" y="3466327"/>
-            <a:ext cx="4623853" cy="3391673"/>
+            <a:off x="9310920" y="828995"/>
+            <a:ext cx="1924050" cy="1411323"/>
           </a:xfrm>
           <a:prstGeom prst="rect">
             <a:avLst/>
           </a:prstGeom>
         </p:spPr>
       </p:pic>
+      <p:pic>
+        <p:nvPicPr>
+          <p:cNvPr id="22" name="Picture 21"/>
+          <p:cNvPicPr>
+            <a:picLocks noChangeAspect="1"/>
+          </p:cNvPicPr>
+          <p:nvPr/>
+        </p:nvPicPr>
+        <p:blipFill>
+          <a:blip r:embed="rId5">
+            <a:extLst>
+              <a:ext uri="{28A0092B-C50C-407E-A947-70E740481C1C}">
+                <a14:useLocalDpi xmlns:a14="http://schemas.microsoft.com/office/drawing/2010/main" val="0"/>
+              </a:ext>
+            </a:extLst>
+          </a:blip>
+          <a:stretch>
+            <a:fillRect/>
+          </a:stretch>
+        </p:blipFill>
+        <p:spPr>
+          <a:xfrm>
+            <a:off x="3399324" y="523081"/>
+            <a:ext cx="2758155" cy="2023153"/>
+          </a:xfrm>
+          <a:prstGeom prst="rect">
+            <a:avLst/>
+          </a:prstGeom>
+        </p:spPr>
+      </p:pic>
+      <p:pic>
+        <p:nvPicPr>
+          <p:cNvPr id="23" name="Picture 22"/>
+          <p:cNvPicPr>
+            <a:picLocks noChangeAspect="1"/>
+          </p:cNvPicPr>
+          <p:nvPr/>
+        </p:nvPicPr>
+        <p:blipFill>
+          <a:blip r:embed="rId6">
+            <a:extLst>
+              <a:ext uri="{28A0092B-C50C-407E-A947-70E740481C1C}">
+                <a14:useLocalDpi xmlns:a14="http://schemas.microsoft.com/office/drawing/2010/main" val="0"/>
+              </a:ext>
+            </a:extLst>
+          </a:blip>
+          <a:stretch>
+            <a:fillRect/>
+          </a:stretch>
+        </p:blipFill>
+        <p:spPr>
+          <a:xfrm>
+            <a:off x="596411" y="3112171"/>
+            <a:ext cx="2409825" cy="2409825"/>
+          </a:xfrm>
+          <a:prstGeom prst="rect">
+            <a:avLst/>
+          </a:prstGeom>
+        </p:spPr>
+      </p:pic>
+      <p:sp>
+        <p:nvSpPr>
+          <p:cNvPr id="24" name="TextBox 10"/>
+          <p:cNvSpPr txBox="1"/>
+          <p:nvPr/>
+        </p:nvSpPr>
+        <p:spPr>
+          <a:xfrm>
+            <a:off x="1266893" y="3941846"/>
+            <a:ext cx="1358642" cy="646331"/>
+          </a:xfrm>
+          <a:prstGeom prst="rect">
+            <a:avLst/>
+          </a:prstGeom>
+          <a:noFill/>
+        </p:spPr>
+        <p:txBody>
+          <a:bodyPr wrap="none" rtlCol="0">
+            <a:spAutoFit/>
+          </a:bodyPr>
+          <a:lstStyle>
+            <a:defPPr>
+              <a:defRPr lang="en-US"/>
+            </a:defPPr>
+            <a:lvl1pPr marL="0" algn="l" defTabSz="914400" rtl="0" eaLnBrk="1" latinLnBrk="0" hangingPunct="1">
+              <a:defRPr sz="1800" kern="1200">
+                <a:solidFill>
+                  <a:schemeClr val="tx1"/>
+                </a:solidFill>
+                <a:latin typeface="+mn-lt"/>
+                <a:ea typeface="+mn-ea"/>
+                <a:cs typeface="+mn-cs"/>
+              </a:defRPr>
+            </a:lvl1pPr>
+            <a:lvl2pPr marL="457200" algn="l" defTabSz="914400" rtl="0" eaLnBrk="1" latinLnBrk="0" hangingPunct="1">
+              <a:defRPr sz="1800" kern="1200">
+                <a:solidFill>
+                  <a:schemeClr val="tx1"/>
+                </a:solidFill>
+                <a:latin typeface="+mn-lt"/>
+                <a:ea typeface="+mn-ea"/>
+                <a:cs typeface="+mn-cs"/>
+              </a:defRPr>
+            </a:lvl2pPr>
+            <a:lvl3pPr marL="914400" algn="l" defTabSz="914400" rtl="0" eaLnBrk="1" latinLnBrk="0" hangingPunct="1">
+              <a:defRPr sz="1800" kern="1200">
+                <a:solidFill>
+                  <a:schemeClr val="tx1"/>
+                </a:solidFill>
+                <a:latin typeface="+mn-lt"/>
+                <a:ea typeface="+mn-ea"/>
+                <a:cs typeface="+mn-cs"/>
+              </a:defRPr>
+            </a:lvl3pPr>
+            <a:lvl4pPr marL="1371600" algn="l" defTabSz="914400" rtl="0" eaLnBrk="1" latinLnBrk="0" hangingPunct="1">
+              <a:defRPr sz="1800" kern="1200">
+                <a:solidFill>
+                  <a:schemeClr val="tx1"/>
+                </a:solidFill>
+                <a:latin typeface="+mn-lt"/>
+                <a:ea typeface="+mn-ea"/>
+                <a:cs typeface="+mn-cs"/>
+              </a:defRPr>
+            </a:lvl4pPr>
+            <a:lvl5pPr marL="1828800" algn="l" defTabSz="914400" rtl="0" eaLnBrk="1" latinLnBrk="0" hangingPunct="1">
+              <a:defRPr sz="1800" kern="1200">
+                <a:solidFill>
+                  <a:schemeClr val="tx1"/>
+                </a:solidFill>
+                <a:latin typeface="+mn-lt"/>
+                <a:ea typeface="+mn-ea"/>
+                <a:cs typeface="+mn-cs"/>
+              </a:defRPr>
+            </a:lvl5pPr>
+            <a:lvl6pPr marL="2286000" algn="l" defTabSz="914400" rtl="0" eaLnBrk="1" latinLnBrk="0" hangingPunct="1">
+              <a:defRPr sz="1800" kern="1200">
+                <a:solidFill>
+                  <a:schemeClr val="tx1"/>
+                </a:solidFill>
+                <a:latin typeface="+mn-lt"/>
+                <a:ea typeface="+mn-ea"/>
+                <a:cs typeface="+mn-cs"/>
+              </a:defRPr>
+            </a:lvl6pPr>
+            <a:lvl7pPr marL="2743200" algn="l" defTabSz="914400" rtl="0" eaLnBrk="1" latinLnBrk="0" hangingPunct="1">
+              <a:defRPr sz="1800" kern="1200">
+                <a:solidFill>
+                  <a:schemeClr val="tx1"/>
+                </a:solidFill>
+                <a:latin typeface="+mn-lt"/>
+                <a:ea typeface="+mn-ea"/>
+                <a:cs typeface="+mn-cs"/>
+              </a:defRPr>
+            </a:lvl7pPr>
+            <a:lvl8pPr marL="3200400" algn="l" defTabSz="914400" rtl="0" eaLnBrk="1" latinLnBrk="0" hangingPunct="1">
+              <a:defRPr sz="1800" kern="1200">
+                <a:solidFill>
+                  <a:schemeClr val="tx1"/>
+                </a:solidFill>
+                <a:latin typeface="+mn-lt"/>
+                <a:ea typeface="+mn-ea"/>
+                <a:cs typeface="+mn-cs"/>
+              </a:defRPr>
+            </a:lvl8pPr>
+            <a:lvl9pPr marL="3657600" algn="l" defTabSz="914400" rtl="0" eaLnBrk="1" latinLnBrk="0" hangingPunct="1">
+              <a:defRPr sz="1800" kern="1200">
+                <a:solidFill>
+                  <a:schemeClr val="tx1"/>
+                </a:solidFill>
+                <a:latin typeface="+mn-lt"/>
+                <a:ea typeface="+mn-ea"/>
+                <a:cs typeface="+mn-cs"/>
+              </a:defRPr>
+            </a:lvl9pPr>
+          </a:lstStyle>
+          <a:p>
+            <a:r>
+              <a:rPr lang="en-US" dirty="0"/>
+              <a:t>AUC:86.19</a:t>
+            </a:r>
+          </a:p>
+          <a:p>
+            <a:r>
+              <a:rPr lang="en-US" dirty="0"/>
+              <a:t>Test AUC: 86</a:t>
+            </a:r>
+          </a:p>
+        </p:txBody>
+      </p:sp>
+      <p:sp>
+        <p:nvSpPr>
+          <p:cNvPr id="25" name="TextBox 12"/>
+          <p:cNvSpPr txBox="1"/>
+          <p:nvPr/>
+        </p:nvSpPr>
+        <p:spPr>
+          <a:xfrm>
+            <a:off x="4599067" y="3886578"/>
+            <a:ext cx="1533368" cy="646331"/>
+          </a:xfrm>
+          <a:prstGeom prst="rect">
+            <a:avLst/>
+          </a:prstGeom>
+          <a:noFill/>
+        </p:spPr>
+        <p:txBody>
+          <a:bodyPr wrap="none" rtlCol="0">
+            <a:spAutoFit/>
+          </a:bodyPr>
+          <a:lstStyle>
+            <a:defPPr>
+              <a:defRPr lang="en-US"/>
+            </a:defPPr>
+            <a:lvl1pPr marL="0" algn="l" defTabSz="914400" rtl="0" eaLnBrk="1" latinLnBrk="0" hangingPunct="1">
+              <a:defRPr sz="1800" kern="1200">
+                <a:solidFill>
+                  <a:schemeClr val="tx1"/>
+                </a:solidFill>
+                <a:latin typeface="+mn-lt"/>
+                <a:ea typeface="+mn-ea"/>
+                <a:cs typeface="+mn-cs"/>
+              </a:defRPr>
+            </a:lvl1pPr>
+            <a:lvl2pPr marL="457200" algn="l" defTabSz="914400" rtl="0" eaLnBrk="1" latinLnBrk="0" hangingPunct="1">
+              <a:defRPr sz="1800" kern="1200">
+                <a:solidFill>
+                  <a:schemeClr val="tx1"/>
+                </a:solidFill>
+                <a:latin typeface="+mn-lt"/>
+                <a:ea typeface="+mn-ea"/>
+                <a:cs typeface="+mn-cs"/>
+              </a:defRPr>
+            </a:lvl2pPr>
+            <a:lvl3pPr marL="914400" algn="l" defTabSz="914400" rtl="0" eaLnBrk="1" latinLnBrk="0" hangingPunct="1">
+              <a:defRPr sz="1800" kern="1200">
+                <a:solidFill>
+                  <a:schemeClr val="tx1"/>
+                </a:solidFill>
+                <a:latin typeface="+mn-lt"/>
+                <a:ea typeface="+mn-ea"/>
+                <a:cs typeface="+mn-cs"/>
+              </a:defRPr>
+            </a:lvl3pPr>
+            <a:lvl4pPr marL="1371600" algn="l" defTabSz="914400" rtl="0" eaLnBrk="1" latinLnBrk="0" hangingPunct="1">
+              <a:defRPr sz="1800" kern="1200">
+                <a:solidFill>
+                  <a:schemeClr val="tx1"/>
+                </a:solidFill>
+                <a:latin typeface="+mn-lt"/>
+                <a:ea typeface="+mn-ea"/>
+                <a:cs typeface="+mn-cs"/>
+              </a:defRPr>
+            </a:lvl4pPr>
+            <a:lvl5pPr marL="1828800" algn="l" defTabSz="914400" rtl="0" eaLnBrk="1" latinLnBrk="0" hangingPunct="1">
+              <a:defRPr sz="1800" kern="1200">
+                <a:solidFill>
+                  <a:schemeClr val="tx1"/>
+                </a:solidFill>
+                <a:latin typeface="+mn-lt"/>
+                <a:ea typeface="+mn-ea"/>
+                <a:cs typeface="+mn-cs"/>
+              </a:defRPr>
+            </a:lvl5pPr>
+            <a:lvl6pPr marL="2286000" algn="l" defTabSz="914400" rtl="0" eaLnBrk="1" latinLnBrk="0" hangingPunct="1">
+              <a:defRPr sz="1800" kern="1200">
+                <a:solidFill>
+                  <a:schemeClr val="tx1"/>
+                </a:solidFill>
+                <a:latin typeface="+mn-lt"/>
+                <a:ea typeface="+mn-ea"/>
+                <a:cs typeface="+mn-cs"/>
+              </a:defRPr>
+            </a:lvl6pPr>
+            <a:lvl7pPr marL="2743200" algn="l" defTabSz="914400" rtl="0" eaLnBrk="1" latinLnBrk="0" hangingPunct="1">
+              <a:defRPr sz="1800" kern="1200">
+                <a:solidFill>
+                  <a:schemeClr val="tx1"/>
+                </a:solidFill>
+                <a:latin typeface="+mn-lt"/>
+                <a:ea typeface="+mn-ea"/>
+                <a:cs typeface="+mn-cs"/>
+              </a:defRPr>
+            </a:lvl7pPr>
+            <a:lvl8pPr marL="3200400" algn="l" defTabSz="914400" rtl="0" eaLnBrk="1" latinLnBrk="0" hangingPunct="1">
+              <a:defRPr sz="1800" kern="1200">
+                <a:solidFill>
+                  <a:schemeClr val="tx1"/>
+                </a:solidFill>
+                <a:latin typeface="+mn-lt"/>
+                <a:ea typeface="+mn-ea"/>
+                <a:cs typeface="+mn-cs"/>
+              </a:defRPr>
+            </a:lvl8pPr>
+            <a:lvl9pPr marL="3657600" algn="l" defTabSz="914400" rtl="0" eaLnBrk="1" latinLnBrk="0" hangingPunct="1">
+              <a:defRPr sz="1800" kern="1200">
+                <a:solidFill>
+                  <a:schemeClr val="tx1"/>
+                </a:solidFill>
+                <a:latin typeface="+mn-lt"/>
+                <a:ea typeface="+mn-ea"/>
+                <a:cs typeface="+mn-cs"/>
+              </a:defRPr>
+            </a:lvl9pPr>
+          </a:lstStyle>
+          <a:p>
+            <a:r>
+              <a:rPr lang="en-US" dirty="0"/>
+              <a:t>AUC:75.8</a:t>
+            </a:r>
+          </a:p>
+          <a:p>
+            <a:r>
+              <a:rPr lang="en-US" dirty="0"/>
+              <a:t>Test AUC: 75.5</a:t>
+            </a:r>
+          </a:p>
+        </p:txBody>
+      </p:sp>
+      <p:pic>
+        <p:nvPicPr>
+          <p:cNvPr id="26" name="Picture 25"/>
+          <p:cNvPicPr>
+            <a:picLocks noChangeAspect="1"/>
+          </p:cNvPicPr>
+          <p:nvPr/>
+        </p:nvPicPr>
+        <p:blipFill>
+          <a:blip r:embed="rId7">
+            <a:extLst>
+              <a:ext uri="{28A0092B-C50C-407E-A947-70E740481C1C}">
+                <a14:useLocalDpi xmlns:a14="http://schemas.microsoft.com/office/drawing/2010/main" val="0"/>
+              </a:ext>
+            </a:extLst>
+          </a:blip>
+          <a:stretch>
+            <a:fillRect/>
+          </a:stretch>
+        </p:blipFill>
+        <p:spPr>
+          <a:xfrm>
+            <a:off x="6337788" y="3058549"/>
+            <a:ext cx="2481291" cy="2437329"/>
+          </a:xfrm>
+          <a:prstGeom prst="rect">
+            <a:avLst/>
+          </a:prstGeom>
+        </p:spPr>
+      </p:pic>
+      <p:sp>
+        <p:nvSpPr>
+          <p:cNvPr id="27" name="TextBox 15"/>
+          <p:cNvSpPr txBox="1"/>
+          <p:nvPr/>
+        </p:nvSpPr>
+        <p:spPr>
+          <a:xfrm>
+            <a:off x="6941595" y="3907882"/>
+            <a:ext cx="1358642" cy="646331"/>
+          </a:xfrm>
+          <a:prstGeom prst="rect">
+            <a:avLst/>
+          </a:prstGeom>
+          <a:noFill/>
+        </p:spPr>
+        <p:txBody>
+          <a:bodyPr wrap="none" rtlCol="0">
+            <a:spAutoFit/>
+          </a:bodyPr>
+          <a:lstStyle>
+            <a:defPPr>
+              <a:defRPr lang="en-US"/>
+            </a:defPPr>
+            <a:lvl1pPr marL="0" algn="l" defTabSz="914400" rtl="0" eaLnBrk="1" latinLnBrk="0" hangingPunct="1">
+              <a:defRPr sz="1800" kern="1200">
+                <a:solidFill>
+                  <a:schemeClr val="tx1"/>
+                </a:solidFill>
+                <a:latin typeface="+mn-lt"/>
+                <a:ea typeface="+mn-ea"/>
+                <a:cs typeface="+mn-cs"/>
+              </a:defRPr>
+            </a:lvl1pPr>
+            <a:lvl2pPr marL="457200" algn="l" defTabSz="914400" rtl="0" eaLnBrk="1" latinLnBrk="0" hangingPunct="1">
+              <a:defRPr sz="1800" kern="1200">
+                <a:solidFill>
+                  <a:schemeClr val="tx1"/>
+                </a:solidFill>
+                <a:latin typeface="+mn-lt"/>
+                <a:ea typeface="+mn-ea"/>
+                <a:cs typeface="+mn-cs"/>
+              </a:defRPr>
+            </a:lvl2pPr>
+            <a:lvl3pPr marL="914400" algn="l" defTabSz="914400" rtl="0" eaLnBrk="1" latinLnBrk="0" hangingPunct="1">
+              <a:defRPr sz="1800" kern="1200">
+                <a:solidFill>
+                  <a:schemeClr val="tx1"/>
+                </a:solidFill>
+                <a:latin typeface="+mn-lt"/>
+                <a:ea typeface="+mn-ea"/>
+                <a:cs typeface="+mn-cs"/>
+              </a:defRPr>
+            </a:lvl3pPr>
+            <a:lvl4pPr marL="1371600" algn="l" defTabSz="914400" rtl="0" eaLnBrk="1" latinLnBrk="0" hangingPunct="1">
+              <a:defRPr sz="1800" kern="1200">
+                <a:solidFill>
+                  <a:schemeClr val="tx1"/>
+                </a:solidFill>
+                <a:latin typeface="+mn-lt"/>
+                <a:ea typeface="+mn-ea"/>
+                <a:cs typeface="+mn-cs"/>
+              </a:defRPr>
+            </a:lvl4pPr>
+            <a:lvl5pPr marL="1828800" algn="l" defTabSz="914400" rtl="0" eaLnBrk="1" latinLnBrk="0" hangingPunct="1">
+              <a:defRPr sz="1800" kern="1200">
+                <a:solidFill>
+                  <a:schemeClr val="tx1"/>
+                </a:solidFill>
+                <a:latin typeface="+mn-lt"/>
+                <a:ea typeface="+mn-ea"/>
+                <a:cs typeface="+mn-cs"/>
+              </a:defRPr>
+            </a:lvl5pPr>
+            <a:lvl6pPr marL="2286000" algn="l" defTabSz="914400" rtl="0" eaLnBrk="1" latinLnBrk="0" hangingPunct="1">
+              <a:defRPr sz="1800" kern="1200">
+                <a:solidFill>
+                  <a:schemeClr val="tx1"/>
+                </a:solidFill>
+                <a:latin typeface="+mn-lt"/>
+                <a:ea typeface="+mn-ea"/>
+                <a:cs typeface="+mn-cs"/>
+              </a:defRPr>
+            </a:lvl6pPr>
+            <a:lvl7pPr marL="2743200" algn="l" defTabSz="914400" rtl="0" eaLnBrk="1" latinLnBrk="0" hangingPunct="1">
+              <a:defRPr sz="1800" kern="1200">
+                <a:solidFill>
+                  <a:schemeClr val="tx1"/>
+                </a:solidFill>
+                <a:latin typeface="+mn-lt"/>
+                <a:ea typeface="+mn-ea"/>
+                <a:cs typeface="+mn-cs"/>
+              </a:defRPr>
+            </a:lvl7pPr>
+            <a:lvl8pPr marL="3200400" algn="l" defTabSz="914400" rtl="0" eaLnBrk="1" latinLnBrk="0" hangingPunct="1">
+              <a:defRPr sz="1800" kern="1200">
+                <a:solidFill>
+                  <a:schemeClr val="tx1"/>
+                </a:solidFill>
+                <a:latin typeface="+mn-lt"/>
+                <a:ea typeface="+mn-ea"/>
+                <a:cs typeface="+mn-cs"/>
+              </a:defRPr>
+            </a:lvl8pPr>
+            <a:lvl9pPr marL="3657600" algn="l" defTabSz="914400" rtl="0" eaLnBrk="1" latinLnBrk="0" hangingPunct="1">
+              <a:defRPr sz="1800" kern="1200">
+                <a:solidFill>
+                  <a:schemeClr val="tx1"/>
+                </a:solidFill>
+                <a:latin typeface="+mn-lt"/>
+                <a:ea typeface="+mn-ea"/>
+                <a:cs typeface="+mn-cs"/>
+              </a:defRPr>
+            </a:lvl9pPr>
+          </a:lstStyle>
+          <a:p>
+            <a:r>
+              <a:rPr lang="en-US" dirty="0"/>
+              <a:t>AUC: 82.5 </a:t>
+            </a:r>
+          </a:p>
+          <a:p>
+            <a:r>
+              <a:rPr lang="en-US" dirty="0"/>
+              <a:t>Test AUC: 83</a:t>
+            </a:r>
+          </a:p>
+        </p:txBody>
+      </p:sp>
     </p:spTree>
     <p:extLst>
       <p:ext uri="{BB962C8B-B14F-4D97-AF65-F5344CB8AC3E}">
-        <p14:creationId xmlns:p14="http://schemas.microsoft.com/office/powerpoint/2010/main" val="2998906929"/>
+        <p14:creationId xmlns:p14="http://schemas.microsoft.com/office/powerpoint/2010/main" val="3753617907"/>
       </p:ext>
     </p:extLst>
   </p:cSld>
@@ -3367,52 +4149,329 @@
       </p:grpSpPr>
       <p:sp>
         <p:nvSpPr>
-          <p:cNvPr id="2" name="Title 1"/>
+          <p:cNvPr id="13" name="Title 1"/>
           <p:cNvSpPr>
             <a:spLocks noGrp="1"/>
           </p:cNvSpPr>
-          <p:nvPr>
-            <p:ph type="title"/>
-          </p:nvPr>
-        </p:nvSpPr>
-        <p:spPr/>
-        <p:txBody>
-          <a:bodyPr/>
-          <a:lstStyle/>
+          <p:nvPr/>
+        </p:nvSpPr>
+        <p:spPr>
+          <a:xfrm>
+            <a:off x="838200" y="523081"/>
+            <a:ext cx="10515600" cy="1325563"/>
+          </a:xfrm>
+          <a:prstGeom prst="rect">
+            <a:avLst/>
+          </a:prstGeom>
+        </p:spPr>
+        <p:txBody>
+          <a:bodyPr vert="horz" lIns="91440" tIns="45720" rIns="91440" bIns="45720" rtlCol="0" anchor="ctr">
+            <a:normAutofit/>
+          </a:bodyPr>
+          <a:lstStyle>
+            <a:lvl1pPr algn="l" defTabSz="914400" rtl="0" eaLnBrk="1" latinLnBrk="0" hangingPunct="1">
+              <a:lnSpc>
+                <a:spcPct val="90000"/>
+              </a:lnSpc>
+              <a:spcBef>
+                <a:spcPct val="0"/>
+              </a:spcBef>
+              <a:buNone/>
+              <a:defRPr sz="4400" kern="1200">
+                <a:solidFill>
+                  <a:schemeClr val="tx1"/>
+                </a:solidFill>
+                <a:latin typeface="+mj-lt"/>
+                <a:ea typeface="+mj-ea"/>
+                <a:cs typeface="+mj-cs"/>
+              </a:defRPr>
+            </a:lvl1pPr>
+          </a:lstStyle>
           <a:p>
             <a:r>
               <a:rPr lang="en-US" dirty="0"/>
-              <a:t>Model Comparison</a:t>
-            </a:r>
-          </a:p>
-        </p:txBody>
-      </p:sp>
-      <p:sp>
-        <p:nvSpPr>
-          <p:cNvPr id="3" name="Content Placeholder 2"/>
+              <a:t>Models</a:t>
+            </a:r>
+          </a:p>
+        </p:txBody>
+      </p:sp>
+      <p:sp>
+        <p:nvSpPr>
+          <p:cNvPr id="14" name="Content Placeholder 2"/>
           <p:cNvSpPr>
             <a:spLocks noGrp="1"/>
           </p:cNvSpPr>
-          <p:nvPr>
-            <p:ph idx="1"/>
-          </p:nvPr>
-        </p:nvSpPr>
-        <p:spPr/>
-        <p:txBody>
-          <a:bodyPr/>
-          <a:lstStyle/>
+          <p:nvPr/>
+        </p:nvSpPr>
+        <p:spPr>
+          <a:xfrm>
+            <a:off x="838200" y="1983581"/>
+            <a:ext cx="10515600" cy="1316210"/>
+          </a:xfrm>
+          <a:prstGeom prst="rect">
+            <a:avLst/>
+          </a:prstGeom>
+        </p:spPr>
+        <p:txBody>
+          <a:bodyPr vert="horz" lIns="91440" tIns="45720" rIns="91440" bIns="45720" rtlCol="0">
+            <a:normAutofit/>
+          </a:bodyPr>
+          <a:lstStyle>
+            <a:lvl1pPr marL="228600" indent="-228600" algn="l" defTabSz="914400" rtl="0" eaLnBrk="1" latinLnBrk="0" hangingPunct="1">
+              <a:lnSpc>
+                <a:spcPct val="90000"/>
+              </a:lnSpc>
+              <a:spcBef>
+                <a:spcPts val="1000"/>
+              </a:spcBef>
+              <a:buFont typeface="Arial" panose="020B0604020202020204" pitchFamily="34" charset="0"/>
+              <a:buChar char="•"/>
+              <a:defRPr sz="2800" kern="1200">
+                <a:solidFill>
+                  <a:schemeClr val="tx1"/>
+                </a:solidFill>
+                <a:latin typeface="+mn-lt"/>
+                <a:ea typeface="+mn-ea"/>
+                <a:cs typeface="+mn-cs"/>
+              </a:defRPr>
+            </a:lvl1pPr>
+            <a:lvl2pPr marL="685800" indent="-228600" algn="l" defTabSz="914400" rtl="0" eaLnBrk="1" latinLnBrk="0" hangingPunct="1">
+              <a:lnSpc>
+                <a:spcPct val="90000"/>
+              </a:lnSpc>
+              <a:spcBef>
+                <a:spcPts val="500"/>
+              </a:spcBef>
+              <a:buFont typeface="Arial" panose="020B0604020202020204" pitchFamily="34" charset="0"/>
+              <a:buChar char="•"/>
+              <a:defRPr sz="2400" kern="1200">
+                <a:solidFill>
+                  <a:schemeClr val="tx1"/>
+                </a:solidFill>
+                <a:latin typeface="+mn-lt"/>
+                <a:ea typeface="+mn-ea"/>
+                <a:cs typeface="+mn-cs"/>
+              </a:defRPr>
+            </a:lvl2pPr>
+            <a:lvl3pPr marL="1143000" indent="-228600" algn="l" defTabSz="914400" rtl="0" eaLnBrk="1" latinLnBrk="0" hangingPunct="1">
+              <a:lnSpc>
+                <a:spcPct val="90000"/>
+              </a:lnSpc>
+              <a:spcBef>
+                <a:spcPts val="500"/>
+              </a:spcBef>
+              <a:buFont typeface="Arial" panose="020B0604020202020204" pitchFamily="34" charset="0"/>
+              <a:buChar char="•"/>
+              <a:defRPr sz="2000" kern="1200">
+                <a:solidFill>
+                  <a:schemeClr val="tx1"/>
+                </a:solidFill>
+                <a:latin typeface="+mn-lt"/>
+                <a:ea typeface="+mn-ea"/>
+                <a:cs typeface="+mn-cs"/>
+              </a:defRPr>
+            </a:lvl3pPr>
+            <a:lvl4pPr marL="1600200" indent="-228600" algn="l" defTabSz="914400" rtl="0" eaLnBrk="1" latinLnBrk="0" hangingPunct="1">
+              <a:lnSpc>
+                <a:spcPct val="90000"/>
+              </a:lnSpc>
+              <a:spcBef>
+                <a:spcPts val="500"/>
+              </a:spcBef>
+              <a:buFont typeface="Arial" panose="020B0604020202020204" pitchFamily="34" charset="0"/>
+              <a:buChar char="•"/>
+              <a:defRPr sz="1800" kern="1200">
+                <a:solidFill>
+                  <a:schemeClr val="tx1"/>
+                </a:solidFill>
+                <a:latin typeface="+mn-lt"/>
+                <a:ea typeface="+mn-ea"/>
+                <a:cs typeface="+mn-cs"/>
+              </a:defRPr>
+            </a:lvl4pPr>
+            <a:lvl5pPr marL="2057400" indent="-228600" algn="l" defTabSz="914400" rtl="0" eaLnBrk="1" latinLnBrk="0" hangingPunct="1">
+              <a:lnSpc>
+                <a:spcPct val="90000"/>
+              </a:lnSpc>
+              <a:spcBef>
+                <a:spcPts val="500"/>
+              </a:spcBef>
+              <a:buFont typeface="Arial" panose="020B0604020202020204" pitchFamily="34" charset="0"/>
+              <a:buChar char="•"/>
+              <a:defRPr sz="1800" kern="1200">
+                <a:solidFill>
+                  <a:schemeClr val="tx1"/>
+                </a:solidFill>
+                <a:latin typeface="+mn-lt"/>
+                <a:ea typeface="+mn-ea"/>
+                <a:cs typeface="+mn-cs"/>
+              </a:defRPr>
+            </a:lvl5pPr>
+            <a:lvl6pPr marL="2514600" indent="-228600" algn="l" defTabSz="914400" rtl="0" eaLnBrk="1" latinLnBrk="0" hangingPunct="1">
+              <a:lnSpc>
+                <a:spcPct val="90000"/>
+              </a:lnSpc>
+              <a:spcBef>
+                <a:spcPts val="500"/>
+              </a:spcBef>
+              <a:buFont typeface="Arial" panose="020B0604020202020204" pitchFamily="34" charset="0"/>
+              <a:buChar char="•"/>
+              <a:defRPr sz="1800" kern="1200">
+                <a:solidFill>
+                  <a:schemeClr val="tx1"/>
+                </a:solidFill>
+                <a:latin typeface="+mn-lt"/>
+                <a:ea typeface="+mn-ea"/>
+                <a:cs typeface="+mn-cs"/>
+              </a:defRPr>
+            </a:lvl6pPr>
+            <a:lvl7pPr marL="2971800" indent="-228600" algn="l" defTabSz="914400" rtl="0" eaLnBrk="1" latinLnBrk="0" hangingPunct="1">
+              <a:lnSpc>
+                <a:spcPct val="90000"/>
+              </a:lnSpc>
+              <a:spcBef>
+                <a:spcPts val="500"/>
+              </a:spcBef>
+              <a:buFont typeface="Arial" panose="020B0604020202020204" pitchFamily="34" charset="0"/>
+              <a:buChar char="•"/>
+              <a:defRPr sz="1800" kern="1200">
+                <a:solidFill>
+                  <a:schemeClr val="tx1"/>
+                </a:solidFill>
+                <a:latin typeface="+mn-lt"/>
+                <a:ea typeface="+mn-ea"/>
+                <a:cs typeface="+mn-cs"/>
+              </a:defRPr>
+            </a:lvl7pPr>
+            <a:lvl8pPr marL="3429000" indent="-228600" algn="l" defTabSz="914400" rtl="0" eaLnBrk="1" latinLnBrk="0" hangingPunct="1">
+              <a:lnSpc>
+                <a:spcPct val="90000"/>
+              </a:lnSpc>
+              <a:spcBef>
+                <a:spcPts val="500"/>
+              </a:spcBef>
+              <a:buFont typeface="Arial" panose="020B0604020202020204" pitchFamily="34" charset="0"/>
+              <a:buChar char="•"/>
+              <a:defRPr sz="1800" kern="1200">
+                <a:solidFill>
+                  <a:schemeClr val="tx1"/>
+                </a:solidFill>
+                <a:latin typeface="+mn-lt"/>
+                <a:ea typeface="+mn-ea"/>
+                <a:cs typeface="+mn-cs"/>
+              </a:defRPr>
+            </a:lvl8pPr>
+            <a:lvl9pPr marL="3886200" indent="-228600" algn="l" defTabSz="914400" rtl="0" eaLnBrk="1" latinLnBrk="0" hangingPunct="1">
+              <a:lnSpc>
+                <a:spcPct val="90000"/>
+              </a:lnSpc>
+              <a:spcBef>
+                <a:spcPts val="500"/>
+              </a:spcBef>
+              <a:buFont typeface="Arial" panose="020B0604020202020204" pitchFamily="34" charset="0"/>
+              <a:buChar char="•"/>
+              <a:defRPr sz="1800" kern="1200">
+                <a:solidFill>
+                  <a:schemeClr val="tx1"/>
+                </a:solidFill>
+                <a:latin typeface="+mn-lt"/>
+                <a:ea typeface="+mn-ea"/>
+                <a:cs typeface="+mn-cs"/>
+              </a:defRPr>
+            </a:lvl9pPr>
+          </a:lstStyle>
           <a:p>
             <a:r>
               <a:rPr lang="en-US" dirty="0"/>
-              <a:t>Compare Best Graphs with Accuracy (ROC)</a:t>
-            </a:r>
-          </a:p>
-        </p:txBody>
-      </p:sp>
+              <a:t>NN</a:t>
+            </a:r>
+          </a:p>
+          <a:p>
+            <a:pPr lvl="1"/>
+            <a:r>
+              <a:rPr lang="en-US" dirty="0"/>
+              <a:t>Graphs tweaking performance</a:t>
+            </a:r>
+          </a:p>
+          <a:p>
+            <a:pPr lvl="1"/>
+            <a:r>
+              <a:rPr lang="en-US" dirty="0"/>
+              <a:t>Talk about Overfitting</a:t>
+            </a:r>
+          </a:p>
+          <a:p>
+            <a:pPr marL="0" indent="0">
+              <a:buNone/>
+            </a:pPr>
+            <a:endParaRPr lang="en-US" dirty="0"/>
+          </a:p>
+        </p:txBody>
+      </p:sp>
+      <p:pic>
+        <p:nvPicPr>
+          <p:cNvPr id="15" name="Picture 14"/>
+          <p:cNvPicPr>
+            <a:picLocks noChangeAspect="1"/>
+          </p:cNvPicPr>
+          <p:nvPr/>
+        </p:nvPicPr>
+        <p:blipFill>
+          <a:blip r:embed="rId2">
+            <a:extLst>
+              <a:ext uri="{28A0092B-C50C-407E-A947-70E740481C1C}">
+                <a14:useLocalDpi xmlns:a14="http://schemas.microsoft.com/office/drawing/2010/main" val="0"/>
+              </a:ext>
+            </a:extLst>
+          </a:blip>
+          <a:stretch>
+            <a:fillRect/>
+          </a:stretch>
+        </p:blipFill>
+        <p:spPr>
+          <a:xfrm>
+            <a:off x="5857875" y="2463413"/>
+            <a:ext cx="5260285" cy="3826965"/>
+          </a:xfrm>
+          <a:prstGeom prst="rect">
+            <a:avLst/>
+          </a:prstGeom>
+        </p:spPr>
+      </p:pic>
+      <p:pic>
+        <p:nvPicPr>
+          <p:cNvPr id="2" name="Picture 1"/>
+          <p:cNvPicPr>
+            <a:picLocks noChangeAspect="1"/>
+          </p:cNvPicPr>
+          <p:nvPr/>
+        </p:nvPicPr>
+        <p:blipFill>
+          <a:blip r:embed="rId3">
+            <a:extLst>
+              <a:ext uri="{28A0092B-C50C-407E-A947-70E740481C1C}">
+                <a14:useLocalDpi xmlns:a14="http://schemas.microsoft.com/office/drawing/2010/main" val="0"/>
+              </a:ext>
+            </a:extLst>
+          </a:blip>
+          <a:stretch>
+            <a:fillRect/>
+          </a:stretch>
+        </p:blipFill>
+        <p:spPr>
+          <a:xfrm>
+            <a:off x="642701" y="3299791"/>
+            <a:ext cx="4979534" cy="3569513"/>
+          </a:xfrm>
+          <a:prstGeom prst="rect">
+            <a:avLst/>
+          </a:prstGeom>
+        </p:spPr>
+      </p:pic>
     </p:spTree>
     <p:extLst>
       <p:ext uri="{BB962C8B-B14F-4D97-AF65-F5344CB8AC3E}">
-        <p14:creationId xmlns:p14="http://schemas.microsoft.com/office/powerpoint/2010/main" val="1615709250"/>
+        <p14:creationId xmlns:p14="http://schemas.microsoft.com/office/powerpoint/2010/main" val="2385353540"/>
       </p:ext>
     </p:extLst>
   </p:cSld>
@@ -3456,6 +4515,393 @@
           <a:p>
             <a:r>
               <a:rPr lang="en-US" dirty="0"/>
+              <a:t>Models</a:t>
+            </a:r>
+          </a:p>
+        </p:txBody>
+      </p:sp>
+      <p:sp>
+        <p:nvSpPr>
+          <p:cNvPr id="3" name="Content Placeholder 2"/>
+          <p:cNvSpPr>
+            <a:spLocks noGrp="1"/>
+          </p:cNvSpPr>
+          <p:nvPr>
+            <p:ph idx="1"/>
+          </p:nvPr>
+        </p:nvSpPr>
+        <p:spPr/>
+        <p:txBody>
+          <a:bodyPr/>
+          <a:lstStyle/>
+          <a:p>
+            <a:r>
+              <a:rPr lang="en-US" dirty="0"/>
+              <a:t>Gradient Boosting</a:t>
+            </a:r>
+          </a:p>
+          <a:p>
+            <a:pPr lvl="1"/>
+            <a:r>
+              <a:rPr lang="en-US" dirty="0"/>
+              <a:t>Graphs on data transform</a:t>
+            </a:r>
+          </a:p>
+          <a:p>
+            <a:pPr lvl="1"/>
+            <a:r>
+              <a:rPr lang="en-US" dirty="0"/>
+              <a:t>Talk about Overfitting</a:t>
+            </a:r>
+          </a:p>
+          <a:p>
+            <a:pPr lvl="1"/>
+            <a:endParaRPr lang="en-US" dirty="0"/>
+          </a:p>
+        </p:txBody>
+      </p:sp>
+      <p:pic>
+        <p:nvPicPr>
+          <p:cNvPr id="4" name="Picture 3"/>
+          <p:cNvPicPr>
+            <a:picLocks noChangeAspect="1"/>
+          </p:cNvPicPr>
+          <p:nvPr/>
+        </p:nvPicPr>
+        <p:blipFill>
+          <a:blip r:embed="rId2">
+            <a:extLst>
+              <a:ext uri="{28A0092B-C50C-407E-A947-70E740481C1C}">
+                <a14:useLocalDpi xmlns:a14="http://schemas.microsoft.com/office/drawing/2010/main" val="0"/>
+              </a:ext>
+            </a:extLst>
+          </a:blip>
+          <a:stretch>
+            <a:fillRect/>
+          </a:stretch>
+        </p:blipFill>
+        <p:spPr>
+          <a:xfrm>
+            <a:off x="1173395" y="3466327"/>
+            <a:ext cx="4623853" cy="3391673"/>
+          </a:xfrm>
+          <a:prstGeom prst="rect">
+            <a:avLst/>
+          </a:prstGeom>
+        </p:spPr>
+      </p:pic>
+      <p:pic>
+        <p:nvPicPr>
+          <p:cNvPr id="5" name="Picture 4"/>
+          <p:cNvPicPr>
+            <a:picLocks noChangeAspect="1"/>
+          </p:cNvPicPr>
+          <p:nvPr/>
+        </p:nvPicPr>
+        <p:blipFill>
+          <a:blip r:embed="rId3">
+            <a:extLst>
+              <a:ext uri="{28A0092B-C50C-407E-A947-70E740481C1C}">
+                <a14:useLocalDpi xmlns:a14="http://schemas.microsoft.com/office/drawing/2010/main" val="0"/>
+              </a:ext>
+            </a:extLst>
+          </a:blip>
+          <a:stretch>
+            <a:fillRect/>
+          </a:stretch>
+        </p:blipFill>
+        <p:spPr>
+          <a:xfrm>
+            <a:off x="6399849" y="3466327"/>
+            <a:ext cx="4623853" cy="3391673"/>
+          </a:xfrm>
+          <a:prstGeom prst="rect">
+            <a:avLst/>
+          </a:prstGeom>
+        </p:spPr>
+      </p:pic>
+    </p:spTree>
+    <p:extLst>
+      <p:ext uri="{BB962C8B-B14F-4D97-AF65-F5344CB8AC3E}">
+        <p14:creationId xmlns:p14="http://schemas.microsoft.com/office/powerpoint/2010/main" val="2998906929"/>
+      </p:ext>
+    </p:extLst>
+  </p:cSld>
+  <p:clrMapOvr>
+    <a:masterClrMapping/>
+  </p:clrMapOvr>
+</p:sld>
+</file>
+
+<file path=ppt/slides/slide14.xml><?xml version="1.0" encoding="utf-8"?>
+<p:sld xmlns:a="http://schemas.openxmlformats.org/drawingml/2006/main" xmlns:r="http://schemas.openxmlformats.org/officeDocument/2006/relationships" xmlns:p="http://schemas.openxmlformats.org/presentationml/2006/main">
+  <p:cSld>
+    <p:spTree>
+      <p:nvGrpSpPr>
+        <p:cNvPr id="1" name=""/>
+        <p:cNvGrpSpPr/>
+        <p:nvPr/>
+      </p:nvGrpSpPr>
+      <p:grpSpPr>
+        <a:xfrm>
+          <a:off x="0" y="0"/>
+          <a:ext cx="0" cy="0"/>
+          <a:chOff x="0" y="0"/>
+          <a:chExt cx="0" cy="0"/>
+        </a:xfrm>
+      </p:grpSpPr>
+      <p:sp>
+        <p:nvSpPr>
+          <p:cNvPr id="2" name="Title 1"/>
+          <p:cNvSpPr>
+            <a:spLocks noGrp="1"/>
+          </p:cNvSpPr>
+          <p:nvPr>
+            <p:ph type="title"/>
+          </p:nvPr>
+        </p:nvSpPr>
+        <p:spPr/>
+        <p:txBody>
+          <a:bodyPr/>
+          <a:lstStyle/>
+          <a:p>
+            <a:r>
+              <a:rPr lang="en-US" dirty="0"/>
+              <a:t>Models : Gradient Boosting ROC</a:t>
+            </a:r>
+          </a:p>
+        </p:txBody>
+      </p:sp>
+      <p:pic>
+        <p:nvPicPr>
+          <p:cNvPr id="7" name="Picture 6"/>
+          <p:cNvPicPr>
+            <a:picLocks noChangeAspect="1"/>
+          </p:cNvPicPr>
+          <p:nvPr/>
+        </p:nvPicPr>
+        <p:blipFill>
+          <a:blip r:embed="rId2">
+            <a:extLst>
+              <a:ext uri="{28A0092B-C50C-407E-A947-70E740481C1C}">
+                <a14:useLocalDpi xmlns:a14="http://schemas.microsoft.com/office/drawing/2010/main" val="0"/>
+              </a:ext>
+            </a:extLst>
+          </a:blip>
+          <a:stretch>
+            <a:fillRect/>
+          </a:stretch>
+        </p:blipFill>
+        <p:spPr>
+          <a:xfrm>
+            <a:off x="1113183" y="1644243"/>
+            <a:ext cx="8905460" cy="5356623"/>
+          </a:xfrm>
+          <a:prstGeom prst="rect">
+            <a:avLst/>
+          </a:prstGeom>
+        </p:spPr>
+      </p:pic>
+    </p:spTree>
+    <p:extLst>
+      <p:ext uri="{BB962C8B-B14F-4D97-AF65-F5344CB8AC3E}">
+        <p14:creationId xmlns:p14="http://schemas.microsoft.com/office/powerpoint/2010/main" val="3111588073"/>
+      </p:ext>
+    </p:extLst>
+  </p:cSld>
+  <p:clrMapOvr>
+    <a:masterClrMapping/>
+  </p:clrMapOvr>
+</p:sld>
+</file>
+
+<file path=ppt/slides/slide15.xml><?xml version="1.0" encoding="utf-8"?>
+<p:sld xmlns:a="http://schemas.openxmlformats.org/drawingml/2006/main" xmlns:r="http://schemas.openxmlformats.org/officeDocument/2006/relationships" xmlns:p="http://schemas.openxmlformats.org/presentationml/2006/main">
+  <p:cSld>
+    <p:spTree>
+      <p:nvGrpSpPr>
+        <p:cNvPr id="1" name=""/>
+        <p:cNvGrpSpPr/>
+        <p:nvPr/>
+      </p:nvGrpSpPr>
+      <p:grpSpPr>
+        <a:xfrm>
+          <a:off x="0" y="0"/>
+          <a:ext cx="0" cy="0"/>
+          <a:chOff x="0" y="0"/>
+          <a:chExt cx="0" cy="0"/>
+        </a:xfrm>
+      </p:grpSpPr>
+      <p:sp>
+        <p:nvSpPr>
+          <p:cNvPr id="2" name="Title 1"/>
+          <p:cNvSpPr>
+            <a:spLocks noGrp="1"/>
+          </p:cNvSpPr>
+          <p:nvPr>
+            <p:ph type="title"/>
+          </p:nvPr>
+        </p:nvSpPr>
+        <p:spPr/>
+        <p:txBody>
+          <a:bodyPr/>
+          <a:lstStyle/>
+          <a:p>
+            <a:r>
+              <a:rPr lang="en-US" dirty="0"/>
+              <a:t>Model Comparison</a:t>
+            </a:r>
+          </a:p>
+        </p:txBody>
+      </p:sp>
+      <p:sp>
+        <p:nvSpPr>
+          <p:cNvPr id="3" name="Content Placeholder 2"/>
+          <p:cNvSpPr>
+            <a:spLocks noGrp="1"/>
+          </p:cNvSpPr>
+          <p:nvPr>
+            <p:ph idx="1"/>
+          </p:nvPr>
+        </p:nvSpPr>
+        <p:spPr/>
+        <p:txBody>
+          <a:bodyPr>
+            <a:normAutofit fontScale="92500" lnSpcReduction="20000"/>
+          </a:bodyPr>
+          <a:lstStyle/>
+          <a:p>
+            <a:r>
+              <a:rPr lang="en-US" dirty="0"/>
+              <a:t>Compare Best Graphs with Accuracy (ROC)</a:t>
+            </a:r>
+          </a:p>
+          <a:p>
+            <a:pPr lvl="1"/>
+            <a:r>
+              <a:rPr lang="en-US" dirty="0"/>
+              <a:t>Logistic</a:t>
+            </a:r>
+          </a:p>
+          <a:p>
+            <a:pPr lvl="1"/>
+            <a:r>
+              <a:rPr lang="en-US" dirty="0"/>
+              <a:t>SVM</a:t>
+            </a:r>
+          </a:p>
+          <a:p>
+            <a:pPr lvl="1"/>
+            <a:r>
+              <a:rPr lang="en-US" dirty="0"/>
+              <a:t>NN</a:t>
+            </a:r>
+          </a:p>
+          <a:p>
+            <a:pPr lvl="1"/>
+            <a:r>
+              <a:rPr lang="en-US" dirty="0"/>
+              <a:t>Gradient Boosting</a:t>
+            </a:r>
+          </a:p>
+          <a:p>
+            <a:r>
+              <a:rPr lang="en-US" dirty="0"/>
+              <a:t>SVM:  0.86 (difference of Logs)</a:t>
+            </a:r>
+            <a:endParaRPr lang="en-US" sz="4000" dirty="0"/>
+          </a:p>
+          <a:p>
+            <a:r>
+              <a:rPr lang="en-US" dirty="0"/>
+              <a:t>NN: 0.862</a:t>
+            </a:r>
+            <a:r>
+              <a:rPr lang="en-US" sz="4000" dirty="0"/>
+              <a:t>(difference of Logs)</a:t>
+            </a:r>
+            <a:endParaRPr lang="en-US" sz="5400" dirty="0"/>
+          </a:p>
+          <a:p>
+            <a:endParaRPr lang="en-US" sz="4000" dirty="0"/>
+          </a:p>
+          <a:p>
+            <a:r>
+              <a:rPr lang="en-US" dirty="0"/>
+              <a:t>Gradient Boosting: 0.87 (Original Features 22 of them)</a:t>
+            </a:r>
+          </a:p>
+          <a:p>
+            <a:r>
+              <a:rPr lang="en-US" sz="4000" dirty="0"/>
+              <a:t>Logistic</a:t>
+            </a:r>
+            <a:r>
+              <a:rPr lang="en-US" sz="4000"/>
+              <a:t>: 0.862</a:t>
+            </a:r>
+            <a:r>
+              <a:rPr lang="en-US" sz="4000"/>
+              <a:t>(difference of Logs)</a:t>
+            </a:r>
+            <a:endParaRPr lang="en-US" sz="5400"/>
+          </a:p>
+          <a:p>
+            <a:endParaRPr lang="en-US" sz="4000" dirty="0"/>
+          </a:p>
+          <a:p>
+            <a:pPr lvl="2"/>
+            <a:endParaRPr lang="en-US" dirty="0"/>
+          </a:p>
+        </p:txBody>
+      </p:sp>
+    </p:spTree>
+    <p:extLst>
+      <p:ext uri="{BB962C8B-B14F-4D97-AF65-F5344CB8AC3E}">
+        <p14:creationId xmlns:p14="http://schemas.microsoft.com/office/powerpoint/2010/main" val="1615709250"/>
+      </p:ext>
+    </p:extLst>
+  </p:cSld>
+  <p:clrMapOvr>
+    <a:masterClrMapping/>
+  </p:clrMapOvr>
+</p:sld>
+</file>
+
+<file path=ppt/slides/slide16.xml><?xml version="1.0" encoding="utf-8"?>
+<p:sld xmlns:a="http://schemas.openxmlformats.org/drawingml/2006/main" xmlns:r="http://schemas.openxmlformats.org/officeDocument/2006/relationships" xmlns:p="http://schemas.openxmlformats.org/presentationml/2006/main">
+  <p:cSld>
+    <p:spTree>
+      <p:nvGrpSpPr>
+        <p:cNvPr id="1" name=""/>
+        <p:cNvGrpSpPr/>
+        <p:nvPr/>
+      </p:nvGrpSpPr>
+      <p:grpSpPr>
+        <a:xfrm>
+          <a:off x="0" y="0"/>
+          <a:ext cx="0" cy="0"/>
+          <a:chOff x="0" y="0"/>
+          <a:chExt cx="0" cy="0"/>
+        </a:xfrm>
+      </p:grpSpPr>
+      <p:sp>
+        <p:nvSpPr>
+          <p:cNvPr id="2" name="Title 1"/>
+          <p:cNvSpPr>
+            <a:spLocks noGrp="1"/>
+          </p:cNvSpPr>
+          <p:nvPr>
+            <p:ph type="title"/>
+          </p:nvPr>
+        </p:nvSpPr>
+        <p:spPr/>
+        <p:txBody>
+          <a:bodyPr/>
+          <a:lstStyle/>
+          <a:p>
+            <a:r>
+              <a:rPr lang="en-US" dirty="0"/>
               <a:t>Conclusion</a:t>
             </a:r>
           </a:p>
@@ -3503,7 +4949,7 @@
 </p:sld>
 </file>
 
-<file path=ppt/slides/slide14.xml><?xml version="1.0" encoding="utf-8"?>
+<file path=ppt/slides/slide17.xml><?xml version="1.0" encoding="utf-8"?>
 <p:sld xmlns:a="http://schemas.openxmlformats.org/drawingml/2006/main" xmlns:r="http://schemas.openxmlformats.org/officeDocument/2006/relationships" xmlns:p="http://schemas.openxmlformats.org/presentationml/2006/main">
   <p:cSld>
     <p:spTree>
@@ -4471,70 +5917,21 @@
         </p:nvSpPr>
         <p:spPr>
           <a:xfrm>
-            <a:off x="561108" y="717261"/>
-            <a:ext cx="11404615" cy="4351338"/>
+            <a:off x="145422" y="734234"/>
+            <a:ext cx="4638614" cy="475435"/>
           </a:xfrm>
         </p:spPr>
         <p:txBody>
           <a:bodyPr/>
           <a:lstStyle/>
           <a:p>
+            <a:pPr marL="457200" lvl="1" indent="0">
+              <a:buNone/>
+            </a:pPr>
             <a:r>
               <a:rPr lang="en-US" dirty="0"/>
-              <a:t>Feature Selection (add Graphs)</a:t>
-            </a:r>
-          </a:p>
-          <a:p>
-            <a:pPr lvl="1"/>
-            <a:r>
-              <a:rPr lang="en-US" dirty="0"/>
-              <a:t>Intuitive</a:t>
-            </a:r>
-          </a:p>
-          <a:p>
-            <a:pPr lvl="1"/>
-            <a:r>
-              <a:rPr lang="en-US" dirty="0"/>
-              <a:t>PCA(Add Cumulative Curve)</a:t>
-            </a:r>
-          </a:p>
-          <a:p>
-            <a:pPr lvl="1"/>
-            <a:endParaRPr lang="en-US" dirty="0"/>
-          </a:p>
-          <a:p>
-            <a:pPr lvl="1"/>
-            <a:r>
-              <a:rPr lang="en-US" dirty="0"/>
-              <a:t>K-Best(</a:t>
-            </a:r>
-            <a:r>
-              <a:rPr lang="en-US" dirty="0" err="1"/>
-              <a:t>sayam</a:t>
-            </a:r>
-            <a:r>
-              <a:rPr lang="en-US" dirty="0"/>
-              <a:t>)</a:t>
-            </a:r>
-          </a:p>
-          <a:p>
-            <a:pPr lvl="1"/>
-            <a:r>
-              <a:rPr lang="en-US" dirty="0"/>
-              <a:t>Original Features(</a:t>
-            </a:r>
-            <a:r>
-              <a:rPr lang="en-US" dirty="0" err="1"/>
-              <a:t>Matlab</a:t>
-            </a:r>
-            <a:r>
-              <a:rPr lang="en-US" dirty="0"/>
-              <a:t> Sayam)</a:t>
-            </a:r>
-          </a:p>
-          <a:p>
-            <a:pPr lvl="1"/>
-            <a:endParaRPr lang="en-US" dirty="0"/>
+              <a:t>Principle Component Analysis</a:t>
+            </a:r>
           </a:p>
         </p:txBody>
       </p:sp>
@@ -4547,7 +5944,7 @@
         <p:spPr>
           <a:xfrm>
             <a:off x="0" y="0"/>
-            <a:ext cx="12192000" cy="646331"/>
+            <a:ext cx="3538330" cy="646331"/>
           </a:xfrm>
           <a:prstGeom prst="rect">
             <a:avLst/>
@@ -4568,6 +5965,2089 @@
           </a:p>
         </p:txBody>
       </p:sp>
+      <p:graphicFrame>
+        <p:nvGraphicFramePr>
+          <p:cNvPr id="10" name="Table 9"/>
+          <p:cNvGraphicFramePr>
+            <a:graphicFrameLocks noGrp="1"/>
+          </p:cNvGraphicFramePr>
+          <p:nvPr>
+            <p:extLst>
+              <p:ext uri="{D42A27DB-BD31-4B8C-83A1-F6EECF244321}">
+                <p14:modId xmlns:p14="http://schemas.microsoft.com/office/powerpoint/2010/main" val="1352642205"/>
+              </p:ext>
+            </p:extLst>
+          </p:nvPr>
+        </p:nvGraphicFramePr>
+        <p:xfrm>
+          <a:off x="4" y="5314986"/>
+          <a:ext cx="12192000" cy="1543013"/>
+        </p:xfrm>
+        <a:graphic>
+          <a:graphicData uri="http://schemas.openxmlformats.org/drawingml/2006/table">
+            <a:tbl>
+              <a:tblPr>
+                <a:tableStyleId>{5C22544A-7EE6-4342-B048-85BDC9FD1C3A}</a:tableStyleId>
+              </a:tblPr>
+              <a:tblGrid>
+                <a:gridCol w="1016000">
+                  <a:extLst>
+                    <a:ext uri="{9D8B030D-6E8A-4147-A177-3AD203B41FA5}">
+                      <a16:colId xmlns:a16="http://schemas.microsoft.com/office/drawing/2014/main" val="4195890968"/>
+                    </a:ext>
+                  </a:extLst>
+                </a:gridCol>
+                <a:gridCol w="1016000">
+                  <a:extLst>
+                    <a:ext uri="{9D8B030D-6E8A-4147-A177-3AD203B41FA5}">
+                      <a16:colId xmlns:a16="http://schemas.microsoft.com/office/drawing/2014/main" val="1636828903"/>
+                    </a:ext>
+                  </a:extLst>
+                </a:gridCol>
+                <a:gridCol w="1016000">
+                  <a:extLst>
+                    <a:ext uri="{9D8B030D-6E8A-4147-A177-3AD203B41FA5}">
+                      <a16:colId xmlns:a16="http://schemas.microsoft.com/office/drawing/2014/main" val="1505280152"/>
+                    </a:ext>
+                  </a:extLst>
+                </a:gridCol>
+                <a:gridCol w="1016000">
+                  <a:extLst>
+                    <a:ext uri="{9D8B030D-6E8A-4147-A177-3AD203B41FA5}">
+                      <a16:colId xmlns:a16="http://schemas.microsoft.com/office/drawing/2014/main" val="3490377634"/>
+                    </a:ext>
+                  </a:extLst>
+                </a:gridCol>
+                <a:gridCol w="1016000">
+                  <a:extLst>
+                    <a:ext uri="{9D8B030D-6E8A-4147-A177-3AD203B41FA5}">
+                      <a16:colId xmlns:a16="http://schemas.microsoft.com/office/drawing/2014/main" val="2907415457"/>
+                    </a:ext>
+                  </a:extLst>
+                </a:gridCol>
+                <a:gridCol w="1016000">
+                  <a:extLst>
+                    <a:ext uri="{9D8B030D-6E8A-4147-A177-3AD203B41FA5}">
+                      <a16:colId xmlns:a16="http://schemas.microsoft.com/office/drawing/2014/main" val="2437190406"/>
+                    </a:ext>
+                  </a:extLst>
+                </a:gridCol>
+                <a:gridCol w="1016000">
+                  <a:extLst>
+                    <a:ext uri="{9D8B030D-6E8A-4147-A177-3AD203B41FA5}">
+                      <a16:colId xmlns:a16="http://schemas.microsoft.com/office/drawing/2014/main" val="548132361"/>
+                    </a:ext>
+                  </a:extLst>
+                </a:gridCol>
+                <a:gridCol w="1016000">
+                  <a:extLst>
+                    <a:ext uri="{9D8B030D-6E8A-4147-A177-3AD203B41FA5}">
+                      <a16:colId xmlns:a16="http://schemas.microsoft.com/office/drawing/2014/main" val="288359736"/>
+                    </a:ext>
+                  </a:extLst>
+                </a:gridCol>
+                <a:gridCol w="1016000">
+                  <a:extLst>
+                    <a:ext uri="{9D8B030D-6E8A-4147-A177-3AD203B41FA5}">
+                      <a16:colId xmlns:a16="http://schemas.microsoft.com/office/drawing/2014/main" val="3272488973"/>
+                    </a:ext>
+                  </a:extLst>
+                </a:gridCol>
+                <a:gridCol w="1016000">
+                  <a:extLst>
+                    <a:ext uri="{9D8B030D-6E8A-4147-A177-3AD203B41FA5}">
+                      <a16:colId xmlns:a16="http://schemas.microsoft.com/office/drawing/2014/main" val="1592406251"/>
+                    </a:ext>
+                  </a:extLst>
+                </a:gridCol>
+                <a:gridCol w="1016000">
+                  <a:extLst>
+                    <a:ext uri="{9D8B030D-6E8A-4147-A177-3AD203B41FA5}">
+                      <a16:colId xmlns:a16="http://schemas.microsoft.com/office/drawing/2014/main" val="3992152493"/>
+                    </a:ext>
+                  </a:extLst>
+                </a:gridCol>
+                <a:gridCol w="1016000">
+                  <a:extLst>
+                    <a:ext uri="{9D8B030D-6E8A-4147-A177-3AD203B41FA5}">
+                      <a16:colId xmlns:a16="http://schemas.microsoft.com/office/drawing/2014/main" val="533382984"/>
+                    </a:ext>
+                  </a:extLst>
+                </a:gridCol>
+              </a:tblGrid>
+              <a:tr h="178480">
+                <a:tc gridSpan="12">
+                  <a:txBody>
+                    <a:bodyPr/>
+                    <a:lstStyle/>
+                    <a:p>
+                      <a:pPr algn="ctr" fontAlgn="b"/>
+                      <a:r>
+                        <a:rPr lang="en-US" sz="1100" u="none" strike="noStrike" dirty="0">
+                          <a:effectLst/>
+                        </a:rPr>
+                        <a:t>Importance of components:</a:t>
+                      </a:r>
+                      <a:endParaRPr lang="en-US" sz="1100" b="0" i="0" u="none" strike="noStrike" dirty="0">
+                        <a:solidFill>
+                          <a:srgbClr val="000000"/>
+                        </a:solidFill>
+                        <a:effectLst/>
+                        <a:latin typeface="Calibri" panose="020F0502020204030204" pitchFamily="34" charset="0"/>
+                      </a:endParaRPr>
+                    </a:p>
+                  </a:txBody>
+                  <a:tcPr marL="9525" marR="9525" marT="9525" marB="0" anchor="b"/>
+                </a:tc>
+                <a:tc hMerge="1">
+                  <a:txBody>
+                    <a:bodyPr/>
+                    <a:lstStyle/>
+                    <a:p>
+                      <a:endParaRPr lang="en-US"/>
+                    </a:p>
+                  </a:txBody>
+                  <a:tcPr/>
+                </a:tc>
+                <a:tc hMerge="1">
+                  <a:txBody>
+                    <a:bodyPr/>
+                    <a:lstStyle/>
+                    <a:p>
+                      <a:endParaRPr lang="en-US"/>
+                    </a:p>
+                  </a:txBody>
+                  <a:tcPr/>
+                </a:tc>
+                <a:tc hMerge="1">
+                  <a:txBody>
+                    <a:bodyPr/>
+                    <a:lstStyle/>
+                    <a:p>
+                      <a:endParaRPr lang="en-US"/>
+                    </a:p>
+                  </a:txBody>
+                  <a:tcPr/>
+                </a:tc>
+                <a:tc hMerge="1">
+                  <a:txBody>
+                    <a:bodyPr/>
+                    <a:lstStyle/>
+                    <a:p>
+                      <a:endParaRPr lang="en-US"/>
+                    </a:p>
+                  </a:txBody>
+                  <a:tcPr/>
+                </a:tc>
+                <a:tc hMerge="1">
+                  <a:txBody>
+                    <a:bodyPr/>
+                    <a:lstStyle/>
+                    <a:p>
+                      <a:endParaRPr lang="en-US"/>
+                    </a:p>
+                  </a:txBody>
+                  <a:tcPr/>
+                </a:tc>
+                <a:tc hMerge="1">
+                  <a:txBody>
+                    <a:bodyPr/>
+                    <a:lstStyle/>
+                    <a:p>
+                      <a:endParaRPr lang="en-US"/>
+                    </a:p>
+                  </a:txBody>
+                  <a:tcPr/>
+                </a:tc>
+                <a:tc hMerge="1">
+                  <a:txBody>
+                    <a:bodyPr/>
+                    <a:lstStyle/>
+                    <a:p>
+                      <a:endParaRPr lang="en-US"/>
+                    </a:p>
+                  </a:txBody>
+                  <a:tcPr/>
+                </a:tc>
+                <a:tc hMerge="1">
+                  <a:txBody>
+                    <a:bodyPr/>
+                    <a:lstStyle/>
+                    <a:p>
+                      <a:endParaRPr lang="en-US"/>
+                    </a:p>
+                  </a:txBody>
+                  <a:tcPr/>
+                </a:tc>
+                <a:tc hMerge="1">
+                  <a:txBody>
+                    <a:bodyPr/>
+                    <a:lstStyle/>
+                    <a:p>
+                      <a:endParaRPr lang="en-US"/>
+                    </a:p>
+                  </a:txBody>
+                  <a:tcPr/>
+                </a:tc>
+                <a:tc hMerge="1">
+                  <a:txBody>
+                    <a:bodyPr/>
+                    <a:lstStyle/>
+                    <a:p>
+                      <a:endParaRPr lang="en-US"/>
+                    </a:p>
+                  </a:txBody>
+                  <a:tcPr/>
+                </a:tc>
+                <a:tc hMerge="1">
+                  <a:txBody>
+                    <a:bodyPr/>
+                    <a:lstStyle/>
+                    <a:p>
+                      <a:endParaRPr lang="en-US"/>
+                    </a:p>
+                  </a:txBody>
+                  <a:tcPr/>
+                </a:tc>
+                <a:extLst>
+                  <a:ext uri="{0D108BD9-81ED-4DB2-BD59-A6C34878D82A}">
+                    <a16:rowId xmlns:a16="http://schemas.microsoft.com/office/drawing/2014/main" val="38853107"/>
+                  </a:ext>
+                </a:extLst>
+              </a:tr>
+              <a:tr h="178480">
+                <a:tc>
+                  <a:txBody>
+                    <a:bodyPr/>
+                    <a:lstStyle/>
+                    <a:p>
+                      <a:pPr algn="ctr" fontAlgn="b"/>
+                      <a:r>
+                        <a:rPr lang="en-US" sz="1100" u="none" strike="noStrike">
+                          <a:effectLst/>
+                        </a:rPr>
+                        <a:t> </a:t>
+                      </a:r>
+                      <a:endParaRPr lang="en-US" sz="1100" b="0" i="0" u="none" strike="noStrike">
+                        <a:solidFill>
+                          <a:srgbClr val="000000"/>
+                        </a:solidFill>
+                        <a:effectLst/>
+                        <a:latin typeface="Calibri" panose="020F0502020204030204" pitchFamily="34" charset="0"/>
+                      </a:endParaRPr>
+                    </a:p>
+                  </a:txBody>
+                  <a:tcPr marL="9525" marR="9525" marT="9525" marB="0" anchor="b"/>
+                </a:tc>
+                <a:tc>
+                  <a:txBody>
+                    <a:bodyPr/>
+                    <a:lstStyle/>
+                    <a:p>
+                      <a:pPr algn="l" fontAlgn="b"/>
+                      <a:r>
+                        <a:rPr lang="en-US" sz="1100" u="none" strike="noStrike">
+                          <a:effectLst/>
+                        </a:rPr>
+                        <a:t>PC1</a:t>
+                      </a:r>
+                      <a:endParaRPr lang="en-US" sz="1100" b="0" i="0" u="none" strike="noStrike">
+                        <a:solidFill>
+                          <a:srgbClr val="000000"/>
+                        </a:solidFill>
+                        <a:effectLst/>
+                        <a:latin typeface="Calibri" panose="020F0502020204030204" pitchFamily="34" charset="0"/>
+                      </a:endParaRPr>
+                    </a:p>
+                  </a:txBody>
+                  <a:tcPr marL="9525" marR="9525" marT="9525" marB="0" anchor="b"/>
+                </a:tc>
+                <a:tc>
+                  <a:txBody>
+                    <a:bodyPr/>
+                    <a:lstStyle/>
+                    <a:p>
+                      <a:pPr algn="l" fontAlgn="b"/>
+                      <a:r>
+                        <a:rPr lang="en-US" sz="1100" u="none" strike="noStrike">
+                          <a:effectLst/>
+                        </a:rPr>
+                        <a:t>PC2</a:t>
+                      </a:r>
+                      <a:endParaRPr lang="en-US" sz="1100" b="0" i="0" u="none" strike="noStrike">
+                        <a:solidFill>
+                          <a:srgbClr val="000000"/>
+                        </a:solidFill>
+                        <a:effectLst/>
+                        <a:latin typeface="Calibri" panose="020F0502020204030204" pitchFamily="34" charset="0"/>
+                      </a:endParaRPr>
+                    </a:p>
+                  </a:txBody>
+                  <a:tcPr marL="9525" marR="9525" marT="9525" marB="0" anchor="b"/>
+                </a:tc>
+                <a:tc>
+                  <a:txBody>
+                    <a:bodyPr/>
+                    <a:lstStyle/>
+                    <a:p>
+                      <a:pPr algn="l" fontAlgn="b"/>
+                      <a:r>
+                        <a:rPr lang="en-US" sz="1100" u="none" strike="noStrike">
+                          <a:effectLst/>
+                        </a:rPr>
+                        <a:t>PC3</a:t>
+                      </a:r>
+                      <a:endParaRPr lang="en-US" sz="1100" b="0" i="0" u="none" strike="noStrike">
+                        <a:solidFill>
+                          <a:srgbClr val="000000"/>
+                        </a:solidFill>
+                        <a:effectLst/>
+                        <a:latin typeface="Calibri" panose="020F0502020204030204" pitchFamily="34" charset="0"/>
+                      </a:endParaRPr>
+                    </a:p>
+                  </a:txBody>
+                  <a:tcPr marL="9525" marR="9525" marT="9525" marB="0" anchor="b"/>
+                </a:tc>
+                <a:tc>
+                  <a:txBody>
+                    <a:bodyPr/>
+                    <a:lstStyle/>
+                    <a:p>
+                      <a:pPr algn="l" fontAlgn="b"/>
+                      <a:r>
+                        <a:rPr lang="en-US" sz="1100" u="none" strike="noStrike">
+                          <a:effectLst/>
+                        </a:rPr>
+                        <a:t>PC4</a:t>
+                      </a:r>
+                      <a:endParaRPr lang="en-US" sz="1100" b="0" i="0" u="none" strike="noStrike">
+                        <a:solidFill>
+                          <a:srgbClr val="000000"/>
+                        </a:solidFill>
+                        <a:effectLst/>
+                        <a:latin typeface="Calibri" panose="020F0502020204030204" pitchFamily="34" charset="0"/>
+                      </a:endParaRPr>
+                    </a:p>
+                  </a:txBody>
+                  <a:tcPr marL="9525" marR="9525" marT="9525" marB="0" anchor="b"/>
+                </a:tc>
+                <a:tc>
+                  <a:txBody>
+                    <a:bodyPr/>
+                    <a:lstStyle/>
+                    <a:p>
+                      <a:pPr algn="l" fontAlgn="b"/>
+                      <a:r>
+                        <a:rPr lang="en-US" sz="1100" u="none" strike="noStrike">
+                          <a:effectLst/>
+                        </a:rPr>
+                        <a:t>PC5</a:t>
+                      </a:r>
+                      <a:endParaRPr lang="en-US" sz="1100" b="0" i="0" u="none" strike="noStrike">
+                        <a:solidFill>
+                          <a:srgbClr val="000000"/>
+                        </a:solidFill>
+                        <a:effectLst/>
+                        <a:latin typeface="Calibri" panose="020F0502020204030204" pitchFamily="34" charset="0"/>
+                      </a:endParaRPr>
+                    </a:p>
+                  </a:txBody>
+                  <a:tcPr marL="9525" marR="9525" marT="9525" marB="0" anchor="b"/>
+                </a:tc>
+                <a:tc>
+                  <a:txBody>
+                    <a:bodyPr/>
+                    <a:lstStyle/>
+                    <a:p>
+                      <a:pPr algn="l" fontAlgn="b"/>
+                      <a:r>
+                        <a:rPr lang="en-US" sz="1100" u="none" strike="noStrike">
+                          <a:effectLst/>
+                        </a:rPr>
+                        <a:t>PC6</a:t>
+                      </a:r>
+                      <a:endParaRPr lang="en-US" sz="1100" b="0" i="0" u="none" strike="noStrike">
+                        <a:solidFill>
+                          <a:srgbClr val="000000"/>
+                        </a:solidFill>
+                        <a:effectLst/>
+                        <a:latin typeface="Calibri" panose="020F0502020204030204" pitchFamily="34" charset="0"/>
+                      </a:endParaRPr>
+                    </a:p>
+                  </a:txBody>
+                  <a:tcPr marL="9525" marR="9525" marT="9525" marB="0" anchor="b"/>
+                </a:tc>
+                <a:tc>
+                  <a:txBody>
+                    <a:bodyPr/>
+                    <a:lstStyle/>
+                    <a:p>
+                      <a:pPr algn="l" fontAlgn="b"/>
+                      <a:r>
+                        <a:rPr lang="en-US" sz="1100" u="none" strike="noStrike">
+                          <a:effectLst/>
+                        </a:rPr>
+                        <a:t>PC7</a:t>
+                      </a:r>
+                      <a:endParaRPr lang="en-US" sz="1100" b="0" i="0" u="none" strike="noStrike">
+                        <a:solidFill>
+                          <a:srgbClr val="000000"/>
+                        </a:solidFill>
+                        <a:effectLst/>
+                        <a:latin typeface="Calibri" panose="020F0502020204030204" pitchFamily="34" charset="0"/>
+                      </a:endParaRPr>
+                    </a:p>
+                  </a:txBody>
+                  <a:tcPr marL="9525" marR="9525" marT="9525" marB="0" anchor="b"/>
+                </a:tc>
+                <a:tc>
+                  <a:txBody>
+                    <a:bodyPr/>
+                    <a:lstStyle/>
+                    <a:p>
+                      <a:pPr algn="l" fontAlgn="b"/>
+                      <a:r>
+                        <a:rPr lang="en-US" sz="1100" u="none" strike="noStrike">
+                          <a:effectLst/>
+                        </a:rPr>
+                        <a:t>PC8</a:t>
+                      </a:r>
+                      <a:endParaRPr lang="en-US" sz="1100" b="0" i="0" u="none" strike="noStrike">
+                        <a:solidFill>
+                          <a:srgbClr val="000000"/>
+                        </a:solidFill>
+                        <a:effectLst/>
+                        <a:latin typeface="Calibri" panose="020F0502020204030204" pitchFamily="34" charset="0"/>
+                      </a:endParaRPr>
+                    </a:p>
+                  </a:txBody>
+                  <a:tcPr marL="9525" marR="9525" marT="9525" marB="0" anchor="b"/>
+                </a:tc>
+                <a:tc>
+                  <a:txBody>
+                    <a:bodyPr/>
+                    <a:lstStyle/>
+                    <a:p>
+                      <a:pPr algn="l" fontAlgn="b"/>
+                      <a:r>
+                        <a:rPr lang="en-US" sz="1100" u="none" strike="noStrike">
+                          <a:effectLst/>
+                        </a:rPr>
+                        <a:t>PC9</a:t>
+                      </a:r>
+                      <a:endParaRPr lang="en-US" sz="1100" b="0" i="0" u="none" strike="noStrike">
+                        <a:solidFill>
+                          <a:srgbClr val="000000"/>
+                        </a:solidFill>
+                        <a:effectLst/>
+                        <a:latin typeface="Calibri" panose="020F0502020204030204" pitchFamily="34" charset="0"/>
+                      </a:endParaRPr>
+                    </a:p>
+                  </a:txBody>
+                  <a:tcPr marL="9525" marR="9525" marT="9525" marB="0" anchor="b"/>
+                </a:tc>
+                <a:tc>
+                  <a:txBody>
+                    <a:bodyPr/>
+                    <a:lstStyle/>
+                    <a:p>
+                      <a:pPr algn="l" fontAlgn="b"/>
+                      <a:r>
+                        <a:rPr lang="en-US" sz="1100" u="none" strike="noStrike">
+                          <a:effectLst/>
+                        </a:rPr>
+                        <a:t>PC10</a:t>
+                      </a:r>
+                      <a:endParaRPr lang="en-US" sz="1100" b="0" i="0" u="none" strike="noStrike">
+                        <a:solidFill>
+                          <a:srgbClr val="000000"/>
+                        </a:solidFill>
+                        <a:effectLst/>
+                        <a:latin typeface="Calibri" panose="020F0502020204030204" pitchFamily="34" charset="0"/>
+                      </a:endParaRPr>
+                    </a:p>
+                  </a:txBody>
+                  <a:tcPr marL="9525" marR="9525" marT="9525" marB="0" anchor="b"/>
+                </a:tc>
+                <a:tc>
+                  <a:txBody>
+                    <a:bodyPr/>
+                    <a:lstStyle/>
+                    <a:p>
+                      <a:pPr algn="l" fontAlgn="b"/>
+                      <a:r>
+                        <a:rPr lang="en-US" sz="1100" u="none" strike="noStrike">
+                          <a:effectLst/>
+                        </a:rPr>
+                        <a:t>PC11</a:t>
+                      </a:r>
+                      <a:endParaRPr lang="en-US" sz="1100" b="0" i="0" u="none" strike="noStrike">
+                        <a:solidFill>
+                          <a:srgbClr val="000000"/>
+                        </a:solidFill>
+                        <a:effectLst/>
+                        <a:latin typeface="Calibri" panose="020F0502020204030204" pitchFamily="34" charset="0"/>
+                      </a:endParaRPr>
+                    </a:p>
+                  </a:txBody>
+                  <a:tcPr marL="9525" marR="9525" marT="9525" marB="0" anchor="b"/>
+                </a:tc>
+                <a:extLst>
+                  <a:ext uri="{0D108BD9-81ED-4DB2-BD59-A6C34878D82A}">
+                    <a16:rowId xmlns:a16="http://schemas.microsoft.com/office/drawing/2014/main" val="3905131827"/>
+                  </a:ext>
+                </a:extLst>
+              </a:tr>
+              <a:tr h="347364">
+                <a:tc>
+                  <a:txBody>
+                    <a:bodyPr/>
+                    <a:lstStyle/>
+                    <a:p>
+                      <a:pPr algn="l" fontAlgn="b"/>
+                      <a:r>
+                        <a:rPr lang="en-US" sz="1100" u="none" strike="noStrike">
+                          <a:effectLst/>
+                        </a:rPr>
+                        <a:t>Standard deviation</a:t>
+                      </a:r>
+                      <a:endParaRPr lang="en-US" sz="1100" b="0" i="0" u="none" strike="noStrike">
+                        <a:solidFill>
+                          <a:srgbClr val="000000"/>
+                        </a:solidFill>
+                        <a:effectLst/>
+                        <a:latin typeface="Calibri" panose="020F0502020204030204" pitchFamily="34" charset="0"/>
+                      </a:endParaRPr>
+                    </a:p>
+                  </a:txBody>
+                  <a:tcPr marL="9525" marR="9525" marT="9525" marB="0" anchor="b"/>
+                </a:tc>
+                <a:tc>
+                  <a:txBody>
+                    <a:bodyPr/>
+                    <a:lstStyle/>
+                    <a:p>
+                      <a:pPr algn="r" fontAlgn="b"/>
+                      <a:r>
+                        <a:rPr lang="en-US" sz="1100" u="none" strike="noStrike" dirty="0">
+                          <a:effectLst/>
+                        </a:rPr>
+                        <a:t>1.9736</a:t>
+                      </a:r>
+                      <a:endParaRPr lang="en-US" sz="1100" b="0" i="0" u="none" strike="noStrike" dirty="0">
+                        <a:solidFill>
+                          <a:srgbClr val="000000"/>
+                        </a:solidFill>
+                        <a:effectLst/>
+                        <a:latin typeface="Calibri" panose="020F0502020204030204" pitchFamily="34" charset="0"/>
+                      </a:endParaRPr>
+                    </a:p>
+                  </a:txBody>
+                  <a:tcPr marL="9525" marR="9525" marT="9525" marB="0" anchor="b"/>
+                </a:tc>
+                <a:tc>
+                  <a:txBody>
+                    <a:bodyPr/>
+                    <a:lstStyle/>
+                    <a:p>
+                      <a:pPr algn="r" fontAlgn="b"/>
+                      <a:r>
+                        <a:rPr lang="en-US" sz="1100" u="none" strike="noStrike">
+                          <a:effectLst/>
+                        </a:rPr>
+                        <a:t>1.4221</a:t>
+                      </a:r>
+                      <a:endParaRPr lang="en-US" sz="1100" b="0" i="0" u="none" strike="noStrike">
+                        <a:solidFill>
+                          <a:srgbClr val="000000"/>
+                        </a:solidFill>
+                        <a:effectLst/>
+                        <a:latin typeface="Calibri" panose="020F0502020204030204" pitchFamily="34" charset="0"/>
+                      </a:endParaRPr>
+                    </a:p>
+                  </a:txBody>
+                  <a:tcPr marL="9525" marR="9525" marT="9525" marB="0" anchor="b"/>
+                </a:tc>
+                <a:tc>
+                  <a:txBody>
+                    <a:bodyPr/>
+                    <a:lstStyle/>
+                    <a:p>
+                      <a:pPr algn="r" fontAlgn="b"/>
+                      <a:r>
+                        <a:rPr lang="en-US" sz="1100" u="none" strike="noStrike">
+                          <a:effectLst/>
+                        </a:rPr>
+                        <a:t>1.249</a:t>
+                      </a:r>
+                      <a:endParaRPr lang="en-US" sz="1100" b="0" i="0" u="none" strike="noStrike">
+                        <a:solidFill>
+                          <a:srgbClr val="000000"/>
+                        </a:solidFill>
+                        <a:effectLst/>
+                        <a:latin typeface="Calibri" panose="020F0502020204030204" pitchFamily="34" charset="0"/>
+                      </a:endParaRPr>
+                    </a:p>
+                  </a:txBody>
+                  <a:tcPr marL="9525" marR="9525" marT="9525" marB="0" anchor="b"/>
+                </a:tc>
+                <a:tc>
+                  <a:txBody>
+                    <a:bodyPr/>
+                    <a:lstStyle/>
+                    <a:p>
+                      <a:pPr algn="r" fontAlgn="b"/>
+                      <a:r>
+                        <a:rPr lang="en-US" sz="1100" u="none" strike="noStrike">
+                          <a:effectLst/>
+                        </a:rPr>
+                        <a:t>1.04245</a:t>
+                      </a:r>
+                      <a:endParaRPr lang="en-US" sz="1100" b="0" i="0" u="none" strike="noStrike">
+                        <a:solidFill>
+                          <a:srgbClr val="000000"/>
+                        </a:solidFill>
+                        <a:effectLst/>
+                        <a:latin typeface="Calibri" panose="020F0502020204030204" pitchFamily="34" charset="0"/>
+                      </a:endParaRPr>
+                    </a:p>
+                  </a:txBody>
+                  <a:tcPr marL="9525" marR="9525" marT="9525" marB="0" anchor="b"/>
+                </a:tc>
+                <a:tc>
+                  <a:txBody>
+                    <a:bodyPr/>
+                    <a:lstStyle/>
+                    <a:p>
+                      <a:pPr algn="r" fontAlgn="b"/>
+                      <a:r>
+                        <a:rPr lang="en-US" sz="1100" u="none" strike="noStrike" dirty="0">
+                          <a:effectLst/>
+                        </a:rPr>
+                        <a:t>0.9197</a:t>
+                      </a:r>
+                      <a:endParaRPr lang="en-US" sz="1100" b="0" i="0" u="none" strike="noStrike" dirty="0">
+                        <a:solidFill>
+                          <a:srgbClr val="000000"/>
+                        </a:solidFill>
+                        <a:effectLst/>
+                        <a:latin typeface="Calibri" panose="020F0502020204030204" pitchFamily="34" charset="0"/>
+                      </a:endParaRPr>
+                    </a:p>
+                  </a:txBody>
+                  <a:tcPr marL="9525" marR="9525" marT="9525" marB="0" anchor="b"/>
+                </a:tc>
+                <a:tc>
+                  <a:txBody>
+                    <a:bodyPr/>
+                    <a:lstStyle/>
+                    <a:p>
+                      <a:pPr algn="r" fontAlgn="b"/>
+                      <a:r>
+                        <a:rPr lang="en-US" sz="1100" u="none" strike="noStrike">
+                          <a:effectLst/>
+                        </a:rPr>
+                        <a:t>0.73123</a:t>
+                      </a:r>
+                      <a:endParaRPr lang="en-US" sz="1100" b="0" i="0" u="none" strike="noStrike">
+                        <a:solidFill>
+                          <a:srgbClr val="000000"/>
+                        </a:solidFill>
+                        <a:effectLst/>
+                        <a:latin typeface="Calibri" panose="020F0502020204030204" pitchFamily="34" charset="0"/>
+                      </a:endParaRPr>
+                    </a:p>
+                  </a:txBody>
+                  <a:tcPr marL="9525" marR="9525" marT="9525" marB="0" anchor="b"/>
+                </a:tc>
+                <a:tc>
+                  <a:txBody>
+                    <a:bodyPr/>
+                    <a:lstStyle/>
+                    <a:p>
+                      <a:pPr algn="r" fontAlgn="b"/>
+                      <a:r>
+                        <a:rPr lang="en-US" sz="1100" u="none" strike="noStrike">
+                          <a:effectLst/>
+                        </a:rPr>
+                        <a:t>0.67873</a:t>
+                      </a:r>
+                      <a:endParaRPr lang="en-US" sz="1100" b="0" i="0" u="none" strike="noStrike">
+                        <a:solidFill>
+                          <a:srgbClr val="000000"/>
+                        </a:solidFill>
+                        <a:effectLst/>
+                        <a:latin typeface="Calibri" panose="020F0502020204030204" pitchFamily="34" charset="0"/>
+                      </a:endParaRPr>
+                    </a:p>
+                  </a:txBody>
+                  <a:tcPr marL="9525" marR="9525" marT="9525" marB="0" anchor="b"/>
+                </a:tc>
+                <a:tc>
+                  <a:txBody>
+                    <a:bodyPr/>
+                    <a:lstStyle/>
+                    <a:p>
+                      <a:pPr algn="r" fontAlgn="b"/>
+                      <a:r>
+                        <a:rPr lang="en-US" sz="1100" u="none" strike="noStrike">
+                          <a:effectLst/>
+                        </a:rPr>
+                        <a:t>0.57052</a:t>
+                      </a:r>
+                      <a:endParaRPr lang="en-US" sz="1100" b="0" i="0" u="none" strike="noStrike">
+                        <a:solidFill>
+                          <a:srgbClr val="000000"/>
+                        </a:solidFill>
+                        <a:effectLst/>
+                        <a:latin typeface="Calibri" panose="020F0502020204030204" pitchFamily="34" charset="0"/>
+                      </a:endParaRPr>
+                    </a:p>
+                  </a:txBody>
+                  <a:tcPr marL="9525" marR="9525" marT="9525" marB="0" anchor="b"/>
+                </a:tc>
+                <a:tc>
+                  <a:txBody>
+                    <a:bodyPr/>
+                    <a:lstStyle/>
+                    <a:p>
+                      <a:pPr algn="r" fontAlgn="b"/>
+                      <a:r>
+                        <a:rPr lang="en-US" sz="1100" u="none" strike="noStrike">
+                          <a:effectLst/>
+                        </a:rPr>
+                        <a:t>0.45938</a:t>
+                      </a:r>
+                      <a:endParaRPr lang="en-US" sz="1100" b="0" i="0" u="none" strike="noStrike">
+                        <a:solidFill>
+                          <a:srgbClr val="000000"/>
+                        </a:solidFill>
+                        <a:effectLst/>
+                        <a:latin typeface="Calibri" panose="020F0502020204030204" pitchFamily="34" charset="0"/>
+                      </a:endParaRPr>
+                    </a:p>
+                  </a:txBody>
+                  <a:tcPr marL="9525" marR="9525" marT="9525" marB="0" anchor="b"/>
+                </a:tc>
+                <a:tc>
+                  <a:txBody>
+                    <a:bodyPr/>
+                    <a:lstStyle/>
+                    <a:p>
+                      <a:pPr algn="r" fontAlgn="b"/>
+                      <a:r>
+                        <a:rPr lang="en-US" sz="1100" u="none" strike="noStrike">
+                          <a:effectLst/>
+                        </a:rPr>
+                        <a:t>0.21665</a:t>
+                      </a:r>
+                      <a:endParaRPr lang="en-US" sz="1100" b="0" i="0" u="none" strike="noStrike">
+                        <a:solidFill>
+                          <a:srgbClr val="000000"/>
+                        </a:solidFill>
+                        <a:effectLst/>
+                        <a:latin typeface="Calibri" panose="020F0502020204030204" pitchFamily="34" charset="0"/>
+                      </a:endParaRPr>
+                    </a:p>
+                  </a:txBody>
+                  <a:tcPr marL="9525" marR="9525" marT="9525" marB="0" anchor="b"/>
+                </a:tc>
+                <a:tc>
+                  <a:txBody>
+                    <a:bodyPr/>
+                    <a:lstStyle/>
+                    <a:p>
+                      <a:pPr algn="r" fontAlgn="b"/>
+                      <a:r>
+                        <a:rPr lang="en-US" sz="1100" u="none" strike="noStrike">
+                          <a:effectLst/>
+                        </a:rPr>
+                        <a:t>0.10378</a:t>
+                      </a:r>
+                      <a:endParaRPr lang="en-US" sz="1100" b="0" i="0" u="none" strike="noStrike">
+                        <a:solidFill>
+                          <a:srgbClr val="000000"/>
+                        </a:solidFill>
+                        <a:effectLst/>
+                        <a:latin typeface="Calibri" panose="020F0502020204030204" pitchFamily="34" charset="0"/>
+                      </a:endParaRPr>
+                    </a:p>
+                  </a:txBody>
+                  <a:tcPr marL="9525" marR="9525" marT="9525" marB="0" anchor="b"/>
+                </a:tc>
+                <a:extLst>
+                  <a:ext uri="{0D108BD9-81ED-4DB2-BD59-A6C34878D82A}">
+                    <a16:rowId xmlns:a16="http://schemas.microsoft.com/office/drawing/2014/main" val="503134657"/>
+                  </a:ext>
+                </a:extLst>
+              </a:tr>
+              <a:tr h="360395">
+                <a:tc>
+                  <a:txBody>
+                    <a:bodyPr/>
+                    <a:lstStyle/>
+                    <a:p>
+                      <a:pPr algn="l" fontAlgn="b"/>
+                      <a:r>
+                        <a:rPr lang="en-US" sz="1100" u="none" strike="noStrike">
+                          <a:effectLst/>
+                        </a:rPr>
+                        <a:t>Proportion of Variance</a:t>
+                      </a:r>
+                      <a:endParaRPr lang="en-US" sz="1100" b="0" i="0" u="none" strike="noStrike">
+                        <a:solidFill>
+                          <a:srgbClr val="000000"/>
+                        </a:solidFill>
+                        <a:effectLst/>
+                        <a:latin typeface="Calibri" panose="020F0502020204030204" pitchFamily="34" charset="0"/>
+                      </a:endParaRPr>
+                    </a:p>
+                  </a:txBody>
+                  <a:tcPr marL="9525" marR="9525" marT="9525" marB="0" anchor="b"/>
+                </a:tc>
+                <a:tc>
+                  <a:txBody>
+                    <a:bodyPr/>
+                    <a:lstStyle/>
+                    <a:p>
+                      <a:pPr algn="r" fontAlgn="b"/>
+                      <a:r>
+                        <a:rPr lang="en-US" sz="1100" u="none" strike="noStrike">
+                          <a:effectLst/>
+                        </a:rPr>
+                        <a:t>0.3541</a:t>
+                      </a:r>
+                      <a:endParaRPr lang="en-US" sz="1100" b="0" i="0" u="none" strike="noStrike">
+                        <a:solidFill>
+                          <a:srgbClr val="000000"/>
+                        </a:solidFill>
+                        <a:effectLst/>
+                        <a:latin typeface="Calibri" panose="020F0502020204030204" pitchFamily="34" charset="0"/>
+                      </a:endParaRPr>
+                    </a:p>
+                  </a:txBody>
+                  <a:tcPr marL="9525" marR="9525" marT="9525" marB="0" anchor="b"/>
+                </a:tc>
+                <a:tc>
+                  <a:txBody>
+                    <a:bodyPr/>
+                    <a:lstStyle/>
+                    <a:p>
+                      <a:pPr algn="r" fontAlgn="b"/>
+                      <a:r>
+                        <a:rPr lang="en-US" sz="1100" u="none" strike="noStrike">
+                          <a:effectLst/>
+                        </a:rPr>
+                        <a:t>0.1839</a:t>
+                      </a:r>
+                      <a:endParaRPr lang="en-US" sz="1100" b="0" i="0" u="none" strike="noStrike">
+                        <a:solidFill>
+                          <a:srgbClr val="000000"/>
+                        </a:solidFill>
+                        <a:effectLst/>
+                        <a:latin typeface="Calibri" panose="020F0502020204030204" pitchFamily="34" charset="0"/>
+                      </a:endParaRPr>
+                    </a:p>
+                  </a:txBody>
+                  <a:tcPr marL="9525" marR="9525" marT="9525" marB="0" anchor="b"/>
+                </a:tc>
+                <a:tc>
+                  <a:txBody>
+                    <a:bodyPr/>
+                    <a:lstStyle/>
+                    <a:p>
+                      <a:pPr algn="r" fontAlgn="b"/>
+                      <a:r>
+                        <a:rPr lang="en-US" sz="1100" u="none" strike="noStrike">
+                          <a:effectLst/>
+                        </a:rPr>
+                        <a:t>0.1418</a:t>
+                      </a:r>
+                      <a:endParaRPr lang="en-US" sz="1100" b="0" i="0" u="none" strike="noStrike">
+                        <a:solidFill>
+                          <a:srgbClr val="000000"/>
+                        </a:solidFill>
+                        <a:effectLst/>
+                        <a:latin typeface="Calibri" panose="020F0502020204030204" pitchFamily="34" charset="0"/>
+                      </a:endParaRPr>
+                    </a:p>
+                  </a:txBody>
+                  <a:tcPr marL="9525" marR="9525" marT="9525" marB="0" anchor="b"/>
+                </a:tc>
+                <a:tc>
+                  <a:txBody>
+                    <a:bodyPr/>
+                    <a:lstStyle/>
+                    <a:p>
+                      <a:pPr algn="r" fontAlgn="b"/>
+                      <a:r>
+                        <a:rPr lang="en-US" sz="1100" u="none" strike="noStrike">
+                          <a:effectLst/>
+                        </a:rPr>
+                        <a:t>0.09879</a:t>
+                      </a:r>
+                      <a:endParaRPr lang="en-US" sz="1100" b="0" i="0" u="none" strike="noStrike">
+                        <a:solidFill>
+                          <a:srgbClr val="000000"/>
+                        </a:solidFill>
+                        <a:effectLst/>
+                        <a:latin typeface="Calibri" panose="020F0502020204030204" pitchFamily="34" charset="0"/>
+                      </a:endParaRPr>
+                    </a:p>
+                  </a:txBody>
+                  <a:tcPr marL="9525" marR="9525" marT="9525" marB="0" anchor="b"/>
+                </a:tc>
+                <a:tc>
+                  <a:txBody>
+                    <a:bodyPr/>
+                    <a:lstStyle/>
+                    <a:p>
+                      <a:pPr algn="r" fontAlgn="b"/>
+                      <a:r>
+                        <a:rPr lang="en-US" sz="1100" u="none" strike="noStrike">
+                          <a:effectLst/>
+                        </a:rPr>
+                        <a:t>0.0769</a:t>
+                      </a:r>
+                      <a:endParaRPr lang="en-US" sz="1100" b="0" i="0" u="none" strike="noStrike">
+                        <a:solidFill>
+                          <a:srgbClr val="000000"/>
+                        </a:solidFill>
+                        <a:effectLst/>
+                        <a:latin typeface="Calibri" panose="020F0502020204030204" pitchFamily="34" charset="0"/>
+                      </a:endParaRPr>
+                    </a:p>
+                  </a:txBody>
+                  <a:tcPr marL="9525" marR="9525" marT="9525" marB="0" anchor="b"/>
+                </a:tc>
+                <a:tc>
+                  <a:txBody>
+                    <a:bodyPr/>
+                    <a:lstStyle/>
+                    <a:p>
+                      <a:pPr algn="r" fontAlgn="b"/>
+                      <a:r>
+                        <a:rPr lang="en-US" sz="1100" u="none" strike="noStrike">
+                          <a:effectLst/>
+                        </a:rPr>
+                        <a:t>0.04861</a:t>
+                      </a:r>
+                      <a:endParaRPr lang="en-US" sz="1100" b="0" i="0" u="none" strike="noStrike">
+                        <a:solidFill>
+                          <a:srgbClr val="000000"/>
+                        </a:solidFill>
+                        <a:effectLst/>
+                        <a:latin typeface="Calibri" panose="020F0502020204030204" pitchFamily="34" charset="0"/>
+                      </a:endParaRPr>
+                    </a:p>
+                  </a:txBody>
+                  <a:tcPr marL="9525" marR="9525" marT="9525" marB="0" anchor="b"/>
+                </a:tc>
+                <a:tc>
+                  <a:txBody>
+                    <a:bodyPr/>
+                    <a:lstStyle/>
+                    <a:p>
+                      <a:pPr algn="r" fontAlgn="b"/>
+                      <a:r>
+                        <a:rPr lang="en-US" sz="1100" u="none" strike="noStrike">
+                          <a:effectLst/>
+                        </a:rPr>
+                        <a:t>0.04188</a:t>
+                      </a:r>
+                      <a:endParaRPr lang="en-US" sz="1100" b="0" i="0" u="none" strike="noStrike">
+                        <a:solidFill>
+                          <a:srgbClr val="000000"/>
+                        </a:solidFill>
+                        <a:effectLst/>
+                        <a:latin typeface="Calibri" panose="020F0502020204030204" pitchFamily="34" charset="0"/>
+                      </a:endParaRPr>
+                    </a:p>
+                  </a:txBody>
+                  <a:tcPr marL="9525" marR="9525" marT="9525" marB="0" anchor="b"/>
+                </a:tc>
+                <a:tc>
+                  <a:txBody>
+                    <a:bodyPr/>
+                    <a:lstStyle/>
+                    <a:p>
+                      <a:pPr algn="r" fontAlgn="b"/>
+                      <a:r>
+                        <a:rPr lang="en-US" sz="1100" u="none" strike="noStrike" dirty="0">
+                          <a:effectLst/>
+                        </a:rPr>
+                        <a:t>0.02959</a:t>
+                      </a:r>
+                      <a:endParaRPr lang="en-US" sz="1100" b="0" i="0" u="none" strike="noStrike" dirty="0">
+                        <a:solidFill>
+                          <a:srgbClr val="000000"/>
+                        </a:solidFill>
+                        <a:effectLst/>
+                        <a:latin typeface="Calibri" panose="020F0502020204030204" pitchFamily="34" charset="0"/>
+                      </a:endParaRPr>
+                    </a:p>
+                  </a:txBody>
+                  <a:tcPr marL="9525" marR="9525" marT="9525" marB="0" anchor="b"/>
+                </a:tc>
+                <a:tc>
+                  <a:txBody>
+                    <a:bodyPr/>
+                    <a:lstStyle/>
+                    <a:p>
+                      <a:pPr algn="r" fontAlgn="b"/>
+                      <a:r>
+                        <a:rPr lang="en-US" sz="1100" u="none" strike="noStrike">
+                          <a:effectLst/>
+                        </a:rPr>
+                        <a:t>0.01918</a:t>
+                      </a:r>
+                      <a:endParaRPr lang="en-US" sz="1100" b="0" i="0" u="none" strike="noStrike">
+                        <a:solidFill>
+                          <a:srgbClr val="000000"/>
+                        </a:solidFill>
+                        <a:effectLst/>
+                        <a:latin typeface="Calibri" panose="020F0502020204030204" pitchFamily="34" charset="0"/>
+                      </a:endParaRPr>
+                    </a:p>
+                  </a:txBody>
+                  <a:tcPr marL="9525" marR="9525" marT="9525" marB="0" anchor="b"/>
+                </a:tc>
+                <a:tc>
+                  <a:txBody>
+                    <a:bodyPr/>
+                    <a:lstStyle/>
+                    <a:p>
+                      <a:pPr algn="r" fontAlgn="b"/>
+                      <a:r>
+                        <a:rPr lang="en-US" sz="1100" u="none" strike="noStrike" dirty="0">
+                          <a:effectLst/>
+                        </a:rPr>
+                        <a:t>0.00427</a:t>
+                      </a:r>
+                      <a:endParaRPr lang="en-US" sz="1100" b="0" i="0" u="none" strike="noStrike" dirty="0">
+                        <a:solidFill>
+                          <a:srgbClr val="000000"/>
+                        </a:solidFill>
+                        <a:effectLst/>
+                        <a:latin typeface="Calibri" panose="020F0502020204030204" pitchFamily="34" charset="0"/>
+                      </a:endParaRPr>
+                    </a:p>
+                  </a:txBody>
+                  <a:tcPr marL="9525" marR="9525" marT="9525" marB="0" anchor="b"/>
+                </a:tc>
+                <a:tc>
+                  <a:txBody>
+                    <a:bodyPr/>
+                    <a:lstStyle/>
+                    <a:p>
+                      <a:pPr algn="r" fontAlgn="b"/>
+                      <a:r>
+                        <a:rPr lang="en-US" sz="1100" u="none" strike="noStrike">
+                          <a:effectLst/>
+                        </a:rPr>
+                        <a:t>0.00098</a:t>
+                      </a:r>
+                      <a:endParaRPr lang="en-US" sz="1100" b="0" i="0" u="none" strike="noStrike">
+                        <a:solidFill>
+                          <a:srgbClr val="000000"/>
+                        </a:solidFill>
+                        <a:effectLst/>
+                        <a:latin typeface="Calibri" panose="020F0502020204030204" pitchFamily="34" charset="0"/>
+                      </a:endParaRPr>
+                    </a:p>
+                  </a:txBody>
+                  <a:tcPr marL="9525" marR="9525" marT="9525" marB="0" anchor="b"/>
+                </a:tc>
+                <a:extLst>
+                  <a:ext uri="{0D108BD9-81ED-4DB2-BD59-A6C34878D82A}">
+                    <a16:rowId xmlns:a16="http://schemas.microsoft.com/office/drawing/2014/main" val="1580772414"/>
+                  </a:ext>
+                </a:extLst>
+              </a:tr>
+              <a:tr h="478294">
+                <a:tc>
+                  <a:txBody>
+                    <a:bodyPr/>
+                    <a:lstStyle/>
+                    <a:p>
+                      <a:pPr algn="l" fontAlgn="b"/>
+                      <a:r>
+                        <a:rPr lang="en-US" sz="1100" u="none" strike="noStrike">
+                          <a:effectLst/>
+                        </a:rPr>
+                        <a:t>Cumulative Proportion</a:t>
+                      </a:r>
+                      <a:endParaRPr lang="en-US" sz="1100" b="0" i="0" u="none" strike="noStrike">
+                        <a:solidFill>
+                          <a:srgbClr val="000000"/>
+                        </a:solidFill>
+                        <a:effectLst/>
+                        <a:latin typeface="Calibri" panose="020F0502020204030204" pitchFamily="34" charset="0"/>
+                      </a:endParaRPr>
+                    </a:p>
+                  </a:txBody>
+                  <a:tcPr marL="9525" marR="9525" marT="9525" marB="0" anchor="b"/>
+                </a:tc>
+                <a:tc>
+                  <a:txBody>
+                    <a:bodyPr/>
+                    <a:lstStyle/>
+                    <a:p>
+                      <a:pPr algn="r" fontAlgn="b"/>
+                      <a:r>
+                        <a:rPr lang="en-US" sz="1100" u="none" strike="noStrike">
+                          <a:effectLst/>
+                        </a:rPr>
+                        <a:t>0.3541</a:t>
+                      </a:r>
+                      <a:endParaRPr lang="en-US" sz="1100" b="0" i="0" u="none" strike="noStrike">
+                        <a:solidFill>
+                          <a:srgbClr val="000000"/>
+                        </a:solidFill>
+                        <a:effectLst/>
+                        <a:latin typeface="Calibri" panose="020F0502020204030204" pitchFamily="34" charset="0"/>
+                      </a:endParaRPr>
+                    </a:p>
+                  </a:txBody>
+                  <a:tcPr marL="9525" marR="9525" marT="9525" marB="0" anchor="b"/>
+                </a:tc>
+                <a:tc>
+                  <a:txBody>
+                    <a:bodyPr/>
+                    <a:lstStyle/>
+                    <a:p>
+                      <a:pPr algn="r" fontAlgn="b"/>
+                      <a:r>
+                        <a:rPr lang="en-US" sz="1100" u="none" strike="noStrike">
+                          <a:effectLst/>
+                        </a:rPr>
+                        <a:t>0.538</a:t>
+                      </a:r>
+                      <a:endParaRPr lang="en-US" sz="1100" b="0" i="0" u="none" strike="noStrike">
+                        <a:solidFill>
+                          <a:srgbClr val="000000"/>
+                        </a:solidFill>
+                        <a:effectLst/>
+                        <a:latin typeface="Calibri" panose="020F0502020204030204" pitchFamily="34" charset="0"/>
+                      </a:endParaRPr>
+                    </a:p>
+                  </a:txBody>
+                  <a:tcPr marL="9525" marR="9525" marT="9525" marB="0" anchor="b"/>
+                </a:tc>
+                <a:tc>
+                  <a:txBody>
+                    <a:bodyPr/>
+                    <a:lstStyle/>
+                    <a:p>
+                      <a:pPr algn="r" fontAlgn="b"/>
+                      <a:r>
+                        <a:rPr lang="en-US" sz="1100" u="none" strike="noStrike">
+                          <a:effectLst/>
+                        </a:rPr>
+                        <a:t>0.6798</a:t>
+                      </a:r>
+                      <a:endParaRPr lang="en-US" sz="1100" b="0" i="0" u="none" strike="noStrike">
+                        <a:solidFill>
+                          <a:srgbClr val="000000"/>
+                        </a:solidFill>
+                        <a:effectLst/>
+                        <a:latin typeface="Calibri" panose="020F0502020204030204" pitchFamily="34" charset="0"/>
+                      </a:endParaRPr>
+                    </a:p>
+                  </a:txBody>
+                  <a:tcPr marL="9525" marR="9525" marT="9525" marB="0" anchor="b"/>
+                </a:tc>
+                <a:tc>
+                  <a:txBody>
+                    <a:bodyPr/>
+                    <a:lstStyle/>
+                    <a:p>
+                      <a:pPr algn="r" fontAlgn="b"/>
+                      <a:r>
+                        <a:rPr lang="en-US" sz="1100" u="none" strike="noStrike">
+                          <a:effectLst/>
+                        </a:rPr>
+                        <a:t>0.77859</a:t>
+                      </a:r>
+                      <a:endParaRPr lang="en-US" sz="1100" b="0" i="0" u="none" strike="noStrike">
+                        <a:solidFill>
+                          <a:srgbClr val="000000"/>
+                        </a:solidFill>
+                        <a:effectLst/>
+                        <a:latin typeface="Calibri" panose="020F0502020204030204" pitchFamily="34" charset="0"/>
+                      </a:endParaRPr>
+                    </a:p>
+                  </a:txBody>
+                  <a:tcPr marL="9525" marR="9525" marT="9525" marB="0" anchor="b"/>
+                </a:tc>
+                <a:tc>
+                  <a:txBody>
+                    <a:bodyPr/>
+                    <a:lstStyle/>
+                    <a:p>
+                      <a:pPr algn="r" fontAlgn="b"/>
+                      <a:r>
+                        <a:rPr lang="en-US" sz="1100" u="none" strike="noStrike">
+                          <a:effectLst/>
+                        </a:rPr>
+                        <a:t>0.8555</a:t>
+                      </a:r>
+                      <a:endParaRPr lang="en-US" sz="1100" b="0" i="0" u="none" strike="noStrike">
+                        <a:solidFill>
+                          <a:srgbClr val="000000"/>
+                        </a:solidFill>
+                        <a:effectLst/>
+                        <a:latin typeface="Calibri" panose="020F0502020204030204" pitchFamily="34" charset="0"/>
+                      </a:endParaRPr>
+                    </a:p>
+                  </a:txBody>
+                  <a:tcPr marL="9525" marR="9525" marT="9525" marB="0" anchor="b"/>
+                </a:tc>
+                <a:tc>
+                  <a:txBody>
+                    <a:bodyPr/>
+                    <a:lstStyle/>
+                    <a:p>
+                      <a:pPr algn="r" fontAlgn="b"/>
+                      <a:r>
+                        <a:rPr lang="en-US" sz="1100" u="none" strike="noStrike">
+                          <a:effectLst/>
+                        </a:rPr>
+                        <a:t>0.9041</a:t>
+                      </a:r>
+                      <a:endParaRPr lang="en-US" sz="1100" b="0" i="0" u="none" strike="noStrike">
+                        <a:solidFill>
+                          <a:srgbClr val="000000"/>
+                        </a:solidFill>
+                        <a:effectLst/>
+                        <a:latin typeface="Calibri" panose="020F0502020204030204" pitchFamily="34" charset="0"/>
+                      </a:endParaRPr>
+                    </a:p>
+                  </a:txBody>
+                  <a:tcPr marL="9525" marR="9525" marT="9525" marB="0" anchor="b"/>
+                </a:tc>
+                <a:tc>
+                  <a:txBody>
+                    <a:bodyPr/>
+                    <a:lstStyle/>
+                    <a:p>
+                      <a:pPr algn="r" fontAlgn="b"/>
+                      <a:r>
+                        <a:rPr lang="en-US" sz="1100" u="none" strike="noStrike">
+                          <a:effectLst/>
+                        </a:rPr>
+                        <a:t>0.94598</a:t>
+                      </a:r>
+                      <a:endParaRPr lang="en-US" sz="1100" b="0" i="0" u="none" strike="noStrike">
+                        <a:solidFill>
+                          <a:srgbClr val="000000"/>
+                        </a:solidFill>
+                        <a:effectLst/>
+                        <a:latin typeface="Calibri" panose="020F0502020204030204" pitchFamily="34" charset="0"/>
+                      </a:endParaRPr>
+                    </a:p>
+                  </a:txBody>
+                  <a:tcPr marL="9525" marR="9525" marT="9525" marB="0" anchor="b"/>
+                </a:tc>
+                <a:tc>
+                  <a:txBody>
+                    <a:bodyPr/>
+                    <a:lstStyle/>
+                    <a:p>
+                      <a:pPr algn="r" fontAlgn="b"/>
+                      <a:r>
+                        <a:rPr lang="en-US" sz="1100" u="none" strike="noStrike">
+                          <a:effectLst/>
+                        </a:rPr>
+                        <a:t>0.97557</a:t>
+                      </a:r>
+                      <a:endParaRPr lang="en-US" sz="1100" b="0" i="0" u="none" strike="noStrike">
+                        <a:solidFill>
+                          <a:srgbClr val="000000"/>
+                        </a:solidFill>
+                        <a:effectLst/>
+                        <a:latin typeface="Calibri" panose="020F0502020204030204" pitchFamily="34" charset="0"/>
+                      </a:endParaRPr>
+                    </a:p>
+                  </a:txBody>
+                  <a:tcPr marL="9525" marR="9525" marT="9525" marB="0" anchor="b"/>
+                </a:tc>
+                <a:tc>
+                  <a:txBody>
+                    <a:bodyPr/>
+                    <a:lstStyle/>
+                    <a:p>
+                      <a:pPr algn="r" fontAlgn="b"/>
+                      <a:r>
+                        <a:rPr lang="en-US" sz="1100" u="none" strike="noStrike">
+                          <a:effectLst/>
+                        </a:rPr>
+                        <a:t>0.99475</a:t>
+                      </a:r>
+                      <a:endParaRPr lang="en-US" sz="1100" b="0" i="0" u="none" strike="noStrike">
+                        <a:solidFill>
+                          <a:srgbClr val="000000"/>
+                        </a:solidFill>
+                        <a:effectLst/>
+                        <a:latin typeface="Calibri" panose="020F0502020204030204" pitchFamily="34" charset="0"/>
+                      </a:endParaRPr>
+                    </a:p>
+                  </a:txBody>
+                  <a:tcPr marL="9525" marR="9525" marT="9525" marB="0" anchor="b"/>
+                </a:tc>
+                <a:tc>
+                  <a:txBody>
+                    <a:bodyPr/>
+                    <a:lstStyle/>
+                    <a:p>
+                      <a:pPr algn="r" fontAlgn="b"/>
+                      <a:r>
+                        <a:rPr lang="en-US" sz="1100" u="none" strike="noStrike">
+                          <a:effectLst/>
+                        </a:rPr>
+                        <a:t>0.99902</a:t>
+                      </a:r>
+                      <a:endParaRPr lang="en-US" sz="1100" b="0" i="0" u="none" strike="noStrike">
+                        <a:solidFill>
+                          <a:srgbClr val="000000"/>
+                        </a:solidFill>
+                        <a:effectLst/>
+                        <a:latin typeface="Calibri" panose="020F0502020204030204" pitchFamily="34" charset="0"/>
+                      </a:endParaRPr>
+                    </a:p>
+                  </a:txBody>
+                  <a:tcPr marL="9525" marR="9525" marT="9525" marB="0" anchor="b"/>
+                </a:tc>
+                <a:tc>
+                  <a:txBody>
+                    <a:bodyPr/>
+                    <a:lstStyle/>
+                    <a:p>
+                      <a:pPr algn="r" fontAlgn="b"/>
+                      <a:r>
+                        <a:rPr lang="en-US" sz="1100" u="none" strike="noStrike" dirty="0">
+                          <a:effectLst/>
+                        </a:rPr>
+                        <a:t>1</a:t>
+                      </a:r>
+                      <a:endParaRPr lang="en-US" sz="1100" b="0" i="0" u="none" strike="noStrike" dirty="0">
+                        <a:solidFill>
+                          <a:srgbClr val="000000"/>
+                        </a:solidFill>
+                        <a:effectLst/>
+                        <a:latin typeface="Calibri" panose="020F0502020204030204" pitchFamily="34" charset="0"/>
+                      </a:endParaRPr>
+                    </a:p>
+                  </a:txBody>
+                  <a:tcPr marL="9525" marR="9525" marT="9525" marB="0" anchor="b"/>
+                </a:tc>
+                <a:extLst>
+                  <a:ext uri="{0D108BD9-81ED-4DB2-BD59-A6C34878D82A}">
+                    <a16:rowId xmlns:a16="http://schemas.microsoft.com/office/drawing/2014/main" val="2076691500"/>
+                  </a:ext>
+                </a:extLst>
+              </a:tr>
+            </a:tbl>
+          </a:graphicData>
+        </a:graphic>
+      </p:graphicFrame>
+      <p:pic>
+        <p:nvPicPr>
+          <p:cNvPr id="11" name="Picture 10"/>
+          <p:cNvPicPr>
+            <a:picLocks noChangeAspect="1"/>
+          </p:cNvPicPr>
+          <p:nvPr/>
+        </p:nvPicPr>
+        <p:blipFill>
+          <a:blip r:embed="rId2">
+            <a:extLst>
+              <a:ext uri="{28A0092B-C50C-407E-A947-70E740481C1C}">
+                <a14:useLocalDpi xmlns:a14="http://schemas.microsoft.com/office/drawing/2010/main" val="0"/>
+              </a:ext>
+            </a:extLst>
+          </a:blip>
+          <a:stretch>
+            <a:fillRect/>
+          </a:stretch>
+        </p:blipFill>
+        <p:spPr>
+          <a:xfrm>
+            <a:off x="635258" y="1209669"/>
+            <a:ext cx="4665611" cy="3714799"/>
+          </a:xfrm>
+          <a:prstGeom prst="rect">
+            <a:avLst/>
+          </a:prstGeom>
+        </p:spPr>
+      </p:pic>
+      <p:graphicFrame>
+        <p:nvGraphicFramePr>
+          <p:cNvPr id="13" name="Table 12"/>
+          <p:cNvGraphicFramePr>
+            <a:graphicFrameLocks noGrp="1"/>
+          </p:cNvGraphicFramePr>
+          <p:nvPr>
+            <p:extLst>
+              <p:ext uri="{D42A27DB-BD31-4B8C-83A1-F6EECF244321}">
+                <p14:modId xmlns:p14="http://schemas.microsoft.com/office/powerpoint/2010/main" val="3151094410"/>
+              </p:ext>
+            </p:extLst>
+          </p:nvPr>
+        </p:nvGraphicFramePr>
+        <p:xfrm>
+          <a:off x="7775161" y="1690727"/>
+          <a:ext cx="3479800" cy="2286000"/>
+        </p:xfrm>
+        <a:graphic>
+          <a:graphicData uri="http://schemas.openxmlformats.org/drawingml/2006/table">
+            <a:tbl>
+              <a:tblPr>
+                <a:tableStyleId>{5C22544A-7EE6-4342-B048-85BDC9FD1C3A}</a:tableStyleId>
+              </a:tblPr>
+              <a:tblGrid>
+                <a:gridCol w="2869643">
+                  <a:extLst>
+                    <a:ext uri="{9D8B030D-6E8A-4147-A177-3AD203B41FA5}">
+                      <a16:colId xmlns:a16="http://schemas.microsoft.com/office/drawing/2014/main" val="1669926983"/>
+                    </a:ext>
+                  </a:extLst>
+                </a:gridCol>
+                <a:gridCol w="610157">
+                  <a:extLst>
+                    <a:ext uri="{9D8B030D-6E8A-4147-A177-3AD203B41FA5}">
+                      <a16:colId xmlns:a16="http://schemas.microsoft.com/office/drawing/2014/main" val="1168189255"/>
+                    </a:ext>
+                  </a:extLst>
+                </a:gridCol>
+              </a:tblGrid>
+              <a:tr h="190500">
+                <a:tc gridSpan="2">
+                  <a:txBody>
+                    <a:bodyPr/>
+                    <a:lstStyle/>
+                    <a:p>
+                      <a:pPr algn="ctr" fontAlgn="b"/>
+                      <a:r>
+                        <a:rPr lang="en-US" sz="1100" u="none" strike="noStrike">
+                          <a:effectLst/>
+                        </a:rPr>
+                        <a:t>Principal Component 1</a:t>
+                      </a:r>
+                      <a:endParaRPr lang="en-US" sz="1100" b="0" i="0" u="none" strike="noStrike">
+                        <a:solidFill>
+                          <a:srgbClr val="000000"/>
+                        </a:solidFill>
+                        <a:effectLst/>
+                        <a:latin typeface="Calibri" panose="020F0502020204030204" pitchFamily="34" charset="0"/>
+                      </a:endParaRPr>
+                    </a:p>
+                  </a:txBody>
+                  <a:tcPr marL="9525" marR="9525" marT="9525" marB="0" anchor="b"/>
+                </a:tc>
+                <a:tc hMerge="1">
+                  <a:txBody>
+                    <a:bodyPr/>
+                    <a:lstStyle/>
+                    <a:p>
+                      <a:endParaRPr lang="en-US"/>
+                    </a:p>
+                  </a:txBody>
+                  <a:tcPr/>
+                </a:tc>
+                <a:extLst>
+                  <a:ext uri="{0D108BD9-81ED-4DB2-BD59-A6C34878D82A}">
+                    <a16:rowId xmlns:a16="http://schemas.microsoft.com/office/drawing/2014/main" val="1002872497"/>
+                  </a:ext>
+                </a:extLst>
+              </a:tr>
+              <a:tr h="190500">
+                <a:tc>
+                  <a:txBody>
+                    <a:bodyPr/>
+                    <a:lstStyle/>
+                    <a:p>
+                      <a:pPr algn="l" fontAlgn="b"/>
+                      <a:r>
+                        <a:rPr lang="en-US" sz="1100" u="none" strike="noStrike">
+                          <a:effectLst/>
+                        </a:rPr>
+                        <a:t>A_follower_count - B_follower_count     </a:t>
+                      </a:r>
+                      <a:endParaRPr lang="en-US" sz="1100" b="0" i="0" u="none" strike="noStrike">
+                        <a:solidFill>
+                          <a:srgbClr val="000000"/>
+                        </a:solidFill>
+                        <a:effectLst/>
+                        <a:latin typeface="Calibri" panose="020F0502020204030204" pitchFamily="34" charset="0"/>
+                      </a:endParaRPr>
+                    </a:p>
+                  </a:txBody>
+                  <a:tcPr marL="9525" marR="9525" marT="9525" marB="0" anchor="b"/>
+                </a:tc>
+                <a:tc>
+                  <a:txBody>
+                    <a:bodyPr/>
+                    <a:lstStyle/>
+                    <a:p>
+                      <a:pPr algn="r" fontAlgn="b"/>
+                      <a:r>
+                        <a:rPr lang="en-US" sz="1100" u="none" strike="noStrike">
+                          <a:effectLst/>
+                        </a:rPr>
+                        <a:t>-0.35497</a:t>
+                      </a:r>
+                      <a:endParaRPr lang="en-US" sz="1100" b="0" i="0" u="none" strike="noStrike">
+                        <a:solidFill>
+                          <a:srgbClr val="000000"/>
+                        </a:solidFill>
+                        <a:effectLst/>
+                        <a:latin typeface="Calibri" panose="020F0502020204030204" pitchFamily="34" charset="0"/>
+                      </a:endParaRPr>
+                    </a:p>
+                  </a:txBody>
+                  <a:tcPr marL="9525" marR="9525" marT="9525" marB="0" anchor="b"/>
+                </a:tc>
+                <a:extLst>
+                  <a:ext uri="{0D108BD9-81ED-4DB2-BD59-A6C34878D82A}">
+                    <a16:rowId xmlns:a16="http://schemas.microsoft.com/office/drawing/2014/main" val="3595921049"/>
+                  </a:ext>
+                </a:extLst>
+              </a:tr>
+              <a:tr h="190500">
+                <a:tc>
+                  <a:txBody>
+                    <a:bodyPr/>
+                    <a:lstStyle/>
+                    <a:p>
+                      <a:pPr algn="l" fontAlgn="b"/>
+                      <a:r>
+                        <a:rPr lang="en-US" sz="1100" u="none" strike="noStrike">
+                          <a:effectLst/>
+                        </a:rPr>
+                        <a:t>A_following_count - B_following_count    </a:t>
+                      </a:r>
+                      <a:endParaRPr lang="en-US" sz="1100" b="0" i="0" u="none" strike="noStrike">
+                        <a:solidFill>
+                          <a:srgbClr val="000000"/>
+                        </a:solidFill>
+                        <a:effectLst/>
+                        <a:latin typeface="Calibri" panose="020F0502020204030204" pitchFamily="34" charset="0"/>
+                      </a:endParaRPr>
+                    </a:p>
+                  </a:txBody>
+                  <a:tcPr marL="9525" marR="9525" marT="9525" marB="0" anchor="b"/>
+                </a:tc>
+                <a:tc>
+                  <a:txBody>
+                    <a:bodyPr/>
+                    <a:lstStyle/>
+                    <a:p>
+                      <a:pPr algn="r" fontAlgn="b"/>
+                      <a:r>
+                        <a:rPr lang="en-US" sz="1100" u="none" strike="noStrike">
+                          <a:effectLst/>
+                        </a:rPr>
+                        <a:t>-0.06158</a:t>
+                      </a:r>
+                      <a:endParaRPr lang="en-US" sz="1100" b="0" i="0" u="none" strike="noStrike">
+                        <a:solidFill>
+                          <a:srgbClr val="000000"/>
+                        </a:solidFill>
+                        <a:effectLst/>
+                        <a:latin typeface="Calibri" panose="020F0502020204030204" pitchFamily="34" charset="0"/>
+                      </a:endParaRPr>
+                    </a:p>
+                  </a:txBody>
+                  <a:tcPr marL="9525" marR="9525" marT="9525" marB="0" anchor="b"/>
+                </a:tc>
+                <a:extLst>
+                  <a:ext uri="{0D108BD9-81ED-4DB2-BD59-A6C34878D82A}">
+                    <a16:rowId xmlns:a16="http://schemas.microsoft.com/office/drawing/2014/main" val="1130607730"/>
+                  </a:ext>
+                </a:extLst>
+              </a:tr>
+              <a:tr h="190500">
+                <a:tc>
+                  <a:txBody>
+                    <a:bodyPr/>
+                    <a:lstStyle/>
+                    <a:p>
+                      <a:pPr algn="l" fontAlgn="b"/>
+                      <a:r>
+                        <a:rPr lang="en-US" sz="1100" u="none" strike="noStrike">
+                          <a:effectLst/>
+                        </a:rPr>
+                        <a:t>A_listed_count - B_listed_count         </a:t>
+                      </a:r>
+                      <a:endParaRPr lang="en-US" sz="1100" b="0" i="0" u="none" strike="noStrike">
+                        <a:solidFill>
+                          <a:srgbClr val="000000"/>
+                        </a:solidFill>
+                        <a:effectLst/>
+                        <a:latin typeface="Calibri" panose="020F0502020204030204" pitchFamily="34" charset="0"/>
+                      </a:endParaRPr>
+                    </a:p>
+                  </a:txBody>
+                  <a:tcPr marL="9525" marR="9525" marT="9525" marB="0" anchor="b"/>
+                </a:tc>
+                <a:tc>
+                  <a:txBody>
+                    <a:bodyPr/>
+                    <a:lstStyle/>
+                    <a:p>
+                      <a:pPr algn="r" fontAlgn="b"/>
+                      <a:r>
+                        <a:rPr lang="en-US" sz="1100" u="none" strike="noStrike">
+                          <a:effectLst/>
+                        </a:rPr>
+                        <a:t>-0.43547</a:t>
+                      </a:r>
+                      <a:endParaRPr lang="en-US" sz="1100" b="0" i="0" u="none" strike="noStrike">
+                        <a:solidFill>
+                          <a:srgbClr val="000000"/>
+                        </a:solidFill>
+                        <a:effectLst/>
+                        <a:latin typeface="Calibri" panose="020F0502020204030204" pitchFamily="34" charset="0"/>
+                      </a:endParaRPr>
+                    </a:p>
+                  </a:txBody>
+                  <a:tcPr marL="9525" marR="9525" marT="9525" marB="0" anchor="b"/>
+                </a:tc>
+                <a:extLst>
+                  <a:ext uri="{0D108BD9-81ED-4DB2-BD59-A6C34878D82A}">
+                    <a16:rowId xmlns:a16="http://schemas.microsoft.com/office/drawing/2014/main" val="1648014388"/>
+                  </a:ext>
+                </a:extLst>
+              </a:tr>
+              <a:tr h="190500">
+                <a:tc>
+                  <a:txBody>
+                    <a:bodyPr/>
+                    <a:lstStyle/>
+                    <a:p>
+                      <a:pPr algn="l" fontAlgn="b"/>
+                      <a:r>
+                        <a:rPr lang="en-US" sz="1100" u="none" strike="noStrike">
+                          <a:effectLst/>
+                        </a:rPr>
+                        <a:t>A_mentions_received - B_mentions_received </a:t>
+                      </a:r>
+                      <a:endParaRPr lang="en-US" sz="1100" b="0" i="0" u="none" strike="noStrike">
+                        <a:solidFill>
+                          <a:srgbClr val="000000"/>
+                        </a:solidFill>
+                        <a:effectLst/>
+                        <a:latin typeface="Calibri" panose="020F0502020204030204" pitchFamily="34" charset="0"/>
+                      </a:endParaRPr>
+                    </a:p>
+                  </a:txBody>
+                  <a:tcPr marL="9525" marR="9525" marT="9525" marB="0" anchor="b"/>
+                </a:tc>
+                <a:tc>
+                  <a:txBody>
+                    <a:bodyPr/>
+                    <a:lstStyle/>
+                    <a:p>
+                      <a:pPr algn="r" fontAlgn="b"/>
+                      <a:r>
+                        <a:rPr lang="en-US" sz="1100" u="none" strike="noStrike">
+                          <a:effectLst/>
+                        </a:rPr>
+                        <a:t>-0.46721</a:t>
+                      </a:r>
+                      <a:endParaRPr lang="en-US" sz="1100" b="0" i="0" u="none" strike="noStrike">
+                        <a:solidFill>
+                          <a:srgbClr val="000000"/>
+                        </a:solidFill>
+                        <a:effectLst/>
+                        <a:latin typeface="Calibri" panose="020F0502020204030204" pitchFamily="34" charset="0"/>
+                      </a:endParaRPr>
+                    </a:p>
+                  </a:txBody>
+                  <a:tcPr marL="9525" marR="9525" marT="9525" marB="0" anchor="b"/>
+                </a:tc>
+                <a:extLst>
+                  <a:ext uri="{0D108BD9-81ED-4DB2-BD59-A6C34878D82A}">
+                    <a16:rowId xmlns:a16="http://schemas.microsoft.com/office/drawing/2014/main" val="1356796437"/>
+                  </a:ext>
+                </a:extLst>
+              </a:tr>
+              <a:tr h="190500">
+                <a:tc>
+                  <a:txBody>
+                    <a:bodyPr/>
+                    <a:lstStyle/>
+                    <a:p>
+                      <a:pPr algn="l" fontAlgn="b"/>
+                      <a:r>
+                        <a:rPr lang="en-US" sz="1100" u="none" strike="noStrike">
+                          <a:effectLst/>
+                        </a:rPr>
+                        <a:t>A_retweets_received - B_retweets_received </a:t>
+                      </a:r>
+                      <a:endParaRPr lang="en-US" sz="1100" b="0" i="0" u="none" strike="noStrike">
+                        <a:solidFill>
+                          <a:srgbClr val="000000"/>
+                        </a:solidFill>
+                        <a:effectLst/>
+                        <a:latin typeface="Calibri" panose="020F0502020204030204" pitchFamily="34" charset="0"/>
+                      </a:endParaRPr>
+                    </a:p>
+                  </a:txBody>
+                  <a:tcPr marL="9525" marR="9525" marT="9525" marB="0" anchor="b"/>
+                </a:tc>
+                <a:tc>
+                  <a:txBody>
+                    <a:bodyPr/>
+                    <a:lstStyle/>
+                    <a:p>
+                      <a:pPr algn="r" fontAlgn="b"/>
+                      <a:r>
+                        <a:rPr lang="en-US" sz="1100" u="none" strike="noStrike">
+                          <a:effectLst/>
+                        </a:rPr>
+                        <a:t>-0.46998</a:t>
+                      </a:r>
+                      <a:endParaRPr lang="en-US" sz="1100" b="0" i="0" u="none" strike="noStrike">
+                        <a:solidFill>
+                          <a:srgbClr val="000000"/>
+                        </a:solidFill>
+                        <a:effectLst/>
+                        <a:latin typeface="Calibri" panose="020F0502020204030204" pitchFamily="34" charset="0"/>
+                      </a:endParaRPr>
+                    </a:p>
+                  </a:txBody>
+                  <a:tcPr marL="9525" marR="9525" marT="9525" marB="0" anchor="b"/>
+                </a:tc>
+                <a:extLst>
+                  <a:ext uri="{0D108BD9-81ED-4DB2-BD59-A6C34878D82A}">
+                    <a16:rowId xmlns:a16="http://schemas.microsoft.com/office/drawing/2014/main" val="663831108"/>
+                  </a:ext>
+                </a:extLst>
+              </a:tr>
+              <a:tr h="190500">
+                <a:tc>
+                  <a:txBody>
+                    <a:bodyPr/>
+                    <a:lstStyle/>
+                    <a:p>
+                      <a:pPr algn="l" fontAlgn="b"/>
+                      <a:r>
+                        <a:rPr lang="fr-FR" sz="1100" u="none" strike="noStrike">
+                          <a:effectLst/>
+                        </a:rPr>
+                        <a:t>A_mentions_sent - B_mentions_sent         </a:t>
+                      </a:r>
+                      <a:endParaRPr lang="fr-FR" sz="1100" b="0" i="0" u="none" strike="noStrike">
+                        <a:solidFill>
+                          <a:srgbClr val="000000"/>
+                        </a:solidFill>
+                        <a:effectLst/>
+                        <a:latin typeface="Calibri" panose="020F0502020204030204" pitchFamily="34" charset="0"/>
+                      </a:endParaRPr>
+                    </a:p>
+                  </a:txBody>
+                  <a:tcPr marL="9525" marR="9525" marT="9525" marB="0" anchor="b"/>
+                </a:tc>
+                <a:tc>
+                  <a:txBody>
+                    <a:bodyPr/>
+                    <a:lstStyle/>
+                    <a:p>
+                      <a:pPr algn="r" fontAlgn="b"/>
+                      <a:r>
+                        <a:rPr lang="en-US" sz="1100" u="none" strike="noStrike">
+                          <a:effectLst/>
+                        </a:rPr>
+                        <a:t>-0.05578</a:t>
+                      </a:r>
+                      <a:endParaRPr lang="en-US" sz="1100" b="0" i="0" u="none" strike="noStrike">
+                        <a:solidFill>
+                          <a:srgbClr val="000000"/>
+                        </a:solidFill>
+                        <a:effectLst/>
+                        <a:latin typeface="Calibri" panose="020F0502020204030204" pitchFamily="34" charset="0"/>
+                      </a:endParaRPr>
+                    </a:p>
+                  </a:txBody>
+                  <a:tcPr marL="9525" marR="9525" marT="9525" marB="0" anchor="b"/>
+                </a:tc>
+                <a:extLst>
+                  <a:ext uri="{0D108BD9-81ED-4DB2-BD59-A6C34878D82A}">
+                    <a16:rowId xmlns:a16="http://schemas.microsoft.com/office/drawing/2014/main" val="4037308411"/>
+                  </a:ext>
+                </a:extLst>
+              </a:tr>
+              <a:tr h="190500">
+                <a:tc>
+                  <a:txBody>
+                    <a:bodyPr/>
+                    <a:lstStyle/>
+                    <a:p>
+                      <a:pPr algn="l" fontAlgn="b"/>
+                      <a:r>
+                        <a:rPr lang="en-US" sz="1100" u="none" strike="noStrike">
+                          <a:effectLst/>
+                        </a:rPr>
+                        <a:t>A_retweets_sent - B_retweets_sent         </a:t>
+                      </a:r>
+                      <a:endParaRPr lang="en-US" sz="1100" b="0" i="0" u="none" strike="noStrike">
+                        <a:solidFill>
+                          <a:srgbClr val="000000"/>
+                        </a:solidFill>
+                        <a:effectLst/>
+                        <a:latin typeface="Calibri" panose="020F0502020204030204" pitchFamily="34" charset="0"/>
+                      </a:endParaRPr>
+                    </a:p>
+                  </a:txBody>
+                  <a:tcPr marL="9525" marR="9525" marT="9525" marB="0" anchor="b"/>
+                </a:tc>
+                <a:tc>
+                  <a:txBody>
+                    <a:bodyPr/>
+                    <a:lstStyle/>
+                    <a:p>
+                      <a:pPr algn="r" fontAlgn="b"/>
+                      <a:r>
+                        <a:rPr lang="en-US" sz="1100" u="none" strike="noStrike">
+                          <a:effectLst/>
+                        </a:rPr>
+                        <a:t>-0.07444</a:t>
+                      </a:r>
+                      <a:endParaRPr lang="en-US" sz="1100" b="0" i="0" u="none" strike="noStrike">
+                        <a:solidFill>
+                          <a:srgbClr val="000000"/>
+                        </a:solidFill>
+                        <a:effectLst/>
+                        <a:latin typeface="Calibri" panose="020F0502020204030204" pitchFamily="34" charset="0"/>
+                      </a:endParaRPr>
+                    </a:p>
+                  </a:txBody>
+                  <a:tcPr marL="9525" marR="9525" marT="9525" marB="0" anchor="b"/>
+                </a:tc>
+                <a:extLst>
+                  <a:ext uri="{0D108BD9-81ED-4DB2-BD59-A6C34878D82A}">
+                    <a16:rowId xmlns:a16="http://schemas.microsoft.com/office/drawing/2014/main" val="840951667"/>
+                  </a:ext>
+                </a:extLst>
+              </a:tr>
+              <a:tr h="190500">
+                <a:tc>
+                  <a:txBody>
+                    <a:bodyPr/>
+                    <a:lstStyle/>
+                    <a:p>
+                      <a:pPr algn="l" fontAlgn="b"/>
+                      <a:r>
+                        <a:rPr lang="en-US" sz="1100" u="none" strike="noStrike">
+                          <a:effectLst/>
+                        </a:rPr>
+                        <a:t>A_posts - B_posts                         </a:t>
+                      </a:r>
+                      <a:endParaRPr lang="en-US" sz="1100" b="0" i="0" u="none" strike="noStrike">
+                        <a:solidFill>
+                          <a:srgbClr val="000000"/>
+                        </a:solidFill>
+                        <a:effectLst/>
+                        <a:latin typeface="Calibri" panose="020F0502020204030204" pitchFamily="34" charset="0"/>
+                      </a:endParaRPr>
+                    </a:p>
+                  </a:txBody>
+                  <a:tcPr marL="9525" marR="9525" marT="9525" marB="0" anchor="b"/>
+                </a:tc>
+                <a:tc>
+                  <a:txBody>
+                    <a:bodyPr/>
+                    <a:lstStyle/>
+                    <a:p>
+                      <a:pPr algn="r" fontAlgn="b"/>
+                      <a:r>
+                        <a:rPr lang="en-US" sz="1100" u="none" strike="noStrike">
+                          <a:effectLst/>
+                        </a:rPr>
+                        <a:t>-0.06964</a:t>
+                      </a:r>
+                      <a:endParaRPr lang="en-US" sz="1100" b="0" i="0" u="none" strike="noStrike">
+                        <a:solidFill>
+                          <a:srgbClr val="000000"/>
+                        </a:solidFill>
+                        <a:effectLst/>
+                        <a:latin typeface="Calibri" panose="020F0502020204030204" pitchFamily="34" charset="0"/>
+                      </a:endParaRPr>
+                    </a:p>
+                  </a:txBody>
+                  <a:tcPr marL="9525" marR="9525" marT="9525" marB="0" anchor="b"/>
+                </a:tc>
+                <a:extLst>
+                  <a:ext uri="{0D108BD9-81ED-4DB2-BD59-A6C34878D82A}">
+                    <a16:rowId xmlns:a16="http://schemas.microsoft.com/office/drawing/2014/main" val="1230467493"/>
+                  </a:ext>
+                </a:extLst>
+              </a:tr>
+              <a:tr h="190500">
+                <a:tc>
+                  <a:txBody>
+                    <a:bodyPr/>
+                    <a:lstStyle/>
+                    <a:p>
+                      <a:pPr algn="l" fontAlgn="b"/>
+                      <a:r>
+                        <a:rPr lang="en-US" sz="1100" u="none" strike="noStrike">
+                          <a:effectLst/>
+                        </a:rPr>
+                        <a:t>A_network_feature_1 - B_network_feature_1</a:t>
+                      </a:r>
+                      <a:endParaRPr lang="en-US" sz="1100" b="0" i="0" u="none" strike="noStrike">
+                        <a:solidFill>
+                          <a:srgbClr val="000000"/>
+                        </a:solidFill>
+                        <a:effectLst/>
+                        <a:latin typeface="Calibri" panose="020F0502020204030204" pitchFamily="34" charset="0"/>
+                      </a:endParaRPr>
+                    </a:p>
+                  </a:txBody>
+                  <a:tcPr marL="9525" marR="9525" marT="9525" marB="0" anchor="b"/>
+                </a:tc>
+                <a:tc>
+                  <a:txBody>
+                    <a:bodyPr/>
+                    <a:lstStyle/>
+                    <a:p>
+                      <a:pPr algn="r" fontAlgn="b"/>
+                      <a:r>
+                        <a:rPr lang="en-US" sz="1100" u="none" strike="noStrike">
+                          <a:effectLst/>
+                        </a:rPr>
+                        <a:t>-0.47135</a:t>
+                      </a:r>
+                      <a:endParaRPr lang="en-US" sz="1100" b="0" i="0" u="none" strike="noStrike">
+                        <a:solidFill>
+                          <a:srgbClr val="000000"/>
+                        </a:solidFill>
+                        <a:effectLst/>
+                        <a:latin typeface="Calibri" panose="020F0502020204030204" pitchFamily="34" charset="0"/>
+                      </a:endParaRPr>
+                    </a:p>
+                  </a:txBody>
+                  <a:tcPr marL="9525" marR="9525" marT="9525" marB="0" anchor="b"/>
+                </a:tc>
+                <a:extLst>
+                  <a:ext uri="{0D108BD9-81ED-4DB2-BD59-A6C34878D82A}">
+                    <a16:rowId xmlns:a16="http://schemas.microsoft.com/office/drawing/2014/main" val="2018377402"/>
+                  </a:ext>
+                </a:extLst>
+              </a:tr>
+              <a:tr h="190500">
+                <a:tc>
+                  <a:txBody>
+                    <a:bodyPr/>
+                    <a:lstStyle/>
+                    <a:p>
+                      <a:pPr algn="l" fontAlgn="b"/>
+                      <a:r>
+                        <a:rPr lang="en-US" sz="1100" u="none" strike="noStrike">
+                          <a:effectLst/>
+                        </a:rPr>
+                        <a:t>A_network_feature_2 - B_network_feature_2  </a:t>
+                      </a:r>
+                      <a:endParaRPr lang="en-US" sz="1100" b="0" i="0" u="none" strike="noStrike">
+                        <a:solidFill>
+                          <a:srgbClr val="000000"/>
+                        </a:solidFill>
+                        <a:effectLst/>
+                        <a:latin typeface="Calibri" panose="020F0502020204030204" pitchFamily="34" charset="0"/>
+                      </a:endParaRPr>
+                    </a:p>
+                  </a:txBody>
+                  <a:tcPr marL="9525" marR="9525" marT="9525" marB="0" anchor="b"/>
+                </a:tc>
+                <a:tc>
+                  <a:txBody>
+                    <a:bodyPr/>
+                    <a:lstStyle/>
+                    <a:p>
+                      <a:pPr algn="r" fontAlgn="b"/>
+                      <a:r>
+                        <a:rPr lang="en-US" sz="1100" u="none" strike="noStrike">
+                          <a:effectLst/>
+                        </a:rPr>
+                        <a:t>0.063936</a:t>
+                      </a:r>
+                      <a:endParaRPr lang="en-US" sz="1100" b="0" i="0" u="none" strike="noStrike">
+                        <a:solidFill>
+                          <a:srgbClr val="000000"/>
+                        </a:solidFill>
+                        <a:effectLst/>
+                        <a:latin typeface="Calibri" panose="020F0502020204030204" pitchFamily="34" charset="0"/>
+                      </a:endParaRPr>
+                    </a:p>
+                  </a:txBody>
+                  <a:tcPr marL="9525" marR="9525" marT="9525" marB="0" anchor="b"/>
+                </a:tc>
+                <a:extLst>
+                  <a:ext uri="{0D108BD9-81ED-4DB2-BD59-A6C34878D82A}">
+                    <a16:rowId xmlns:a16="http://schemas.microsoft.com/office/drawing/2014/main" val="1983736381"/>
+                  </a:ext>
+                </a:extLst>
+              </a:tr>
+              <a:tr h="190500">
+                <a:tc>
+                  <a:txBody>
+                    <a:bodyPr/>
+                    <a:lstStyle/>
+                    <a:p>
+                      <a:pPr algn="l" fontAlgn="b"/>
+                      <a:r>
+                        <a:rPr lang="en-US" sz="1100" u="none" strike="noStrike">
+                          <a:effectLst/>
+                        </a:rPr>
+                        <a:t>A_network_feature_3 - B_network_feature_3  </a:t>
+                      </a:r>
+                      <a:endParaRPr lang="en-US" sz="1100" b="0" i="0" u="none" strike="noStrike">
+                        <a:solidFill>
+                          <a:srgbClr val="000000"/>
+                        </a:solidFill>
+                        <a:effectLst/>
+                        <a:latin typeface="Calibri" panose="020F0502020204030204" pitchFamily="34" charset="0"/>
+                      </a:endParaRPr>
+                    </a:p>
+                  </a:txBody>
+                  <a:tcPr marL="9525" marR="9525" marT="9525" marB="0" anchor="b"/>
+                </a:tc>
+                <a:tc>
+                  <a:txBody>
+                    <a:bodyPr/>
+                    <a:lstStyle/>
+                    <a:p>
+                      <a:pPr algn="r" fontAlgn="b"/>
+                      <a:r>
+                        <a:rPr lang="en-US" sz="1100" u="none" strike="noStrike" dirty="0">
+                          <a:effectLst/>
+                        </a:rPr>
+                        <a:t>0.040503</a:t>
+                      </a:r>
+                      <a:endParaRPr lang="en-US" sz="1100" b="0" i="0" u="none" strike="noStrike" dirty="0">
+                        <a:solidFill>
+                          <a:srgbClr val="000000"/>
+                        </a:solidFill>
+                        <a:effectLst/>
+                        <a:latin typeface="Calibri" panose="020F0502020204030204" pitchFamily="34" charset="0"/>
+                      </a:endParaRPr>
+                    </a:p>
+                  </a:txBody>
+                  <a:tcPr marL="9525" marR="9525" marT="9525" marB="0" anchor="b"/>
+                </a:tc>
+                <a:extLst>
+                  <a:ext uri="{0D108BD9-81ED-4DB2-BD59-A6C34878D82A}">
+                    <a16:rowId xmlns:a16="http://schemas.microsoft.com/office/drawing/2014/main" val="3910858239"/>
+                  </a:ext>
+                </a:extLst>
+              </a:tr>
+            </a:tbl>
+          </a:graphicData>
+        </a:graphic>
+      </p:graphicFrame>
     </p:spTree>
     <p:extLst>
       <p:ext uri="{BB962C8B-B14F-4D97-AF65-F5344CB8AC3E}">
@@ -4600,7 +8080,7 @@
       </p:grpSpPr>
       <p:sp>
         <p:nvSpPr>
-          <p:cNvPr id="2" name="Title 1"/>
+          <p:cNvPr id="6" name="Title 1"/>
           <p:cNvSpPr>
             <a:spLocks noGrp="1"/>
           </p:cNvSpPr>
@@ -4608,61 +8088,71 @@
             <p:ph type="title"/>
           </p:nvPr>
         </p:nvSpPr>
-        <p:spPr/>
+        <p:spPr>
+          <a:xfrm>
+            <a:off x="838200" y="365125"/>
+            <a:ext cx="10515600" cy="1325563"/>
+          </a:xfrm>
+        </p:spPr>
         <p:txBody>
           <a:bodyPr/>
           <a:lstStyle/>
           <a:p>
             <a:r>
               <a:rPr lang="en-US" dirty="0"/>
-              <a:t>Models</a:t>
-            </a:r>
-          </a:p>
-        </p:txBody>
-      </p:sp>
-      <p:sp>
-        <p:nvSpPr>
-          <p:cNvPr id="3" name="Content Placeholder 2"/>
-          <p:cNvSpPr>
-            <a:spLocks noGrp="1"/>
-          </p:cNvSpPr>
-          <p:nvPr>
-            <p:ph idx="1"/>
-          </p:nvPr>
-        </p:nvSpPr>
-        <p:spPr/>
-        <p:txBody>
-          <a:bodyPr/>
-          <a:lstStyle/>
-          <a:p>
-            <a:r>
-              <a:rPr lang="en-US" dirty="0"/>
-              <a:t>Logistic Regression</a:t>
-            </a:r>
-          </a:p>
-          <a:p>
-            <a:pPr lvl="1"/>
-            <a:r>
-              <a:rPr lang="en-US" dirty="0"/>
-              <a:t>Graphs on data transform</a:t>
-            </a:r>
-          </a:p>
-          <a:p>
-            <a:pPr lvl="1"/>
-            <a:r>
-              <a:rPr lang="en-US" dirty="0"/>
-              <a:t>Graphs tweaking performance</a:t>
-            </a:r>
-          </a:p>
-          <a:p>
-            <a:pPr lvl="1"/>
-            <a:r>
-              <a:rPr lang="en-US" dirty="0"/>
-              <a:t>Talk about Overfitting</a:t>
-            </a:r>
-          </a:p>
-        </p:txBody>
-      </p:sp>
+              <a:t>Models – Logistic Regression</a:t>
+            </a:r>
+          </a:p>
+        </p:txBody>
+      </p:sp>
+      <p:pic>
+        <p:nvPicPr>
+          <p:cNvPr id="7" name="Picture 6"/>
+          <p:cNvPicPr>
+            <a:picLocks noChangeAspect="1"/>
+          </p:cNvPicPr>
+          <p:nvPr/>
+        </p:nvPicPr>
+        <p:blipFill>
+          <a:blip r:embed="rId2"/>
+          <a:stretch>
+            <a:fillRect/>
+          </a:stretch>
+        </p:blipFill>
+        <p:spPr>
+          <a:xfrm>
+            <a:off x="913635" y="1826085"/>
+            <a:ext cx="3838095" cy="2685714"/>
+          </a:xfrm>
+          <a:prstGeom prst="rect">
+            <a:avLst/>
+          </a:prstGeom>
+        </p:spPr>
+      </p:pic>
+      <p:pic>
+        <p:nvPicPr>
+          <p:cNvPr id="8" name="Picture 7"/>
+          <p:cNvPicPr>
+            <a:picLocks noChangeAspect="1"/>
+          </p:cNvPicPr>
+          <p:nvPr/>
+        </p:nvPicPr>
+        <p:blipFill>
+          <a:blip r:embed="rId3"/>
+          <a:stretch>
+            <a:fillRect/>
+          </a:stretch>
+        </p:blipFill>
+        <p:spPr>
+          <a:xfrm>
+            <a:off x="6012763" y="1690688"/>
+            <a:ext cx="4142857" cy="2780952"/>
+          </a:xfrm>
+          <a:prstGeom prst="rect">
+            <a:avLst/>
+          </a:prstGeom>
+        </p:spPr>
+      </p:pic>
     </p:spTree>
     <p:extLst>
       <p:ext uri="{BB962C8B-B14F-4D97-AF65-F5344CB8AC3E}">
@@ -4695,7 +8185,7 @@
       </p:grpSpPr>
       <p:sp>
         <p:nvSpPr>
-          <p:cNvPr id="2" name="Title 1"/>
+          <p:cNvPr id="4" name="Title 1"/>
           <p:cNvSpPr>
             <a:spLocks noGrp="1"/>
           </p:cNvSpPr>
@@ -4703,54 +8193,26 @@
             <p:ph type="title"/>
           </p:nvPr>
         </p:nvSpPr>
-        <p:spPr/>
+        <p:spPr>
+          <a:xfrm>
+            <a:off x="838200" y="365125"/>
+            <a:ext cx="10515600" cy="1325563"/>
+          </a:xfrm>
+        </p:spPr>
         <p:txBody>
           <a:bodyPr/>
           <a:lstStyle/>
           <a:p>
             <a:r>
               <a:rPr lang="en-US" dirty="0"/>
-              <a:t>Models</a:t>
-            </a:r>
-          </a:p>
-        </p:txBody>
-      </p:sp>
-      <p:sp>
-        <p:nvSpPr>
-          <p:cNvPr id="3" name="Content Placeholder 2"/>
-          <p:cNvSpPr>
-            <a:spLocks noGrp="1"/>
-          </p:cNvSpPr>
-          <p:nvPr>
-            <p:ph idx="1"/>
-          </p:nvPr>
-        </p:nvSpPr>
-        <p:spPr/>
-        <p:txBody>
-          <a:bodyPr/>
-          <a:lstStyle/>
-          <a:p>
-            <a:r>
-              <a:rPr lang="en-US" dirty="0"/>
-              <a:t>SVM(Add ROC, change headers of the graph)</a:t>
-            </a:r>
-          </a:p>
-          <a:p>
-            <a:pPr lvl="1"/>
-            <a:r>
-              <a:rPr lang="en-US" dirty="0"/>
-              <a:t>Graphs on data transform</a:t>
-            </a:r>
-          </a:p>
-          <a:p>
-            <a:pPr lvl="1"/>
-            <a:endParaRPr lang="en-US" dirty="0"/>
+              <a:t>Models – Logistic Regression</a:t>
+            </a:r>
           </a:p>
         </p:txBody>
       </p:sp>
       <p:pic>
         <p:nvPicPr>
-          <p:cNvPr id="4" name="Picture 3"/>
+          <p:cNvPr id="5" name="Picture 4"/>
           <p:cNvPicPr>
             <a:picLocks noChangeAspect="1"/>
           </p:cNvPicPr>
@@ -4770,68 +8232,8 @@
         </p:blipFill>
         <p:spPr>
           <a:xfrm>
-            <a:off x="4666155" y="325368"/>
-            <a:ext cx="2409524" cy="1295238"/>
-          </a:xfrm>
-          <a:prstGeom prst="rect">
-            <a:avLst/>
-          </a:prstGeom>
-        </p:spPr>
-      </p:pic>
-      <p:pic>
-        <p:nvPicPr>
-          <p:cNvPr id="5" name="Picture 4"/>
-          <p:cNvPicPr>
-            <a:picLocks noChangeAspect="1"/>
-          </p:cNvPicPr>
-          <p:nvPr/>
-        </p:nvPicPr>
-        <p:blipFill>
-          <a:blip r:embed="rId3">
-            <a:extLst>
-              <a:ext uri="{28A0092B-C50C-407E-A947-70E740481C1C}">
-                <a14:useLocalDpi xmlns:a14="http://schemas.microsoft.com/office/drawing/2010/main" val="0"/>
-              </a:ext>
-            </a:extLst>
-          </a:blip>
-          <a:stretch>
-            <a:fillRect/>
-          </a:stretch>
-        </p:blipFill>
-        <p:spPr>
-          <a:xfrm>
-            <a:off x="7181696" y="2785290"/>
-            <a:ext cx="4623853" cy="3391673"/>
-          </a:xfrm>
-          <a:prstGeom prst="rect">
-            <a:avLst/>
-          </a:prstGeom>
-        </p:spPr>
-      </p:pic>
-      <p:pic>
-        <p:nvPicPr>
-          <p:cNvPr id="6" name="Picture 5"/>
-          <p:cNvPicPr>
-            <a:picLocks noChangeAspect="1"/>
-          </p:cNvPicPr>
-          <p:nvPr/>
-        </p:nvPicPr>
-        <p:blipFill>
-          <a:blip r:embed="rId4">
-            <a:extLst>
-              <a:ext uri="{28A0092B-C50C-407E-A947-70E740481C1C}">
-                <a14:useLocalDpi xmlns:a14="http://schemas.microsoft.com/office/drawing/2010/main" val="0"/>
-              </a:ext>
-            </a:extLst>
-          </a:blip>
-          <a:stretch>
-            <a:fillRect/>
-          </a:stretch>
-        </p:blipFill>
-        <p:spPr>
-          <a:xfrm>
-            <a:off x="1472147" y="3308745"/>
-            <a:ext cx="4623853" cy="3391673"/>
+            <a:off x="2973255" y="1623576"/>
+            <a:ext cx="6002964" cy="4502222"/>
           </a:xfrm>
           <a:prstGeom prst="rect">
             <a:avLst/>
@@ -4841,7 +8243,7 @@
     </p:spTree>
     <p:extLst>
       <p:ext uri="{BB962C8B-B14F-4D97-AF65-F5344CB8AC3E}">
-        <p14:creationId xmlns:p14="http://schemas.microsoft.com/office/powerpoint/2010/main" val="2569030362"/>
+        <p14:creationId xmlns:p14="http://schemas.microsoft.com/office/powerpoint/2010/main" val="4198319778"/>
       </p:ext>
     </p:extLst>
   </p:cSld>
@@ -4870,49 +8272,74 @@
       </p:grpSpPr>
       <p:sp>
         <p:nvSpPr>
-          <p:cNvPr id="4" name="Rectangle 3"/>
-          <p:cNvSpPr/>
-          <p:nvPr/>
+          <p:cNvPr id="2" name="Title 1"/>
+          <p:cNvSpPr>
+            <a:spLocks noGrp="1"/>
+          </p:cNvSpPr>
+          <p:nvPr>
+            <p:ph type="title"/>
+          </p:nvPr>
         </p:nvSpPr>
         <p:spPr>
           <a:xfrm>
-            <a:off x="569844" y="496453"/>
-            <a:ext cx="6096000" cy="923330"/>
-          </a:xfrm>
-          <a:prstGeom prst="rect">
-            <a:avLst/>
-          </a:prstGeom>
+            <a:off x="0" y="-2086"/>
+            <a:ext cx="10515600" cy="1325563"/>
+          </a:xfrm>
+        </p:spPr>
+        <p:txBody>
+          <a:bodyPr/>
+          <a:lstStyle/>
+          <a:p>
+            <a:r>
+              <a:rPr lang="en-US" dirty="0"/>
+              <a:t>Models</a:t>
+            </a:r>
+          </a:p>
+        </p:txBody>
+      </p:sp>
+      <p:sp>
+        <p:nvSpPr>
+          <p:cNvPr id="3" name="Content Placeholder 2"/>
+          <p:cNvSpPr>
+            <a:spLocks noGrp="1"/>
+          </p:cNvSpPr>
+          <p:nvPr>
+            <p:ph idx="1"/>
+          </p:nvPr>
+        </p:nvSpPr>
+        <p:spPr>
+          <a:xfrm>
+            <a:off x="455017" y="1099407"/>
+            <a:ext cx="8969641" cy="834031"/>
+          </a:xfrm>
         </p:spPr>
         <p:txBody>
           <a:bodyPr>
-            <a:spAutoFit/>
+            <a:normAutofit lnSpcReduction="10000"/>
           </a:bodyPr>
           <a:lstStyle/>
           <a:p>
             <a:r>
               <a:rPr lang="en-US" dirty="0"/>
-              <a:t>SVM(Add ROC)</a:t>
+              <a:t>SVM</a:t>
             </a:r>
           </a:p>
           <a:p>
             <a:pPr lvl="1"/>
             <a:r>
               <a:rPr lang="en-US" dirty="0"/>
-              <a:t>Graphs tweaking performance</a:t>
+              <a:t>Graphs on data transform</a:t>
             </a:r>
           </a:p>
           <a:p>
             <a:pPr lvl="1"/>
-            <a:r>
-              <a:rPr lang="en-US" dirty="0"/>
-              <a:t>Talk about Overfitting</a:t>
-            </a:r>
+            <a:endParaRPr lang="en-US" dirty="0"/>
           </a:p>
         </p:txBody>
       </p:sp>
       <p:pic>
         <p:nvPicPr>
-          <p:cNvPr id="5" name="Picture 4"/>
+          <p:cNvPr id="4" name="Picture 3"/>
           <p:cNvPicPr>
             <a:picLocks noChangeAspect="1"/>
           </p:cNvPicPr>
@@ -4932,18 +8359,507 @@
         </p:blipFill>
         <p:spPr>
           <a:xfrm>
-            <a:off x="819045" y="1916043"/>
-            <a:ext cx="7269879" cy="4734287"/>
+            <a:off x="4445557" y="2059282"/>
+            <a:ext cx="3141866" cy="1608163"/>
           </a:xfrm>
           <a:prstGeom prst="rect">
             <a:avLst/>
           </a:prstGeom>
         </p:spPr>
       </p:pic>
+      <p:pic>
+        <p:nvPicPr>
+          <p:cNvPr id="7" name="Picture 6"/>
+          <p:cNvPicPr>
+            <a:picLocks noChangeAspect="1"/>
+          </p:cNvPicPr>
+          <p:nvPr/>
+        </p:nvPicPr>
+        <p:blipFill>
+          <a:blip r:embed="rId3">
+            <a:extLst>
+              <a:ext uri="{28A0092B-C50C-407E-A947-70E740481C1C}">
+                <a14:useLocalDpi xmlns:a14="http://schemas.microsoft.com/office/drawing/2010/main" val="0"/>
+              </a:ext>
+            </a:extLst>
+          </a:blip>
+          <a:stretch>
+            <a:fillRect/>
+          </a:stretch>
+        </p:blipFill>
+        <p:spPr>
+          <a:xfrm>
+            <a:off x="478441" y="2059282"/>
+            <a:ext cx="2445029" cy="1600901"/>
+          </a:xfrm>
+          <a:prstGeom prst="rect">
+            <a:avLst/>
+          </a:prstGeom>
+        </p:spPr>
+      </p:pic>
+      <p:pic>
+        <p:nvPicPr>
+          <p:cNvPr id="8" name="Picture 7"/>
+          <p:cNvPicPr>
+            <a:picLocks noChangeAspect="1"/>
+          </p:cNvPicPr>
+          <p:nvPr/>
+        </p:nvPicPr>
+        <p:blipFill>
+          <a:blip r:embed="rId4">
+            <a:extLst>
+              <a:ext uri="{28A0092B-C50C-407E-A947-70E740481C1C}">
+                <a14:useLocalDpi xmlns:a14="http://schemas.microsoft.com/office/drawing/2010/main" val="0"/>
+              </a:ext>
+            </a:extLst>
+          </a:blip>
+          <a:stretch>
+            <a:fillRect/>
+          </a:stretch>
+        </p:blipFill>
+        <p:spPr>
+          <a:xfrm>
+            <a:off x="9109510" y="2059282"/>
+            <a:ext cx="2537626" cy="1561087"/>
+          </a:xfrm>
+          <a:prstGeom prst="rect">
+            <a:avLst/>
+          </a:prstGeom>
+        </p:spPr>
+      </p:pic>
+      <p:pic>
+        <p:nvPicPr>
+          <p:cNvPr id="9" name="Picture 8"/>
+          <p:cNvPicPr>
+            <a:picLocks noChangeAspect="1"/>
+          </p:cNvPicPr>
+          <p:nvPr/>
+        </p:nvPicPr>
+        <p:blipFill>
+          <a:blip r:embed="rId5">
+            <a:extLst>
+              <a:ext uri="{28A0092B-C50C-407E-A947-70E740481C1C}">
+                <a14:useLocalDpi xmlns:a14="http://schemas.microsoft.com/office/drawing/2010/main" val="0"/>
+              </a:ext>
+            </a:extLst>
+          </a:blip>
+          <a:stretch>
+            <a:fillRect/>
+          </a:stretch>
+        </p:blipFill>
+        <p:spPr>
+          <a:xfrm>
+            <a:off x="400370" y="3799616"/>
+            <a:ext cx="2601170" cy="2601170"/>
+          </a:xfrm>
+          <a:prstGeom prst="rect">
+            <a:avLst/>
+          </a:prstGeom>
+        </p:spPr>
+      </p:pic>
+      <p:sp>
+        <p:nvSpPr>
+          <p:cNvPr id="10" name="TextBox 9"/>
+          <p:cNvSpPr txBox="1"/>
+          <p:nvPr/>
+        </p:nvSpPr>
+        <p:spPr>
+          <a:xfrm>
+            <a:off x="9500284" y="6223216"/>
+            <a:ext cx="2146852" cy="369332"/>
+          </a:xfrm>
+          <a:prstGeom prst="rect">
+            <a:avLst/>
+          </a:prstGeom>
+          <a:noFill/>
+        </p:spPr>
+        <p:txBody>
+          <a:bodyPr wrap="square" rtlCol="0">
+            <a:spAutoFit/>
+          </a:bodyPr>
+          <a:lstStyle/>
+          <a:p>
+            <a:r>
+              <a:rPr lang="en-US" dirty="0"/>
+              <a:t>False Positive Rate</a:t>
+            </a:r>
+          </a:p>
+        </p:txBody>
+      </p:sp>
+      <p:sp>
+        <p:nvSpPr>
+          <p:cNvPr id="11" name="Rectangle 10"/>
+          <p:cNvSpPr/>
+          <p:nvPr/>
+        </p:nvSpPr>
+        <p:spPr>
+          <a:xfrm>
+            <a:off x="5035185" y="6216120"/>
+            <a:ext cx="1907830" cy="369332"/>
+          </a:xfrm>
+          <a:prstGeom prst="rect">
+            <a:avLst/>
+          </a:prstGeom>
+        </p:spPr>
+        <p:txBody>
+          <a:bodyPr wrap="none">
+            <a:spAutoFit/>
+          </a:bodyPr>
+          <a:lstStyle/>
+          <a:p>
+            <a:r>
+              <a:rPr lang="en-US" dirty="0"/>
+              <a:t>False Positive Rate</a:t>
+            </a:r>
+          </a:p>
+        </p:txBody>
+      </p:sp>
+      <p:sp>
+        <p:nvSpPr>
+          <p:cNvPr id="12" name="Rectangle 11"/>
+          <p:cNvSpPr/>
+          <p:nvPr/>
+        </p:nvSpPr>
+        <p:spPr>
+          <a:xfrm>
+            <a:off x="731301" y="6225954"/>
+            <a:ext cx="1907830" cy="369332"/>
+          </a:xfrm>
+          <a:prstGeom prst="rect">
+            <a:avLst/>
+          </a:prstGeom>
+        </p:spPr>
+        <p:txBody>
+          <a:bodyPr wrap="none">
+            <a:spAutoFit/>
+          </a:bodyPr>
+          <a:lstStyle/>
+          <a:p>
+            <a:r>
+              <a:rPr lang="en-US" dirty="0"/>
+              <a:t>False Positive Rate</a:t>
+            </a:r>
+          </a:p>
+        </p:txBody>
+      </p:sp>
+      <p:sp>
+        <p:nvSpPr>
+          <p:cNvPr id="13" name="Rectangle 12"/>
+          <p:cNvSpPr/>
+          <p:nvPr/>
+        </p:nvSpPr>
+        <p:spPr>
+          <a:xfrm rot="16200000">
+            <a:off x="-579315" y="4946402"/>
+            <a:ext cx="1854867" cy="369332"/>
+          </a:xfrm>
+          <a:prstGeom prst="rect">
+            <a:avLst/>
+          </a:prstGeom>
+        </p:spPr>
+        <p:txBody>
+          <a:bodyPr wrap="none">
+            <a:spAutoFit/>
+          </a:bodyPr>
+          <a:lstStyle/>
+          <a:p>
+            <a:r>
+              <a:rPr lang="en-US" dirty="0"/>
+              <a:t>True Positive Rate</a:t>
+            </a:r>
+          </a:p>
+        </p:txBody>
+      </p:sp>
+      <p:sp>
+        <p:nvSpPr>
+          <p:cNvPr id="14" name="Rectangle 13"/>
+          <p:cNvSpPr/>
+          <p:nvPr/>
+        </p:nvSpPr>
+        <p:spPr>
+          <a:xfrm rot="16200000">
+            <a:off x="7931632" y="4906904"/>
+            <a:ext cx="1854867" cy="369332"/>
+          </a:xfrm>
+          <a:prstGeom prst="rect">
+            <a:avLst/>
+          </a:prstGeom>
+        </p:spPr>
+        <p:txBody>
+          <a:bodyPr wrap="none">
+            <a:spAutoFit/>
+          </a:bodyPr>
+          <a:lstStyle/>
+          <a:p>
+            <a:r>
+              <a:rPr lang="en-US" dirty="0"/>
+              <a:t>True Positive Rate</a:t>
+            </a:r>
+          </a:p>
+        </p:txBody>
+      </p:sp>
+      <p:sp>
+        <p:nvSpPr>
+          <p:cNvPr id="15" name="Rectangle 14"/>
+          <p:cNvSpPr/>
+          <p:nvPr/>
+        </p:nvSpPr>
+        <p:spPr>
+          <a:xfrm rot="16200000">
+            <a:off x="3682623" y="4906904"/>
+            <a:ext cx="1854867" cy="369332"/>
+          </a:xfrm>
+          <a:prstGeom prst="rect">
+            <a:avLst/>
+          </a:prstGeom>
+        </p:spPr>
+        <p:txBody>
+          <a:bodyPr wrap="none">
+            <a:spAutoFit/>
+          </a:bodyPr>
+          <a:lstStyle/>
+          <a:p>
+            <a:r>
+              <a:rPr lang="en-US" dirty="0"/>
+              <a:t>True Positive Rate</a:t>
+            </a:r>
+          </a:p>
+        </p:txBody>
+      </p:sp>
+      <p:sp>
+        <p:nvSpPr>
+          <p:cNvPr id="16" name="TextBox 15"/>
+          <p:cNvSpPr txBox="1"/>
+          <p:nvPr/>
+        </p:nvSpPr>
+        <p:spPr>
+          <a:xfrm>
+            <a:off x="1502172" y="5091571"/>
+            <a:ext cx="1948260" cy="369332"/>
+          </a:xfrm>
+          <a:prstGeom prst="rect">
+            <a:avLst/>
+          </a:prstGeom>
+          <a:noFill/>
+        </p:spPr>
+        <p:txBody>
+          <a:bodyPr wrap="square" rtlCol="0">
+            <a:spAutoFit/>
+          </a:bodyPr>
+          <a:lstStyle/>
+          <a:p>
+            <a:r>
+              <a:rPr lang="en-US" dirty="0"/>
+              <a:t>AUC:0.800586 </a:t>
+            </a:r>
+          </a:p>
+        </p:txBody>
+      </p:sp>
+      <p:pic>
+        <p:nvPicPr>
+          <p:cNvPr id="17" name="Picture 16"/>
+          <p:cNvPicPr>
+            <a:picLocks noChangeAspect="1"/>
+          </p:cNvPicPr>
+          <p:nvPr/>
+        </p:nvPicPr>
+        <p:blipFill>
+          <a:blip r:embed="rId6">
+            <a:extLst>
+              <a:ext uri="{28A0092B-C50C-407E-A947-70E740481C1C}">
+                <a14:useLocalDpi xmlns:a14="http://schemas.microsoft.com/office/drawing/2010/main" val="0"/>
+              </a:ext>
+            </a:extLst>
+          </a:blip>
+          <a:stretch>
+            <a:fillRect/>
+          </a:stretch>
+        </p:blipFill>
+        <p:spPr>
+          <a:xfrm>
+            <a:off x="4744695" y="3828406"/>
+            <a:ext cx="2543589" cy="2543589"/>
+          </a:xfrm>
+          <a:prstGeom prst="rect">
+            <a:avLst/>
+          </a:prstGeom>
+        </p:spPr>
+      </p:pic>
+      <p:sp>
+        <p:nvSpPr>
+          <p:cNvPr id="18" name="Rectangle 17"/>
+          <p:cNvSpPr/>
+          <p:nvPr/>
+        </p:nvSpPr>
+        <p:spPr>
+          <a:xfrm>
+            <a:off x="5769681" y="5131068"/>
+            <a:ext cx="1460272" cy="369332"/>
+          </a:xfrm>
+          <a:prstGeom prst="rect">
+            <a:avLst/>
+          </a:prstGeom>
+        </p:spPr>
+        <p:txBody>
+          <a:bodyPr wrap="none">
+            <a:spAutoFit/>
+          </a:bodyPr>
+          <a:lstStyle/>
+          <a:p>
+            <a:r>
+              <a:rPr lang="en-US" dirty="0"/>
+              <a:t>AUC:0.86057 </a:t>
+            </a:r>
+          </a:p>
+        </p:txBody>
+      </p:sp>
+      <p:sp>
+        <p:nvSpPr>
+          <p:cNvPr id="19" name="TextBox 18"/>
+          <p:cNvSpPr txBox="1"/>
+          <p:nvPr/>
+        </p:nvSpPr>
+        <p:spPr>
+          <a:xfrm>
+            <a:off x="1490646" y="5364973"/>
+            <a:ext cx="1959786" cy="369332"/>
+          </a:xfrm>
+          <a:prstGeom prst="rect">
+            <a:avLst/>
+          </a:prstGeom>
+          <a:noFill/>
+        </p:spPr>
+        <p:txBody>
+          <a:bodyPr wrap="square" rtlCol="0">
+            <a:spAutoFit/>
+          </a:bodyPr>
+          <a:lstStyle/>
+          <a:p>
+            <a:r>
+              <a:rPr lang="en-US" dirty="0"/>
+              <a:t>Test AUC:0.8129 </a:t>
+            </a:r>
+          </a:p>
+        </p:txBody>
+      </p:sp>
+      <p:sp>
+        <p:nvSpPr>
+          <p:cNvPr id="20" name="Rectangle 19"/>
+          <p:cNvSpPr/>
+          <p:nvPr/>
+        </p:nvSpPr>
+        <p:spPr>
+          <a:xfrm>
+            <a:off x="5744353" y="5399119"/>
+            <a:ext cx="1937325" cy="369332"/>
+          </a:xfrm>
+          <a:prstGeom prst="rect">
+            <a:avLst/>
+          </a:prstGeom>
+        </p:spPr>
+        <p:txBody>
+          <a:bodyPr wrap="none">
+            <a:spAutoFit/>
+          </a:bodyPr>
+          <a:lstStyle/>
+          <a:p>
+            <a:r>
+              <a:rPr lang="en-US" dirty="0"/>
+              <a:t>Test AUC:0.85931  </a:t>
+            </a:r>
+          </a:p>
+        </p:txBody>
+      </p:sp>
+      <p:pic>
+        <p:nvPicPr>
+          <p:cNvPr id="21" name="Picture 20"/>
+          <p:cNvPicPr>
+            <a:picLocks noChangeAspect="1"/>
+          </p:cNvPicPr>
+          <p:nvPr/>
+        </p:nvPicPr>
+        <p:blipFill>
+          <a:blip r:embed="rId7">
+            <a:extLst>
+              <a:ext uri="{28A0092B-C50C-407E-A947-70E740481C1C}">
+                <a14:useLocalDpi xmlns:a14="http://schemas.microsoft.com/office/drawing/2010/main" val="0"/>
+              </a:ext>
+            </a:extLst>
+          </a:blip>
+          <a:stretch>
+            <a:fillRect/>
+          </a:stretch>
+        </p:blipFill>
+        <p:spPr>
+          <a:xfrm>
+            <a:off x="8976660" y="3609601"/>
+            <a:ext cx="2791185" cy="2791185"/>
+          </a:xfrm>
+          <a:prstGeom prst="rect">
+            <a:avLst/>
+          </a:prstGeom>
+        </p:spPr>
+      </p:pic>
+      <p:sp>
+        <p:nvSpPr>
+          <p:cNvPr id="22" name="Rectangle 21"/>
+          <p:cNvSpPr/>
+          <p:nvPr/>
+        </p:nvSpPr>
+        <p:spPr>
+          <a:xfrm>
+            <a:off x="10307573" y="5122456"/>
+            <a:ext cx="1591998" cy="369332"/>
+          </a:xfrm>
+          <a:prstGeom prst="rect">
+            <a:avLst/>
+          </a:prstGeom>
+        </p:spPr>
+        <p:txBody>
+          <a:bodyPr wrap="square">
+            <a:spAutoFit/>
+          </a:bodyPr>
+          <a:lstStyle/>
+          <a:p>
+            <a:r>
+              <a:rPr lang="en-US" dirty="0"/>
+              <a:t>AUC:0.729937  </a:t>
+            </a:r>
+          </a:p>
+        </p:txBody>
+      </p:sp>
+      <p:sp>
+        <p:nvSpPr>
+          <p:cNvPr id="23" name="Rectangle 22"/>
+          <p:cNvSpPr/>
+          <p:nvPr/>
+        </p:nvSpPr>
+        <p:spPr>
+          <a:xfrm>
+            <a:off x="10307573" y="5403003"/>
+            <a:ext cx="1884427" cy="369332"/>
+          </a:xfrm>
+          <a:prstGeom prst="rect">
+            <a:avLst/>
+          </a:prstGeom>
+        </p:spPr>
+        <p:txBody>
+          <a:bodyPr wrap="none">
+            <a:spAutoFit/>
+          </a:bodyPr>
+          <a:lstStyle/>
+          <a:p>
+            <a:r>
+              <a:rPr lang="en-US" dirty="0"/>
+              <a:t>Test AUC:0.71758 </a:t>
+            </a:r>
+          </a:p>
+        </p:txBody>
+      </p:sp>
     </p:spTree>
     <p:extLst>
       <p:ext uri="{BB962C8B-B14F-4D97-AF65-F5344CB8AC3E}">
-        <p14:creationId xmlns:p14="http://schemas.microsoft.com/office/powerpoint/2010/main" val="3715628000"/>
+        <p14:creationId xmlns:p14="http://schemas.microsoft.com/office/powerpoint/2010/main" val="2569030362"/>
       </p:ext>
     </p:extLst>
   </p:cSld>
